--- a/Projectdocuments/GruppPresentation_NL.pptx
+++ b/Projectdocuments/GruppPresentation_NL.pptx
@@ -11,13 +11,21 @@
     <p:sldId id="261" r:id="rId5"/>
     <p:sldId id="262" r:id="rId6"/>
     <p:sldId id="263" r:id="rId7"/>
-    <p:sldId id="264" r:id="rId8"/>
-    <p:sldId id="270" r:id="rId9"/>
-    <p:sldId id="271" r:id="rId10"/>
-    <p:sldId id="265" r:id="rId11"/>
-    <p:sldId id="266" r:id="rId12"/>
-    <p:sldId id="267" r:id="rId13"/>
-    <p:sldId id="272" r:id="rId14"/>
+    <p:sldId id="274" r:id="rId8"/>
+    <p:sldId id="276" r:id="rId9"/>
+    <p:sldId id="275" r:id="rId10"/>
+    <p:sldId id="277" r:id="rId11"/>
+    <p:sldId id="278" r:id="rId12"/>
+    <p:sldId id="279" r:id="rId13"/>
+    <p:sldId id="281" r:id="rId14"/>
+    <p:sldId id="264" r:id="rId15"/>
+    <p:sldId id="270" r:id="rId16"/>
+    <p:sldId id="271" r:id="rId17"/>
+    <p:sldId id="265" r:id="rId18"/>
+    <p:sldId id="266" r:id="rId19"/>
+    <p:sldId id="267" r:id="rId20"/>
+    <p:sldId id="282" r:id="rId21"/>
+    <p:sldId id="272" r:id="rId22"/>
   </p:sldIdLst>
   <p:sldSz cx="12192000" cy="6858000"/>
   <p:notesSz cx="6858000" cy="9144000"/>
@@ -122,6 +130,286 @@
     </p:ext>
   </p:extLst>
 </p:presentation>
+</file>
+
+<file path=ppt/ink/ink1.xml><?xml version="1.0" encoding="utf-8"?>
+<inkml:ink xmlns:inkml="http://www.w3.org/2003/InkML">
+  <inkml:definitions>
+    <inkml:context xml:id="ctx0">
+      <inkml:inkSource xml:id="inkSrc0">
+        <inkml:traceFormat>
+          <inkml:channel name="X" type="integer" min="-2.14748E9" max="2.14748E9" units="cm"/>
+          <inkml:channel name="Y" type="integer" min="-2.14748E9" max="2.14748E9" units="cm"/>
+          <inkml:channel name="F" type="integer" max="32767" units="dev"/>
+        </inkml:traceFormat>
+        <inkml:channelProperties>
+          <inkml:channelProperty channel="X" name="resolution" value="1000" units="1/cm"/>
+          <inkml:channelProperty channel="Y" name="resolution" value="1000" units="1/cm"/>
+          <inkml:channelProperty channel="F" name="resolution" value="0" units="1/dev"/>
+        </inkml:channelProperties>
+      </inkml:inkSource>
+      <inkml:timestamp xml:id="ts0" timeString="2022-02-22T13:15:22.624"/>
+    </inkml:context>
+    <inkml:brush xml:id="br0">
+      <inkml:brushProperty name="width" value="0.05" units="cm"/>
+      <inkml:brushProperty name="height" value="0.05" units="cm"/>
+      <inkml:brushProperty name="color" value="#E71224"/>
+    </inkml:brush>
+  </inkml:definitions>
+  <inkml:trace contextRef="#ctx0" brushRef="#br0">1 1 24575,'106'-1'0,"120"3"0,-109 12 0,-68-8 0,52 2 0,-49-8-1365,-29 0-5461</inkml:trace>
+</inkml:ink>
+</file>
+
+<file path=ppt/ink/ink10.xml><?xml version="1.0" encoding="utf-8"?>
+<inkml:ink xmlns:inkml="http://www.w3.org/2003/InkML">
+  <inkml:definitions>
+    <inkml:context xml:id="ctx0">
+      <inkml:inkSource xml:id="inkSrc0">
+        <inkml:traceFormat>
+          <inkml:channel name="X" type="integer" min="-2.14748E9" max="2.14748E9" units="cm"/>
+          <inkml:channel name="Y" type="integer" min="-2.14748E9" max="2.14748E9" units="cm"/>
+          <inkml:channel name="F" type="integer" max="32767" units="dev"/>
+        </inkml:traceFormat>
+        <inkml:channelProperties>
+          <inkml:channelProperty channel="X" name="resolution" value="1000" units="1/cm"/>
+          <inkml:channelProperty channel="Y" name="resolution" value="1000" units="1/cm"/>
+          <inkml:channelProperty channel="F" name="resolution" value="0" units="1/dev"/>
+        </inkml:channelProperties>
+      </inkml:inkSource>
+      <inkml:timestamp xml:id="ts0" timeString="2022-02-22T13:15:51.222"/>
+    </inkml:context>
+    <inkml:brush xml:id="br0">
+      <inkml:brushProperty name="width" value="0.05" units="cm"/>
+      <inkml:brushProperty name="height" value="0.05" units="cm"/>
+      <inkml:brushProperty name="color" value="#E71224"/>
+    </inkml:brush>
+  </inkml:definitions>
+  <inkml:trace contextRef="#ctx0" brushRef="#br0">683 1 24575,'-1'37'0,"-2"-1"0,-2 1 0,-18 69 0,-45 100 0,-2-30 0,-39 120 0,105-284 0,2-7 0,0 0 0,1 0 0,-1 0 0,1 0 0,0 0 0,0 0 0,1 0 0,0 0 0,0 0 0,0 1 0,0-1 0,1 0 0,1 5 0,-2-9 0,0-1 0,1 1 0,-1-1 0,0 1 0,1-1 0,-1 1 0,1-1 0,-1 1 0,1-1 0,-1 0 0,1 1 0,-1-1 0,1 0 0,0 0 0,-1 1 0,1-1 0,-1 0 0,1 0 0,-1 0 0,1 0 0,0 0 0,-1 0 0,1 0 0,0 0 0,-1 0 0,1 0 0,-1 0 0,1 0 0,0 0 0,-1 0 0,1 0 0,-1-1 0,1 1 0,0 0 0,-1 0 0,1-1 0,22-15 0,-21 15 0,26-22 0,-2-2 0,42-49 0,38-65 0,5-7 0,-124 182 0,-254 520 0,241-504 0,23-47 0,-16 33 0,-22 63 0,40-100 0,1 0 0,-1 0 0,1 0 0,0 0 0,-1 1 0,1-1 0,0 0 0,0 0 0,0 0 0,0 0 0,0 1 0,0-1 0,0 0 0,0 0 0,0 0 0,1 0 0,-1 1 0,0-1 0,1 0 0,-1 0 0,2 1 0,-2-1 0,1-1 0,0 1 0,0-1 0,-1 1 0,1-1 0,0 1 0,0-1 0,0 0 0,0 0 0,0 1 0,0-1 0,0 0 0,0 0 0,0 0 0,-1 0 0,1 0 0,0 0 0,0 0 0,0 0 0,1-1 0,5 0 0,0-1 0,0 0 0,-1-1 0,1 1 0,10-7 0,53-37 0,-50 31 0,0 1 0,2 1 0,-1 1 0,2 1 0,33-11 0,-53 21 0,0 0 0,0 0 0,0 0 0,0 1 0,0 0 0,0-1 0,-1 1 0,1 0 0,0 1 0,0-1 0,0 0 0,0 1 0,0 0 0,4 1 0,-5-1 0,0 0 0,-1 0 0,1 1 0,-1-1 0,1 1 0,-1-1 0,1 1 0,-1-1 0,0 1 0,0 0 0,0 0 0,0 0 0,0-1 0,0 1 0,0 0 0,-1 0 0,1 0 0,-1 0 0,1 0 0,-1 1 0,0-1 0,0 3 0,1 11 0,-1 1 0,-1-1 0,0 1 0,-1-1 0,-7 26 0,-31 82 0,40-123 0,-31 76 0,-61 114 0,-57 61 0,129-220 0,8-13 0,8-13 0,0 0 0,0 0 0,0 0 0,1 0 0,0 1 0,0-1 0,1 1 0,-1 0 0,1 0 0,-1 9 0,3-16 0,0 0 0,0 1 0,0-1 0,0 0 0,0 1 0,0-1 0,0 1 0,0-1 0,0 0 0,0 1 0,1-1 0,-1 1 0,0-1 0,0 0 0,0 1 0,0-1 0,1 0 0,-1 1 0,0-1 0,0 0 0,1 1 0,-1-1 0,0 0 0,1 0 0,-1 1 0,0-1 0,1 0 0,-1 0 0,0 0 0,1 1 0,-1-1 0,0 0 0,1 0 0,-1 0 0,1 0 0,-1 0 0,0 0 0,1 0 0,-1 0 0,0 0 0,1 0 0,-1 0 0,1 0 0,-1 0 0,0 0 0,1 0 0,-1 0 0,1 0 0,-1 0 0,0-1 0,1 1 0,-1 0 0,0 0 0,1-1 0,22-14 0,122-113 0,-40 32 0,-64 61 0,134-124 0,-273 319 0,93-152 0,-13 19 0,0 0 0,2 1 0,1 0 0,-20 57 0,35-84 0,-1 0 0,1 1 0,-1-1 0,1 0 0,0 0 0,0 1 0,0-1 0,-1 0 0,1 0 0,1 1 0,-1-1 0,0 0 0,0 0 0,0 0 0,1 1 0,0 1 0,13 2 0,-2-2 0,-12-3 0,1 0 0,0 1 0,-1-1 0,1 1 0,0-1 0,-1 1 0,1-1 0,-1 1 0,1-1 0,-1 1 0,1-1 0,-1 1 0,0-1 0,1 1 0,-1 0 0,1-1 0,-1 1 0,0 0 0,0-1 0,1 1 0,-1 0 0,0 0 0,0-1 0,0 1 0,0 0 0,0 1 0,-2 24 0,2-23 0,-10 44 0,-2-1 0,-2 1 0,-2-2 0,-33 67 0,40-91 0,-325 583 0,72-149 0,244-416 0,19-39 0,-1 0 0,0 0 0,0 0 0,0 0 0,0 0 0,0 0 0,1 0 0,-1-1 0,0 1 0,0 0 0,0 0 0,0 0 0,1 0 0,-1 0 0,0 0 0,0 0 0,0 0 0,0 0 0,1 0 0,-1 0 0,0 0 0,0 0 0,0 1 0,0-1 0,1 0 0,-1 0 0,0 0 0,0 0 0,0 0 0,0 0 0,0 0 0,1 0 0,-1 0 0,0 1 0,0-1 0,0 0 0,0 0 0,0 0 0,0 0 0,0 0 0,1 0 0,-1 1 0,0-1 0,0 0 0,0 0 0,0 0 0,0 0 0,0 1 0,0-1 0,0 0 0,0 0 0,0 0 0,0 0 0,0 1 0,0-1 0,0 0 0,0 0 0,0 1 0,12-11 0,0 0 0,-1 0 0,0-1 0,14-18 0,10-11 0,111-119 0,-146 158 0,1 0 0,-1 1 0,1-1 0,-1 1 0,1-1 0,0 0 0,-1 1 0,1 0 0,-1-1 0,1 1 0,0-1 0,-1 1 0,1 0 0,0-1 0,-1 1 0,1 0 0,0 0 0,0-1 0,-1 1 0,1 0 0,0 0 0,0 0 0,-1 0 0,1 0 0,1 0 0,-1 1 0,0 0 0,-1-1 0,1 1 0,-1 0 0,1-1 0,0 1 0,-1 0 0,1 0 0,-1-1 0,0 1 0,1 0 0,-1 0 0,0 0 0,1 0 0,-1 0 0,0-1 0,0 1 0,0 1 0,0 50 0,0-46 0,-9 70 0,-4-1 0,-33 113 0,31-131 0,7-22 0,8-34 0,-1-1 0,1 0 0,0 1 0,0-1 0,0 0 0,0 1 0,-1-1 0,1 1 0,0-1 0,0 0 0,0 1 0,0-1 0,0 1 0,0-1 0,0 0 0,0 1 0,0-1 0,0 1 0,1-1 0,-1 0 0,0 1 0,0-1 0,0 0 0,0 1 0,1-1 0,-1 0 0,0 1 0,0-1 0,0 0 0,1 1 0,-1-1 0,0 0 0,1 1 0,-1-1 0,0 0 0,1 0 0,-1 0 0,0 1 0,1-1 0,-1 0 0,0 0 0,1 0 0,-1 0 0,1 0 0,-1 0 0,0 1 0,1-1 0,-1 0 0,1 0 0,-1 0 0,0 0 0,1-1 0,-1 1 0,0 0 0,1 0 0,-1 0 0,1 0 0,-1 0 0,0 0 0,1-1 0,-1 1 0,1 0 0,26-18 0,-22 15 0,19-17 0,38-38 0,-5 4 0,-29 35 0,-28 19 0,1 0 0,-1 0 0,1 0 0,-1 0 0,1 0 0,-1 0 0,1-1 0,-1 1 0,1 0 0,-1 0 0,1 0 0,-1 1 0,1-1 0,-1 0 0,1 0 0,-1 0 0,1 0 0,-1 0 0,0 1 0,1-1 0,-1 0 0,2 1 0,-2 0 0,1-1 0,-1 1 0,1 0 0,-1 0 0,1 0 0,-1 0 0,0 0 0,1 0 0,-1 0 0,0 0 0,0 0 0,0 0 0,1 0 0,-1 0 0,0 0 0,-1 1 0,-1 24 0,-2 1 0,-1-1 0,-1-1 0,-1 1 0,-13 30 0,4-10 0,4-11 0,6-21 0,1 0 0,0 0 0,1 1 0,1 0 0,0-1 0,1 1 0,0 24 0,2-38 0,0 0 0,0 0 0,0 1 0,0-1 0,0 0 0,0 0 0,1 0 0,-1 0 0,0 0 0,1 0 0,-1 0 0,1 0 0,-1 0 0,1 0 0,-1 0 0,1 0 0,-1-1 0,1 1 0,0 0 0,0 0 0,-1 0 0,1-1 0,0 1 0,0 0 0,0-1 0,0 1 0,0-1 0,0 1 0,0-1 0,0 0 0,0 1 0,0-1 0,0 0 0,0 1 0,0-1 0,0 0 0,0 0 0,0 0 0,0 0 0,0 0 0,1 0 0,-1-1 0,0 1 0,0 0 0,0 0 0,0-1 0,0 1 0,0-1 0,0 1 0,1-2 0,7-2 0,0-1 0,0 0 0,0 0 0,8-8 0,-15 11 0,22-17 0,27-30 0,-37 33 0,2 1 0,0 1 0,1 0 0,30-18 0,-45 30 0,1 0 0,0 1 0,0 0 0,-1 0 0,1 0 0,0 0 0,0 0 0,0 1 0,0-1 0,0 1 0,5 0 0,-6 0 0,-1 0 0,1 1 0,-1-1 0,1 1 0,-1 0 0,1-1 0,-1 1 0,1 0 0,-1 0 0,0 0 0,0 0 0,1 0 0,-1 0 0,0 0 0,0 0 0,0 1 0,0-1 0,0 0 0,-1 1 0,1-1 0,0 1 0,-1-1 0,1 1 0,0 2 0,4 14 0,0 0 0,-2 0 0,0 1 0,-1 0 0,-1-1 0,-2 34 0,-3-5 0,-15 72 0,6-75 0,10-35 0,0 0 0,0 0 0,1 0 0,0 0 0,1 0 0,0 1 0,0 13 0,1-23 0,0 0 0,0 0 0,0 1 0,0-1 0,0 0 0,0 0 0,1 0 0,-1 0 0,0 0 0,0 1 0,0-1 0,0 0 0,0 0 0,0 0 0,1 0 0,-1 0 0,0 0 0,0 0 0,0 1 0,0-1 0,1 0 0,-1 0 0,0 0 0,0 0 0,0 0 0,0 0 0,1 0 0,-1 0 0,0 0 0,0 0 0,0 0 0,0 0 0,1 0 0,-1 0 0,0 0 0,0 0 0,0 0 0,0-1 0,1 1 0,-1 0 0,0 0 0,0 0 0,0 0 0,0 0 0,1 0 0,-1 0 0,0 0 0,0-1 0,0 1 0,0 0 0,0 0 0,0 0 0,0 0 0,0 0 0,1-1 0,-1 1 0,0 0 0,0 0 0,0 0 0,0 0 0,0-1 0,0 1 0,0 0 0,72-71 0,21-19 0,-93 90 0,20-18 0,1 1 0,0 1 0,1 1 0,1 1 0,34-16 0,-56 30 0,0-1 0,0 1 0,0-1 0,0 1 0,0 0 0,0-1 0,0 1 0,0 0 0,0 0 0,0 0 0,0 0 0,0 0 0,0 0 0,0 0 0,0 0 0,0 0 0,0 0 0,0 0 0,0 1 0,0-1 0,0 0 0,0 1 0,1 0 0,-1 0 0,0 0 0,-1 1 0,1-1 0,-1 0 0,1 1 0,-1-1 0,0 0 0,0 1 0,1-1 0,-1 0 0,0 1 0,0-1 0,0 0 0,0 1 0,-1-1 0,1 1 0,-1 1 0,-3 16 0,0-1 0,-2 0 0,0 0 0,-15 30 0,-45 69 0,41-74 0,-77 107 0,61-93 0,37-51 0,0 1 0,1-1 0,0 1 0,0 0 0,1 0 0,0 0 0,-3 14 0,-3 14 0,-136 376 0,78-235 0,41-106 0,-114 358 0,131-378 0,8-50 0,0 1 0,0-1 0,0 0 0,0 0 0,0 1 0,0-1 0,0 0 0,0 1 0,0-1 0,0 0 0,0 0 0,0 1 0,0-1 0,0 0 0,0 0 0,0 1 0,0-1 0,0 0 0,0 0 0,0 1 0,1-1 0,-1 0 0,0 0 0,0 1 0,0-1 0,0 0 0,1 0 0,-1 0 0,0 1 0,0-1 0,1 0 0,-1 0 0,0 0 0,0 0 0,1 1 0,-1-1 0,0 0 0,1 0 0,14-17 0,25-51 0,48-109 0,-54 103 0,-21 46 0,140-315 0,-145 324 0,-1-1 0,0 0 0,4-31 0,-10 44 0,0 1 0,-1-1 0,1 0 0,-2 1 0,1-1 0,-1 0 0,0 1 0,0-1 0,-1 1 0,0-1 0,0 1 0,-1 0 0,1 0 0,-7-9 0,-4-5-1365,1 3-5461</inkml:trace>
+</inkml:ink>
+</file>
+
+<file path=ppt/ink/ink2.xml><?xml version="1.0" encoding="utf-8"?>
+<inkml:ink xmlns:inkml="http://www.w3.org/2003/InkML">
+  <inkml:definitions>
+    <inkml:context xml:id="ctx0">
+      <inkml:inkSource xml:id="inkSrc0">
+        <inkml:traceFormat>
+          <inkml:channel name="X" type="integer" min="-2.14748E9" max="2.14748E9" units="cm"/>
+          <inkml:channel name="Y" type="integer" min="-2.14748E9" max="2.14748E9" units="cm"/>
+          <inkml:channel name="F" type="integer" max="32767" units="dev"/>
+        </inkml:traceFormat>
+        <inkml:channelProperties>
+          <inkml:channelProperty channel="X" name="resolution" value="1000" units="1/cm"/>
+          <inkml:channelProperty channel="Y" name="resolution" value="1000" units="1/cm"/>
+          <inkml:channelProperty channel="F" name="resolution" value="0" units="1/dev"/>
+        </inkml:channelProperties>
+      </inkml:inkSource>
+      <inkml:timestamp xml:id="ts0" timeString="2022-02-22T13:15:22.998"/>
+    </inkml:context>
+    <inkml:brush xml:id="br0">
+      <inkml:brushProperty name="width" value="0.05" units="cm"/>
+      <inkml:brushProperty name="height" value="0.05" units="cm"/>
+      <inkml:brushProperty name="color" value="#E71224"/>
+    </inkml:brush>
+  </inkml:definitions>
+  <inkml:trace contextRef="#ctx0" brushRef="#br0">1 1 24575,'5'0'0,"10"0"0,8 0 0,8 0 0,5 0 0,0 0 0,3 0 0,5 0 0,3 0 0,-2 0 0,-3 0 0,-9 0-8191</inkml:trace>
+</inkml:ink>
+</file>
+
+<file path=ppt/ink/ink3.xml><?xml version="1.0" encoding="utf-8"?>
+<inkml:ink xmlns:inkml="http://www.w3.org/2003/InkML">
+  <inkml:definitions>
+    <inkml:context xml:id="ctx0">
+      <inkml:inkSource xml:id="inkSrc0">
+        <inkml:traceFormat>
+          <inkml:channel name="X" type="integer" min="-2.14748E9" max="2.14748E9" units="cm"/>
+          <inkml:channel name="Y" type="integer" min="-2.14748E9" max="2.14748E9" units="cm"/>
+          <inkml:channel name="F" type="integer" max="32767" units="dev"/>
+        </inkml:traceFormat>
+        <inkml:channelProperties>
+          <inkml:channelProperty channel="X" name="resolution" value="1000" units="1/cm"/>
+          <inkml:channelProperty channel="Y" name="resolution" value="1000" units="1/cm"/>
+          <inkml:channelProperty channel="F" name="resolution" value="0" units="1/dev"/>
+        </inkml:channelProperties>
+      </inkml:inkSource>
+      <inkml:timestamp xml:id="ts0" timeString="2022-02-22T13:15:23.403"/>
+    </inkml:context>
+    <inkml:brush xml:id="br0">
+      <inkml:brushProperty name="width" value="0.05" units="cm"/>
+      <inkml:brushProperty name="height" value="0.05" units="cm"/>
+      <inkml:brushProperty name="color" value="#E71224"/>
+    </inkml:brush>
+  </inkml:definitions>
+  <inkml:trace contextRef="#ctx0" brushRef="#br0">1 1 24575,'4'0'0,"16"0"0,14 0 0,14 0 0,9 0 0,7 0 0,-1 0 0,-3 0 0,-6 0 0,-9 0 0,-2 0 0,-4 0 0,1 0 0,-7 0-8191</inkml:trace>
+</inkml:ink>
+</file>
+
+<file path=ppt/ink/ink4.xml><?xml version="1.0" encoding="utf-8"?>
+<inkml:ink xmlns:inkml="http://www.w3.org/2003/InkML">
+  <inkml:definitions>
+    <inkml:context xml:id="ctx0">
+      <inkml:inkSource xml:id="inkSrc0">
+        <inkml:traceFormat>
+          <inkml:channel name="X" type="integer" min="-2.14748E9" max="2.14748E9" units="cm"/>
+          <inkml:channel name="Y" type="integer" min="-2.14748E9" max="2.14748E9" units="cm"/>
+          <inkml:channel name="F" type="integer" max="32767" units="dev"/>
+        </inkml:traceFormat>
+        <inkml:channelProperties>
+          <inkml:channelProperty channel="X" name="resolution" value="1000" units="1/cm"/>
+          <inkml:channelProperty channel="Y" name="resolution" value="1000" units="1/cm"/>
+          <inkml:channelProperty channel="F" name="resolution" value="0" units="1/dev"/>
+        </inkml:channelProperties>
+      </inkml:inkSource>
+      <inkml:timestamp xml:id="ts0" timeString="2022-02-22T13:15:23.746"/>
+    </inkml:context>
+    <inkml:brush xml:id="br0">
+      <inkml:brushProperty name="width" value="0.05" units="cm"/>
+      <inkml:brushProperty name="height" value="0.05" units="cm"/>
+      <inkml:brushProperty name="color" value="#E71224"/>
+    </inkml:brush>
+  </inkml:definitions>
+  <inkml:trace contextRef="#ctx0" brushRef="#br0">0 0 24575,'9'0'0,"8"0"0,6 5 0,7 1 0,4 0 0,1 4 0,-2-1 0,0-1 0,2-2 0,-1-2 0,0-2 0,-2-1 0,-2-1 0,-1 0 0,-1 0 0,-1-1 0,-5 1-8191</inkml:trace>
+</inkml:ink>
+</file>
+
+<file path=ppt/ink/ink5.xml><?xml version="1.0" encoding="utf-8"?>
+<inkml:ink xmlns:inkml="http://www.w3.org/2003/InkML">
+  <inkml:definitions>
+    <inkml:context xml:id="ctx0">
+      <inkml:inkSource xml:id="inkSrc0">
+        <inkml:traceFormat>
+          <inkml:channel name="X" type="integer" min="-2.14748E9" max="2.14748E9" units="cm"/>
+          <inkml:channel name="Y" type="integer" min="-2.14748E9" max="2.14748E9" units="cm"/>
+          <inkml:channel name="F" type="integer" max="32767" units="dev"/>
+        </inkml:traceFormat>
+        <inkml:channelProperties>
+          <inkml:channelProperty channel="X" name="resolution" value="1000" units="1/cm"/>
+          <inkml:channelProperty channel="Y" name="resolution" value="1000" units="1/cm"/>
+          <inkml:channelProperty channel="F" name="resolution" value="0" units="1/dev"/>
+        </inkml:channelProperties>
+      </inkml:inkSource>
+      <inkml:timestamp xml:id="ts0" timeString="2022-02-22T13:15:24.247"/>
+    </inkml:context>
+    <inkml:brush xml:id="br0">
+      <inkml:brushProperty name="width" value="0.05" units="cm"/>
+      <inkml:brushProperty name="height" value="0.05" units="cm"/>
+      <inkml:brushProperty name="color" value="#E71224"/>
+    </inkml:brush>
+  </inkml:definitions>
+  <inkml:trace contextRef="#ctx0" brushRef="#br0">1 1 24575,'25'1'0,"0"1"0,30 7 0,32 4 0,401-8 44,-266-8-1453,-194 3-5417</inkml:trace>
+</inkml:ink>
+</file>
+
+<file path=ppt/ink/ink6.xml><?xml version="1.0" encoding="utf-8"?>
+<inkml:ink xmlns:inkml="http://www.w3.org/2003/InkML">
+  <inkml:definitions>
+    <inkml:context xml:id="ctx0">
+      <inkml:inkSource xml:id="inkSrc0">
+        <inkml:traceFormat>
+          <inkml:channel name="X" type="integer" min="-2.14748E9" max="2.14748E9" units="cm"/>
+          <inkml:channel name="Y" type="integer" min="-2.14748E9" max="2.14748E9" units="cm"/>
+          <inkml:channel name="F" type="integer" max="32767" units="dev"/>
+        </inkml:traceFormat>
+        <inkml:channelProperties>
+          <inkml:channelProperty channel="X" name="resolution" value="1000" units="1/cm"/>
+          <inkml:channelProperty channel="Y" name="resolution" value="1000" units="1/cm"/>
+          <inkml:channelProperty channel="F" name="resolution" value="0" units="1/dev"/>
+        </inkml:channelProperties>
+      </inkml:inkSource>
+      <inkml:timestamp xml:id="ts0" timeString="2022-02-22T13:15:24.972"/>
+    </inkml:context>
+    <inkml:brush xml:id="br0">
+      <inkml:brushProperty name="width" value="0.05" units="cm"/>
+      <inkml:brushProperty name="height" value="0.05" units="cm"/>
+      <inkml:brushProperty name="color" value="#E71224"/>
+    </inkml:brush>
+  </inkml:definitions>
+  <inkml:trace contextRef="#ctx0" brushRef="#br0">0 0 24575,'10'0'0,"6"0"0,11 0 0,10 0 0,3 0 0,3 0 0,0 0 0,-3 0 0,-3 0 0,-5 0 0,-2 0 0,-1 0 0,2 0 0,-2 0-8191</inkml:trace>
+</inkml:ink>
+</file>
+
+<file path=ppt/ink/ink7.xml><?xml version="1.0" encoding="utf-8"?>
+<inkml:ink xmlns:inkml="http://www.w3.org/2003/InkML">
+  <inkml:definitions>
+    <inkml:context xml:id="ctx0">
+      <inkml:inkSource xml:id="inkSrc0">
+        <inkml:traceFormat>
+          <inkml:channel name="X" type="integer" min="-2.14748E9" max="2.14748E9" units="cm"/>
+          <inkml:channel name="Y" type="integer" min="-2.14748E9" max="2.14748E9" units="cm"/>
+          <inkml:channel name="F" type="integer" max="32767" units="dev"/>
+        </inkml:traceFormat>
+        <inkml:channelProperties>
+          <inkml:channelProperty channel="X" name="resolution" value="1000" units="1/cm"/>
+          <inkml:channelProperty channel="Y" name="resolution" value="1000" units="1/cm"/>
+          <inkml:channelProperty channel="F" name="resolution" value="0" units="1/dev"/>
+        </inkml:channelProperties>
+      </inkml:inkSource>
+      <inkml:timestamp xml:id="ts0" timeString="2022-02-22T13:15:40.694"/>
+    </inkml:context>
+    <inkml:brush xml:id="br0">
+      <inkml:brushProperty name="width" value="0.05" units="cm"/>
+      <inkml:brushProperty name="height" value="0.05" units="cm"/>
+      <inkml:brushProperty name="color" value="#E71224"/>
+    </inkml:brush>
+  </inkml:definitions>
+  <inkml:trace contextRef="#ctx0" brushRef="#br0">271 0 24575,'2'108'0,"-5"120"0,-10-124 0,7-64 0,-2 44 0,7 362 0,3-212 0,-1-206 0,2 0 0,6 30 0,5 38 0,-13-54 0,-2 0 0,-2 1 0,-1-1 0,-2-1 0,-18 64 0,17-76 0,2 0 0,1 0 0,-1 37 0,7 94 0,1-52 0,-3 703 0,-2-789 0,0 0 0,-8 35 0,5-32 0,-3 35 0,6 13 0,2-44 0,-1 1 0,-2-1 0,-8 45 0,-3-16 0,3-11 0,-1-1 0,-32 78 0,35-104 0,2 1 0,1-1 0,0 1 0,2 0 0,0 0 0,-1 41 0,-6 44 0,-3 87 0,1-13 0,0-1 0,13 348 0,1-246 0,0-259 0,1-1 0,8 35 0,-5-33 0,3 46 0,-9 42 0,2 48 0,-1-157-28,0 0-1,1 0 1,-1 0-1,0 0 1,0 0 0,1 0-1,0 0 1,-1 0-1,1 0 1,0 0-1,0 0 1,0 0-1,0-1 1,0 1 0,0 0-1,0-1 1,1 1-1,-1-1 1,1 1-1,-1-1 1,1 1 0,-1-1-1,1 0 1,0 0-1,0 0 1,0 0-1,-1 0 1,1-1-1,0 1 1,0 0 0,0-1-1,0 1 1,0-1-1,0 0 1,1 0-1,-1 0 1,0 0-1,0 0 1,0 0 0,0 0-1,0-1 1,0 1-1,0-1 1,0 1-1,0-1 1,0 0-1,3-2 1,11-8-6798</inkml:trace>
+</inkml:ink>
+</file>
+
+<file path=ppt/ink/ink8.xml><?xml version="1.0" encoding="utf-8"?>
+<inkml:ink xmlns:inkml="http://www.w3.org/2003/InkML">
+  <inkml:definitions>
+    <inkml:context xml:id="ctx0">
+      <inkml:inkSource xml:id="inkSrc0">
+        <inkml:traceFormat>
+          <inkml:channel name="X" type="integer" min="-2.14748E9" max="2.14748E9" units="cm"/>
+          <inkml:channel name="Y" type="integer" min="-2.14748E9" max="2.14748E9" units="cm"/>
+          <inkml:channel name="F" type="integer" max="32767" units="dev"/>
+        </inkml:traceFormat>
+        <inkml:channelProperties>
+          <inkml:channelProperty channel="X" name="resolution" value="1000" units="1/cm"/>
+          <inkml:channelProperty channel="Y" name="resolution" value="1000" units="1/cm"/>
+          <inkml:channelProperty channel="F" name="resolution" value="0" units="1/dev"/>
+        </inkml:channelProperties>
+      </inkml:inkSource>
+      <inkml:timestamp xml:id="ts0" timeString="2022-02-22T13:15:43.703"/>
+    </inkml:context>
+    <inkml:brush xml:id="br0">
+      <inkml:brushProperty name="width" value="0.05" units="cm"/>
+      <inkml:brushProperty name="height" value="0.05" units="cm"/>
+      <inkml:brushProperty name="color" value="#E71224"/>
+    </inkml:brush>
+  </inkml:definitions>
+  <inkml:trace contextRef="#ctx0" brushRef="#br0">1 1 24575,'1'0'0,"1"1"0,0-1 0,-1 1 0,0-1 0,1 1 0,-1 0 0,1 0 0,-1-1 0,0 1 0,1 0 0,-1 0 0,0 1 0,0-1 0,0 0 0,0 0 0,0 0 0,0 1 0,0-1 0,-1 1 0,1-1 0,0 0 0,0 4 0,13 34 0,-7-2 0,-2 0 0,1 40 0,1 10 0,-3-46 0,-3 0 0,-1-1 0,-10 74 0,1 13 0,8 143 0,4-116 0,-1-105 0,3-1 0,17 81 0,-10-69 0,-6-19 0,0 80 0,-3-34 0,1-58 0,1 0 0,15 49 0,4 28 0,-14-47 0,-3-19 0,4 77 0,-12 533 0,-7-570 0,4-59 0,2 0 0,-1 26 0,7 15 0,1-1 0,4 0 0,27 102 0,-28-124 0,-2 1 0,-1 0 0,-3 0 0,0 0 0,-6 45 0,2 5 0,2 531 0,-3-568 0,-2 0 0,-14 62 0,-7 59 0,20-118 0,-15 62 0,-6 44 0,22-98 0,8 104 0,0-146 0,1-1 0,1 0 0,8 24 0,-6-24 0,-1 1 0,5 35 0,-5 83 0,-5-88 0,-2-393-1365,1 232-5461</inkml:trace>
+</inkml:ink>
+</file>
+
+<file path=ppt/ink/ink9.xml><?xml version="1.0" encoding="utf-8"?>
+<inkml:ink xmlns:inkml="http://www.w3.org/2003/InkML">
+  <inkml:definitions>
+    <inkml:context xml:id="ctx0">
+      <inkml:inkSource xml:id="inkSrc0">
+        <inkml:traceFormat>
+          <inkml:channel name="X" type="integer" min="-2.14748E9" max="2.14748E9" units="cm"/>
+          <inkml:channel name="Y" type="integer" min="-2.14748E9" max="2.14748E9" units="cm"/>
+          <inkml:channel name="F" type="integer" max="32767" units="dev"/>
+        </inkml:traceFormat>
+        <inkml:channelProperties>
+          <inkml:channelProperty channel="X" name="resolution" value="1000" units="1/cm"/>
+          <inkml:channelProperty channel="Y" name="resolution" value="1000" units="1/cm"/>
+          <inkml:channelProperty channel="F" name="resolution" value="0" units="1/dev"/>
+        </inkml:channelProperties>
+      </inkml:inkSource>
+      <inkml:timestamp xml:id="ts0" timeString="2022-02-22T13:15:47.680"/>
+    </inkml:context>
+    <inkml:brush xml:id="br0">
+      <inkml:brushProperty name="width" value="0.05" units="cm"/>
+      <inkml:brushProperty name="height" value="0.05" units="cm"/>
+      <inkml:brushProperty name="color" value="#E71224"/>
+    </inkml:brush>
+  </inkml:definitions>
+  <inkml:trace contextRef="#ctx0" brushRef="#br0">575 0 24575,'-60'95'0,"20"-11"0,4 2 0,4 1 0,4 2 0,3 1 0,5 0 0,-10 101 0,27-170 0,-1 1 0,-2-1 0,-7 22 0,13-43 0,-1 1 0,1 0 0,0-1 0,-1 1 0,1 0 0,0-1 0,0 1 0,-1 0 0,1 0 0,0-1 0,0 1 0,0 0 0,0 0 0,0 0 0,0-1 0,0 1 0,0 0 0,1 0 0,-1-1 0,0 2 0,12-6 0,24-27 0,-27 22 0,36-32 0,-1-2 0,-1-1 0,-3-3 0,-2-1 0,-2-2 0,51-96 0,-76 125 0,2 0 0,28-37 0,-35 47 0,-12 11 0,-18 16 0,-24 31 0,-63 80 0,10-10 0,-196 203 0,294-317 0,-41 46 0,40-44 0,1 0 0,0-1 0,0 1 0,0 0 0,0 1 0,1-1 0,0 0 0,-3 11 0,5-16 0,0 0 0,0 1 0,0-1 0,0 0 0,0 1 0,0-1 0,0 1 0,-1-1 0,1 1 0,0-1 0,0 0 0,0 1 0,1-1 0,-1 1 0,0-1 0,0 0 0,0 1 0,0-1 0,0 1 0,0-1 0,1 0 0,-1 1 0,0-1 0,0 0 0,0 1 0,1-1 0,-1 0 0,0 1 0,1-1 0,-1 0 0,0 0 0,1 1 0,-1-1 0,0 0 0,1 0 0,-1 0 0,0 1 0,1-1 0,-1 0 0,1 0 0,-1 0 0,0 0 0,1 0 0,21-6 0,6-9 0,0-3 0,-1 0 0,43-39 0,-15 12 0,548-374 0,-372 273 0,-226 143 0,-1 1 0,1-1 0,0 1 0,-1 0 0,1 0 0,9-2 0,-13 4 0,-1 0 0,1 0 0,0 0 0,-1 0 0,1 0 0,-1 0 0,1 0 0,0 0 0,-1 0 0,1 0 0,0 0 0,-1 0 0,1 1 0,-1-1 0,1 0 0,0 1 0,-1-1 0,1 0 0,-1 1 0,1-1 0,-1 0 0,1 2 0,0-1 0,0 0 0,-1 0 0,1 1 0,-1-1 0,0 0 0,1 1 0,-1-1 0,0 0 0,0 1 0,0-1 0,0 0 0,0 1 0,0-1 0,0 1 0,-1 1 0,-2 9 0,0 0 0,-1-1 0,0 1 0,-1-1 0,0 0 0,0 0 0,-10 13 0,-58 74 0,52-71 0,-119 165 0,-61 75 0,148-205 0,-162 177 0,206-230 0,-5 5 0,0 0 0,-16 21 0,29-34 0,1 0 0,-1 0 0,0 0 0,1 0 0,-1-1 0,1 1 0,-1 0 0,1 0 0,-1 0 0,1 0 0,0 0 0,0 0 0,-1 1 0,1-1 0,0 2 0,0-3 0,0 0 0,1 1 0,-1-1 0,0 0 0,0 0 0,1 1 0,-1-1 0,0 0 0,1 0 0,-1 0 0,0 0 0,1 1 0,-1-1 0,0 0 0,0 0 0,1 0 0,-1 0 0,1 0 0,-1 0 0,0 0 0,1 0 0,-1 0 0,0 0 0,1 0 0,-1 0 0,0 0 0,1 0 0,-1 0 0,0 0 0,1 0 0,34-14 0,24-23 0,-2-3 0,85-77 0,-138 114 0,-1 0 0,5-3 0,-1 0 0,0-1 0,0 1 0,0-1 0,-1-1 0,0 1 0,4-9 0,-10 16 0,0 0 0,0 0 0,0 0 0,-1 0 0,1 0 0,0 0 0,0 0 0,0 0 0,0 0 0,-1 1 0,1-1 0,0 0 0,0 0 0,0 0 0,0 0 0,-1 0 0,1 0 0,0 0 0,0 0 0,0-1 0,-1 1 0,1 0 0,0 0 0,0 0 0,0 0 0,0 0 0,-1 0 0,1 0 0,0 0 0,0 0 0,0 0 0,0-1 0,0 1 0,-1 0 0,1 0 0,0 0 0,0 0 0,0 0 0,0-1 0,0 1 0,0 0 0,0 0 0,0 0 0,0 0 0,0-1 0,-1 1 0,1 0 0,0 0 0,0 0 0,0-1 0,0 1 0,0 0 0,0 0 0,0 0 0,0-1 0,1 1 0,-1 0 0,0 0 0,0 0 0,0 0 0,0-1 0,0 1 0,0 0 0,0 0 0,0 0 0,0 0 0,1-1 0,-9 5 0,1 0 0,0 1 0,0 0 0,0 0 0,0 0 0,-11 13 0,-2 2 0,-81 76 0,-93 116 0,34-39 0,159-172 0,-1 1 0,1-1 0,0 1 0,-1-1 0,1 1 0,0-1 0,0 1 0,0 0 0,1-1 0,-1 1 0,0 0 0,0 0 0,1-1 0,-1 1 0,1 0 0,0 2 0,0-3 0,0-1 0,1 1 0,-1-1 0,0 1 0,1 0 0,-1-1 0,1 0 0,-1 1 0,1-1 0,-1 1 0,1-1 0,-1 0 0,1 1 0,0-1 0,-1 0 0,1 1 0,-1-1 0,1 0 0,0 0 0,-1 0 0,1 0 0,0 1 0,-1-1 0,1 0 0,0 0 0,-1 0 0,1-1 0,0 1 0,0 0 0,11-1 0,0-1 0,0-1 0,19-6 0,115-45 0,43-12 0,-182 64 0,-1 1 0,0-1 0,1 1 0,-1 1 0,0-1 0,9 1 0,-14 0 0,0 0 0,0 1 0,0-1 0,1 0 0,-1 1 0,0-1 0,0 0 0,0 1 0,0 0 0,0-1 0,0 1 0,1 0 0,-2-1 0,1 1 0,0 0 0,0 0 0,0 0 0,0 0 0,0 0 0,-1 0 0,1 0 0,0 0 0,-1 0 0,1 0 0,-1 0 0,1 0 0,-1 1 0,0-1 0,1 0 0,-1 0 0,0 0 0,0 1 0,0-1 0,0 0 0,0 0 0,0 1 0,0-1 0,-1 2 0,0 7 0,-1 0 0,-1 1 0,1-1 0,-2 0 0,1 0 0,-1-1 0,-8 14 0,-45 67 0,30-49 0,2-3 0,9-16 0,2 0 0,-13 29 0,26-50 0,1-1 0,-1 1 0,1 0 0,-1 0 0,1 0 0,-1 0 0,1 0 0,0 0 0,-1 0 0,1 0 0,0 0 0,0 0 0,0 0 0,0 0 0,0 0 0,0 0 0,0 0 0,0 0 0,0 0 0,1 0 0,-1 0 0,0 0 0,1 0 0,-1 0 0,0 0 0,2 2 0,-1-3 0,0 1 0,0-1 0,0 1 0,1-1 0,-1 0 0,0 1 0,0-1 0,1 0 0,-1 0 0,0 0 0,1 1 0,-1-2 0,0 1 0,1 0 0,-1 0 0,0 0 0,2-1 0,10-2 0,-1-1 0,23-11 0,-34 14 0,26-13 0,-21 10 0,0 0 0,0 1 0,0 0 0,1 0 0,-1 1 0,1-1 0,9-1 0,-15 4 0,-1 0 0,1 0 0,-1 0 0,1 0 0,-1 0 0,0 1 0,1-1 0,-1 0 0,1 0 0,-1 0 0,1 0 0,-1 0 0,0 1 0,1-1 0,-1 0 0,1 0 0,-1 1 0,0-1 0,1 0 0,-1 1 0,0-1 0,0 0 0,1 1 0,-1-1 0,0 0 0,0 1 0,1-1 0,-1 1 0,0-1 0,0 1 0,0-1 0,0 0 0,0 1 0,0-1 0,1 1 0,-1-1 0,0 1 0,0-1 0,-1 1 0,0 19 0,-3-7 0,0-1 0,-1 1 0,0-1 0,0 0 0,-15 22 0,-44 56 0,48-68 0,-29 35 0,24-33 0,2 2 0,0 1 0,-16 31 0,34-57 0,0 0 0,1 0 0,-1 0 0,1 0 0,-1 0 0,1 0 0,0 1 0,-1-1 0,1 0 0,0 0 0,0 0 0,0 1 0,0-1 0,0 0 0,0 0 0,0 0 0,0 1 0,1 0 0,-1-1 0,0-1 0,1 1 0,-1-1 0,1 1 0,-1-1 0,1 0 0,0 1 0,-1-1 0,1 0 0,-1 1 0,1-1 0,0 0 0,-1 0 0,1 1 0,-1-1 0,1 0 0,0 0 0,-1 0 0,1 0 0,0 0 0,-1 0 0,1 0 0,0 0 0,0-1 0,9 0 0,0-2 0,-1 0 0,17-6 0,-2 0 0,-24 9 0,1 0 0,0 0 0,-1 0 0,1 0 0,0 0 0,-1 0 0,1 0 0,-1 0 0,1 0 0,0 0 0,-1 1 0,1-1 0,-1 0 0,1 0 0,0 0 0,-1 1 0,1-1 0,-1 0 0,1 1 0,-1-1 0,1 1 0,-1-1 0,1 0 0,-1 1 0,1-1 0,-1 1 0,0-1 0,1 1 0,-1-1 0,0 1 0,1 0 0,-1-1 0,0 1 0,0-1 0,0 1 0,1 0 0,-1-1 0,0 1 0,0 0 0,0-1 0,0 1 0,0-1 0,0 1 0,0 0 0,0-1 0,0 1 0,-1 0 0,1-1 0,0 1 0,-1 0 0,-11 37 0,11-35 0,-40 83 0,-3-1 0,-4-3 0,-88 115 0,125-182 0,5-8 0,0 0 0,1 0 0,0 1 0,1-1 0,0 1 0,0 0 0,-3 10 0,6-17 0,1-1 0,0 1 0,0 0 0,0 0 0,0 0 0,0 0 0,0 0 0,0-1 0,0 1 0,0 0 0,0 0 0,0 0 0,0 0 0,0-1 0,1 1 0,-1 0 0,0 0 0,1 0 0,-1-1 0,1 1 0,-1 0 0,1-1 0,-1 1 0,1 0 0,-1-1 0,2 2 0,-1-2 0,1 1 0,0 0 0,0 0 0,-1 0 0,1-1 0,0 1 0,0-1 0,0 0 0,-1 1 0,1-1 0,3 0 0,5 0 0,0-1 0,1 0 0,12-4 0,86-25 0,145-62 0,-59 20 0,-172 67 0,-23 5 0,1 0 0,-1 0 0,0 0 0,1 0 0,-1 0 0,0 1 0,1-1 0,-1 0 0,0 0 0,0 0 0,1 0 0,-1 0 0,0 0 0,1 1 0,-1-1 0,0 0 0,0 0 0,1 0 0,-1 1 0,0-1 0,0 0 0,1 0 0,-1 1 0,0-1 0,0 0 0,0 0 0,0 1 0,0-1 0,1 0 0,-1 1 0,0-1 0,0 1 0,-1 1 0,1 1 0,-1 0 0,0 0 0,0 0 0,0-1 0,0 1 0,0-1 0,-1 1 0,1-1 0,-1 1 0,-2 2 0,-35 44 0,-72 72 0,71-82 0,2 2 0,-46 66 0,82-104 0,0 0 0,0 1 0,0-1 0,0 1 0,0-1 0,1 1 0,-1 0 0,1 0 0,0 0 0,0-1 0,0 1 0,1 0 0,-1 6 0,2-8 0,-1-1 0,1 1 0,0 0 0,-1-1 0,1 1 0,0 0 0,0-1 0,0 1 0,0-1 0,0 1 0,1-1 0,-1 0 0,0 1 0,1-1 0,-1 0 0,0 0 0,1 0 0,0 0 0,-1 0 0,1 0 0,-1-1 0,1 1 0,0 0 0,0-1 0,-1 0 0,1 1 0,0-1 0,2 0 0,-2 1 0,0-1 0,1 1 0,-1 0 0,0-1 0,0 1 0,0 0 0,0 0 0,0 0 0,0 1 0,0-1 0,0 0 0,0 1 0,-1-1 0,1 1 0,0 0 0,-1-1 0,1 1 0,-1 0 0,2 4 0,-1-3 0,-1 1 0,0 0 0,0-1 0,-1 1 0,1 0 0,-1-1 0,1 1 0,-1 0 0,0 0 0,-1-1 0,0 6 0,-3 7 0,0 0 0,-1-1 0,0 1 0,-14 24 0,-5 1 0,-1-2 0,-1 0 0,-38 40 0,28-37 0,-46 74 0,79-111 0,0 0 0,1 0 0,-1 0 0,1 1 0,0-1 0,1 0 0,-3 9 0,4-13 0,0-1 0,0 1 0,0 0 0,0 0 0,0-1 0,0 1 0,1 0 0,-1 0 0,0 0 0,0-1 0,0 1 0,1 0 0,-1-1 0,0 1 0,1 0 0,-1-1 0,1 1 0,-1 0 0,1-1 0,-1 1 0,2 0 0,-1 0 0,0 0 0,1-1 0,-1 1 0,1-1 0,-1 1 0,0-1 0,1 0 0,-1 0 0,1 1 0,-1-1 0,1 0 0,-1 0 0,1-1 0,-1 1 0,3 0 0,-3-1 0,0 1 0,0 0 0,0 0 0,0-1 0,0 1 0,1 0 0,-1 0 0,0 1 0,0-1 0,0 0 0,0 0 0,0 0 0,0 1 0,0-1 0,0 0 0,0 1 0,0-1 0,1 2 0,-1-2 0,-1 1 0,0-1 0,1 1 0,-1-1 0,0 1 0,0 0 0,1-1 0,-1 1 0,0-1 0,0 1 0,0 0 0,0-1 0,0 1 0,0 0 0,0-1 0,0 1 0,0-1 0,0 1 0,0 0 0,0-1 0,-1 1 0,1-1 0,0 2 0,-4 5 0,0 1 0,0-1 0,-1 0 0,-5 7 0,5-6 0,-63 84 0,4-5 0,-71 124 0,130-201 0,-1 0 0,1 1 0,0-1 0,0 1 0,1 0 0,-3 12 0,7-20 0,-1-1 0,1 0 0,0 1 0,0-1 0,0 0 0,0 1 0,0-1 0,0 1 0,0-1 0,1 0 0,-1 1 0,1-1 0,0 0 0,0 0 0,0 0 0,0 1 0,0-1 0,0 0 0,1 0 0,-1 0 0,0-1 0,1 1 0,0 0 0,-1 0 0,1-1 0,0 1 0,0-1 0,0 0 0,0 1 0,0-1 0,3 1 0,7 2 0,-1 0 0,1 0 0,-1-1 0,1 0 0,18 0 0,68 2 0,-93-5 0,561-30 0,-345 12 0,-191 15 0,-17 1 0,0 1 0,1 0 0,-1 1 0,0 1 0,0 0 0,21 4 0,-34-5 0,1 0 0,-1 0 0,1 0 0,-1 0 0,1 0 0,-1 0 0,0 1 0,1-1 0,-1 0 0,1 0 0,-1 0 0,1 1 0,-1-1 0,1 0 0,-1 0 0,0 1 0,1-1 0,-1 0 0,1 1 0,-1-1 0,0 0 0,0 1 0,1-1 0,-1 1 0,0-1 0,1 1 0,-1-1 0,0 0 0,0 1 0,0-1 0,0 1 0,0-1 0,1 1 0,-1-1 0,0 1 0,0-1 0,0 1 0,0-1 0,0 1 0,0-1 0,-1 1 0,1-1 0,0 1 0,0-1 0,0 1 0,-1 0 0,-17 18 0,16-17 0,-105 83 0,95-76 0,-2-1 0,1 0 0,-1-1 0,0 0 0,-1-1 0,-26 7 0,39-13 3,0 1 0,0-1 0,0 0 0,0 0 0,0 0 1,1 0-1,-1 0 0,0 0 0,0-1 0,0 1 0,0-1 0,0 1 0,0-1 0,0 0 0,0 1 0,1-1 0,-1 0 0,0 0 0,-1-2 0,-23-28-408,17 17-616,-9-10-5805</inkml:trace>
+</inkml:ink>
 </file>
 
 <file path=ppt/slideLayouts/slideLayout1.xml><?xml version="1.0" encoding="utf-8"?>
@@ -4871,7 +5159,7 @@
 </file>
 
 <file path=ppt/slides/slide10.xml><?xml version="1.0" encoding="utf-8"?>
-<p:sld xmlns:a="http://schemas.openxmlformats.org/drawingml/2006/main" xmlns:r="http://schemas.openxmlformats.org/officeDocument/2006/relationships" xmlns:p="http://schemas.openxmlformats.org/presentationml/2006/main" showMasterSp="0">
+<p:sld xmlns:a="http://schemas.openxmlformats.org/drawingml/2006/main" xmlns:r="http://schemas.openxmlformats.org/officeDocument/2006/relationships" xmlns:p="http://schemas.openxmlformats.org/presentationml/2006/main">
   <p:cSld>
     <p:spTree>
       <p:nvGrpSpPr>
@@ -4905,28 +5193,148 @@
         </p:nvSpPr>
         <p:spPr>
           <a:xfrm>
-            <a:off x="457200" y="1122363"/>
-            <a:ext cx="3638550" cy="1195535"/>
+            <a:off x="362130" y="410580"/>
+            <a:ext cx="2781300" cy="1195535"/>
           </a:xfrm>
         </p:spPr>
         <p:txBody>
           <a:bodyPr>
-            <a:normAutofit/>
+            <a:normAutofit fontScale="90000"/>
           </a:bodyPr>
           <a:lstStyle/>
           <a:p>
             <a:r>
               <a:rPr lang="sv-SE" dirty="0" err="1"/>
-              <a:t>GradCam</a:t>
+              <a:t>Cropping</a:t>
             </a:r>
             <a:endParaRPr lang="sv-SE" dirty="0"/>
           </a:p>
         </p:txBody>
       </p:sp>
+      <p:pic>
+        <p:nvPicPr>
+          <p:cNvPr id="4" name="Picture 3">
+            <a:extLst>
+              <a:ext uri="{FF2B5EF4-FFF2-40B4-BE49-F238E27FC236}">
+                <a16:creationId xmlns:a16="http://schemas.microsoft.com/office/drawing/2014/main" id="{CB74F1B8-0464-4C70-A5BF-93E8B1BE07A9}"/>
+              </a:ext>
+            </a:extLst>
+          </p:cNvPr>
+          <p:cNvPicPr>
+            <a:picLocks noChangeAspect="1"/>
+          </p:cNvPicPr>
+          <p:nvPr/>
+        </p:nvPicPr>
+        <p:blipFill>
+          <a:blip r:embed="rId2"/>
+          <a:stretch>
+            <a:fillRect/>
+          </a:stretch>
+        </p:blipFill>
+        <p:spPr>
+          <a:xfrm>
+            <a:off x="5768502" y="772260"/>
+            <a:ext cx="5097375" cy="2505961"/>
+          </a:xfrm>
+          <a:prstGeom prst="rect">
+            <a:avLst/>
+          </a:prstGeom>
+        </p:spPr>
+      </p:pic>
+      <p:pic>
+        <p:nvPicPr>
+          <p:cNvPr id="6" name="Picture 5">
+            <a:extLst>
+              <a:ext uri="{FF2B5EF4-FFF2-40B4-BE49-F238E27FC236}">
+                <a16:creationId xmlns:a16="http://schemas.microsoft.com/office/drawing/2014/main" id="{C9CC6548-BE47-4655-A48A-75AAC207327F}"/>
+              </a:ext>
+            </a:extLst>
+          </p:cNvPr>
+          <p:cNvPicPr>
+            <a:picLocks noChangeAspect="1"/>
+          </p:cNvPicPr>
+          <p:nvPr/>
+        </p:nvPicPr>
+        <p:blipFill>
+          <a:blip r:embed="rId3"/>
+          <a:stretch>
+            <a:fillRect/>
+          </a:stretch>
+        </p:blipFill>
+        <p:spPr>
+          <a:xfrm>
+            <a:off x="5768502" y="3735422"/>
+            <a:ext cx="5097375" cy="2858676"/>
+          </a:xfrm>
+          <a:prstGeom prst="rect">
+            <a:avLst/>
+          </a:prstGeom>
+        </p:spPr>
+      </p:pic>
+      <p:pic>
+        <p:nvPicPr>
+          <p:cNvPr id="8" name="Picture 7">
+            <a:extLst>
+              <a:ext uri="{FF2B5EF4-FFF2-40B4-BE49-F238E27FC236}">
+                <a16:creationId xmlns:a16="http://schemas.microsoft.com/office/drawing/2014/main" id="{D36470D9-F334-468D-90CC-CD5C9CA3B2DE}"/>
+              </a:ext>
+            </a:extLst>
+          </p:cNvPr>
+          <p:cNvPicPr>
+            <a:picLocks noChangeAspect="1"/>
+          </p:cNvPicPr>
+          <p:nvPr/>
+        </p:nvPicPr>
+        <p:blipFill>
+          <a:blip r:embed="rId4"/>
+          <a:stretch>
+            <a:fillRect/>
+          </a:stretch>
+        </p:blipFill>
+        <p:spPr>
+          <a:xfrm>
+            <a:off x="555170" y="2088470"/>
+            <a:ext cx="2395221" cy="4358950"/>
+          </a:xfrm>
+          <a:prstGeom prst="rect">
+            <a:avLst/>
+          </a:prstGeom>
+        </p:spPr>
+      </p:pic>
+      <p:pic>
+        <p:nvPicPr>
+          <p:cNvPr id="10" name="Picture 9">
+            <a:extLst>
+              <a:ext uri="{FF2B5EF4-FFF2-40B4-BE49-F238E27FC236}">
+                <a16:creationId xmlns:a16="http://schemas.microsoft.com/office/drawing/2014/main" id="{6599DC05-A653-483B-9A1A-CEC020345652}"/>
+              </a:ext>
+            </a:extLst>
+          </p:cNvPr>
+          <p:cNvPicPr>
+            <a:picLocks noChangeAspect="1"/>
+          </p:cNvPicPr>
+          <p:nvPr/>
+        </p:nvPicPr>
+        <p:blipFill>
+          <a:blip r:embed="rId5"/>
+          <a:stretch>
+            <a:fillRect/>
+          </a:stretch>
+        </p:blipFill>
+        <p:spPr>
+          <a:xfrm>
+            <a:off x="3236342" y="2315047"/>
+            <a:ext cx="1867161" cy="3905795"/>
+          </a:xfrm>
+          <a:prstGeom prst="rect">
+            <a:avLst/>
+          </a:prstGeom>
+        </p:spPr>
+      </p:pic>
     </p:spTree>
     <p:extLst>
       <p:ext uri="{BB962C8B-B14F-4D97-AF65-F5344CB8AC3E}">
-        <p14:creationId xmlns:p14="http://schemas.microsoft.com/office/powerpoint/2010/main" val="747560074"/>
+        <p14:creationId xmlns:p14="http://schemas.microsoft.com/office/powerpoint/2010/main" val="473191505"/>
       </p:ext>
     </p:extLst>
   </p:cSld>
@@ -4937,7 +5345,7 @@
 </file>
 
 <file path=ppt/slides/slide11.xml><?xml version="1.0" encoding="utf-8"?>
-<p:sld xmlns:a="http://schemas.openxmlformats.org/drawingml/2006/main" xmlns:r="http://schemas.openxmlformats.org/officeDocument/2006/relationships" xmlns:p="http://schemas.openxmlformats.org/presentationml/2006/main" showMasterSp="0">
+<p:sld xmlns:a="http://schemas.openxmlformats.org/drawingml/2006/main" xmlns:r="http://schemas.openxmlformats.org/officeDocument/2006/relationships" xmlns:p="http://schemas.openxmlformats.org/presentationml/2006/main">
   <p:cSld>
     <p:spTree>
       <p:nvGrpSpPr>
@@ -4971,8 +5379,8 @@
         </p:nvSpPr>
         <p:spPr>
           <a:xfrm>
-            <a:off x="457200" y="1122363"/>
-            <a:ext cx="6172200" cy="1195535"/>
+            <a:off x="362130" y="410580"/>
+            <a:ext cx="2781300" cy="1195535"/>
           </a:xfrm>
         </p:spPr>
         <p:txBody>
@@ -4982,16 +5390,137 @@
           <a:lstStyle/>
           <a:p>
             <a:r>
-              <a:rPr lang="sv-SE" dirty="0"/>
-              <a:t>Notebook beställare</a:t>
-            </a:r>
-          </a:p>
-        </p:txBody>
-      </p:sp>
+              <a:rPr lang="sv-SE" dirty="0" err="1"/>
+              <a:t>Cropping</a:t>
+            </a:r>
+            <a:endParaRPr lang="sv-SE" dirty="0"/>
+          </a:p>
+        </p:txBody>
+      </p:sp>
+      <p:pic>
+        <p:nvPicPr>
+          <p:cNvPr id="4" name="Picture 3">
+            <a:extLst>
+              <a:ext uri="{FF2B5EF4-FFF2-40B4-BE49-F238E27FC236}">
+                <a16:creationId xmlns:a16="http://schemas.microsoft.com/office/drawing/2014/main" id="{CB74F1B8-0464-4C70-A5BF-93E8B1BE07A9}"/>
+              </a:ext>
+            </a:extLst>
+          </p:cNvPr>
+          <p:cNvPicPr>
+            <a:picLocks noChangeAspect="1"/>
+          </p:cNvPicPr>
+          <p:nvPr/>
+        </p:nvPicPr>
+        <p:blipFill>
+          <a:blip r:embed="rId2"/>
+          <a:stretch>
+            <a:fillRect/>
+          </a:stretch>
+        </p:blipFill>
+        <p:spPr>
+          <a:xfrm>
+            <a:off x="5768502" y="772260"/>
+            <a:ext cx="5097375" cy="2505961"/>
+          </a:xfrm>
+          <a:prstGeom prst="rect">
+            <a:avLst/>
+          </a:prstGeom>
+        </p:spPr>
+      </p:pic>
+      <p:pic>
+        <p:nvPicPr>
+          <p:cNvPr id="6" name="Picture 5">
+            <a:extLst>
+              <a:ext uri="{FF2B5EF4-FFF2-40B4-BE49-F238E27FC236}">
+                <a16:creationId xmlns:a16="http://schemas.microsoft.com/office/drawing/2014/main" id="{C9CC6548-BE47-4655-A48A-75AAC207327F}"/>
+              </a:ext>
+            </a:extLst>
+          </p:cNvPr>
+          <p:cNvPicPr>
+            <a:picLocks noChangeAspect="1"/>
+          </p:cNvPicPr>
+          <p:nvPr/>
+        </p:nvPicPr>
+        <p:blipFill>
+          <a:blip r:embed="rId3"/>
+          <a:stretch>
+            <a:fillRect/>
+          </a:stretch>
+        </p:blipFill>
+        <p:spPr>
+          <a:xfrm>
+            <a:off x="5768502" y="3735422"/>
+            <a:ext cx="5097375" cy="2858676"/>
+          </a:xfrm>
+          <a:prstGeom prst="rect">
+            <a:avLst/>
+          </a:prstGeom>
+        </p:spPr>
+      </p:pic>
+      <p:pic>
+        <p:nvPicPr>
+          <p:cNvPr id="8" name="Picture 7">
+            <a:extLst>
+              <a:ext uri="{FF2B5EF4-FFF2-40B4-BE49-F238E27FC236}">
+                <a16:creationId xmlns:a16="http://schemas.microsoft.com/office/drawing/2014/main" id="{D36470D9-F334-468D-90CC-CD5C9CA3B2DE}"/>
+              </a:ext>
+            </a:extLst>
+          </p:cNvPr>
+          <p:cNvPicPr>
+            <a:picLocks noChangeAspect="1"/>
+          </p:cNvPicPr>
+          <p:nvPr/>
+        </p:nvPicPr>
+        <p:blipFill>
+          <a:blip r:embed="rId4"/>
+          <a:stretch>
+            <a:fillRect/>
+          </a:stretch>
+        </p:blipFill>
+        <p:spPr>
+          <a:xfrm>
+            <a:off x="555170" y="2088470"/>
+            <a:ext cx="2395221" cy="4358950"/>
+          </a:xfrm>
+          <a:prstGeom prst="rect">
+            <a:avLst/>
+          </a:prstGeom>
+        </p:spPr>
+      </p:pic>
+      <p:pic>
+        <p:nvPicPr>
+          <p:cNvPr id="10" name="Picture 9">
+            <a:extLst>
+              <a:ext uri="{FF2B5EF4-FFF2-40B4-BE49-F238E27FC236}">
+                <a16:creationId xmlns:a16="http://schemas.microsoft.com/office/drawing/2014/main" id="{6599DC05-A653-483B-9A1A-CEC020345652}"/>
+              </a:ext>
+            </a:extLst>
+          </p:cNvPr>
+          <p:cNvPicPr>
+            <a:picLocks noChangeAspect="1"/>
+          </p:cNvPicPr>
+          <p:nvPr/>
+        </p:nvPicPr>
+        <p:blipFill>
+          <a:blip r:embed="rId5"/>
+          <a:stretch>
+            <a:fillRect/>
+          </a:stretch>
+        </p:blipFill>
+        <p:spPr>
+          <a:xfrm>
+            <a:off x="3236342" y="2315047"/>
+            <a:ext cx="1867161" cy="3905795"/>
+          </a:xfrm>
+          <a:prstGeom prst="rect">
+            <a:avLst/>
+          </a:prstGeom>
+        </p:spPr>
+      </p:pic>
     </p:spTree>
     <p:extLst>
       <p:ext uri="{BB962C8B-B14F-4D97-AF65-F5344CB8AC3E}">
-        <p14:creationId xmlns:p14="http://schemas.microsoft.com/office/powerpoint/2010/main" val="3745538750"/>
+        <p14:creationId xmlns:p14="http://schemas.microsoft.com/office/powerpoint/2010/main" val="3241618637"/>
       </p:ext>
     </p:extLst>
   </p:cSld>
@@ -5018,57 +5547,45 @@
           <a:chExt cx="0" cy="0"/>
         </a:xfrm>
       </p:grpSpPr>
-      <p:pic>
-        <p:nvPicPr>
-          <p:cNvPr id="2052" name="Picture 4" descr="Hide the Pain Harold Meme - Imgflip">
-            <a:extLst>
-              <a:ext uri="{FF2B5EF4-FFF2-40B4-BE49-F238E27FC236}">
-                <a16:creationId xmlns:a16="http://schemas.microsoft.com/office/drawing/2014/main" id="{A691226B-555C-4541-B487-3DA040D58461}"/>
-              </a:ext>
-            </a:extLst>
-          </p:cNvPr>
-          <p:cNvPicPr>
-            <a:picLocks noChangeAspect="1" noChangeArrowheads="1"/>
-          </p:cNvPicPr>
-          <p:nvPr/>
-        </p:nvPicPr>
-        <p:blipFill>
-          <a:blip r:embed="rId2">
-            <a:extLst>
-              <a:ext uri="{28A0092B-C50C-407E-A947-70E740481C1C}">
-                <a14:useLocalDpi xmlns:a14="http://schemas.microsoft.com/office/drawing/2010/main" val="0"/>
-              </a:ext>
-            </a:extLst>
-          </a:blip>
-          <a:srcRect/>
-          <a:stretch>
-            <a:fillRect/>
-          </a:stretch>
-        </p:blipFill>
-        <p:spPr bwMode="auto">
-          <a:xfrm>
-            <a:off x="4080588" y="1893907"/>
-            <a:ext cx="3131975" cy="3921494"/>
-          </a:xfrm>
-          <a:prstGeom prst="rect">
-            <a:avLst/>
-          </a:prstGeom>
-          <a:noFill/>
-          <a:extLst>
-            <a:ext uri="{909E8E84-426E-40DD-AFC4-6F175D3DCCD1}">
-              <a14:hiddenFill xmlns:a14="http://schemas.microsoft.com/office/drawing/2010/main">
-                <a:solidFill>
-                  <a:srgbClr val="FFFFFF"/>
-                </a:solidFill>
-              </a14:hiddenFill>
-            </a:ext>
-          </a:extLst>
-        </p:spPr>
-      </p:pic>
+      <p:sp>
+        <p:nvSpPr>
+          <p:cNvPr id="2" name="Title 1">
+            <a:extLst>
+              <a:ext uri="{FF2B5EF4-FFF2-40B4-BE49-F238E27FC236}">
+                <a16:creationId xmlns:a16="http://schemas.microsoft.com/office/drawing/2014/main" id="{C9DEA9A6-BD90-4F66-AE2F-4B4A873F6879}"/>
+              </a:ext>
+            </a:extLst>
+          </p:cNvPr>
+          <p:cNvSpPr>
+            <a:spLocks noGrp="1"/>
+          </p:cNvSpPr>
+          <p:nvPr>
+            <p:ph type="ctrTitle"/>
+          </p:nvPr>
+        </p:nvSpPr>
+        <p:spPr>
+          <a:xfrm>
+            <a:off x="457200" y="1122363"/>
+            <a:ext cx="2781300" cy="1195535"/>
+          </a:xfrm>
+        </p:spPr>
+        <p:txBody>
+          <a:bodyPr>
+            <a:normAutofit/>
+          </a:bodyPr>
+          <a:lstStyle/>
+          <a:p>
+            <a:r>
+              <a:rPr lang="sv-SE" dirty="0"/>
+              <a:t>Aug</a:t>
+            </a:r>
+          </a:p>
+        </p:txBody>
+      </p:sp>
     </p:spTree>
     <p:extLst>
       <p:ext uri="{BB962C8B-B14F-4D97-AF65-F5344CB8AC3E}">
-        <p14:creationId xmlns:p14="http://schemas.microsoft.com/office/powerpoint/2010/main" val="1185222280"/>
+        <p14:creationId xmlns:p14="http://schemas.microsoft.com/office/powerpoint/2010/main" val="4100201946"/>
       </p:ext>
     </p:extLst>
   </p:cSld>
@@ -5078,2054 +5595,7 @@
 </p:sld>
 </file>
 
-<file path=ppt/slides/slide2.xml><?xml version="1.0" encoding="utf-8"?>
-<p:sld xmlns:a="http://schemas.openxmlformats.org/drawingml/2006/main" xmlns:r="http://schemas.openxmlformats.org/officeDocument/2006/relationships" xmlns:p="http://schemas.openxmlformats.org/presentationml/2006/main" showMasterSp="0">
-  <p:cSld>
-    <p:spTree>
-      <p:nvGrpSpPr>
-        <p:cNvPr id="1" name=""/>
-        <p:cNvGrpSpPr/>
-        <p:nvPr/>
-      </p:nvGrpSpPr>
-      <p:grpSpPr>
-        <a:xfrm>
-          <a:off x="0" y="0"/>
-          <a:ext cx="0" cy="0"/>
-          <a:chOff x="0" y="0"/>
-          <a:chExt cx="0" cy="0"/>
-        </a:xfrm>
-      </p:grpSpPr>
-      <p:sp>
-        <p:nvSpPr>
-          <p:cNvPr id="7" name="Title 1">
-            <a:extLst>
-              <a:ext uri="{FF2B5EF4-FFF2-40B4-BE49-F238E27FC236}">
-                <a16:creationId xmlns:a16="http://schemas.microsoft.com/office/drawing/2014/main" id="{A8EEA46A-C2AA-46A3-8D1D-B1E6843FE5A5}"/>
-              </a:ext>
-            </a:extLst>
-          </p:cNvPr>
-          <p:cNvSpPr>
-            <a:spLocks noGrp="1"/>
-          </p:cNvSpPr>
-          <p:nvPr>
-            <p:ph type="title"/>
-          </p:nvPr>
-        </p:nvSpPr>
-        <p:spPr>
-          <a:xfrm>
-            <a:off x="0" y="8996"/>
-            <a:ext cx="6609030" cy="642854"/>
-          </a:xfrm>
-        </p:spPr>
-        <p:txBody>
-          <a:bodyPr>
-            <a:normAutofit fontScale="90000"/>
-          </a:bodyPr>
-          <a:lstStyle/>
-          <a:p>
-            <a:r>
-              <a:rPr lang="sv-SE" noProof="1"/>
-              <a:t>Vilka metoder?</a:t>
-            </a:r>
-          </a:p>
-        </p:txBody>
-      </p:sp>
-      <p:sp>
-        <p:nvSpPr>
-          <p:cNvPr id="2" name="Rectangle 1">
-            <a:extLst>
-              <a:ext uri="{FF2B5EF4-FFF2-40B4-BE49-F238E27FC236}">
-                <a16:creationId xmlns:a16="http://schemas.microsoft.com/office/drawing/2014/main" id="{BA8C6E6A-8837-4995-A15D-F216BE4339A1}"/>
-              </a:ext>
-            </a:extLst>
-          </p:cNvPr>
-          <p:cNvSpPr/>
-          <p:nvPr/>
-        </p:nvSpPr>
-        <p:spPr>
-          <a:xfrm>
-            <a:off x="658240" y="2739128"/>
-            <a:ext cx="1352144" cy="642854"/>
-          </a:xfrm>
-          <a:prstGeom prst="rect">
-            <a:avLst/>
-          </a:prstGeom>
-        </p:spPr>
-        <p:style>
-          <a:lnRef idx="2">
-            <a:schemeClr val="accent4">
-              <a:shade val="50000"/>
-            </a:schemeClr>
-          </a:lnRef>
-          <a:fillRef idx="1">
-            <a:schemeClr val="accent4"/>
-          </a:fillRef>
-          <a:effectRef idx="0">
-            <a:schemeClr val="accent4"/>
-          </a:effectRef>
-          <a:fontRef idx="minor">
-            <a:schemeClr val="lt1"/>
-          </a:fontRef>
-        </p:style>
-        <p:txBody>
-          <a:bodyPr rtlCol="0" anchor="ctr"/>
-          <a:lstStyle/>
-          <a:p>
-            <a:pPr algn="ctr"/>
-            <a:r>
-              <a:rPr lang="sv-SE" noProof="1"/>
-              <a:t>Vad har vi för data?</a:t>
-            </a:r>
-          </a:p>
-        </p:txBody>
-      </p:sp>
-      <p:sp>
-        <p:nvSpPr>
-          <p:cNvPr id="5" name="Rectangle 4">
-            <a:extLst>
-              <a:ext uri="{FF2B5EF4-FFF2-40B4-BE49-F238E27FC236}">
-                <a16:creationId xmlns:a16="http://schemas.microsoft.com/office/drawing/2014/main" id="{141BC326-7DAB-456D-AAC5-969821E94158}"/>
-              </a:ext>
-            </a:extLst>
-          </p:cNvPr>
-          <p:cNvSpPr/>
-          <p:nvPr/>
-        </p:nvSpPr>
-        <p:spPr>
-          <a:xfrm>
-            <a:off x="2172511" y="2739128"/>
-            <a:ext cx="1352144" cy="642854"/>
-          </a:xfrm>
-          <a:prstGeom prst="rect">
-            <a:avLst/>
-          </a:prstGeom>
-        </p:spPr>
-        <p:style>
-          <a:lnRef idx="2">
-            <a:schemeClr val="accent4">
-              <a:shade val="50000"/>
-            </a:schemeClr>
-          </a:lnRef>
-          <a:fillRef idx="1">
-            <a:schemeClr val="accent4"/>
-          </a:fillRef>
-          <a:effectRef idx="0">
-            <a:schemeClr val="accent4"/>
-          </a:effectRef>
-          <a:fontRef idx="minor">
-            <a:schemeClr val="lt1"/>
-          </a:fontRef>
-        </p:style>
-        <p:txBody>
-          <a:bodyPr rtlCol="0" anchor="ctr"/>
-          <a:lstStyle/>
-          <a:p>
-            <a:pPr algn="ctr"/>
-            <a:r>
-              <a:rPr lang="sv-SE" noProof="1"/>
-              <a:t>Städa data</a:t>
-            </a:r>
-          </a:p>
-        </p:txBody>
-      </p:sp>
-      <p:sp>
-        <p:nvSpPr>
-          <p:cNvPr id="8" name="Rectangle 7">
-            <a:extLst>
-              <a:ext uri="{FF2B5EF4-FFF2-40B4-BE49-F238E27FC236}">
-                <a16:creationId xmlns:a16="http://schemas.microsoft.com/office/drawing/2014/main" id="{0FFEA063-22B7-4CCF-9B30-0CCDD8721F6B}"/>
-              </a:ext>
-            </a:extLst>
-          </p:cNvPr>
-          <p:cNvSpPr/>
-          <p:nvPr/>
-        </p:nvSpPr>
-        <p:spPr>
-          <a:xfrm>
-            <a:off x="8253910" y="2739128"/>
-            <a:ext cx="1352144" cy="642854"/>
-          </a:xfrm>
-          <a:prstGeom prst="rect">
-            <a:avLst/>
-          </a:prstGeom>
-        </p:spPr>
-        <p:style>
-          <a:lnRef idx="2">
-            <a:schemeClr val="accent4">
-              <a:shade val="50000"/>
-            </a:schemeClr>
-          </a:lnRef>
-          <a:fillRef idx="1">
-            <a:schemeClr val="accent4"/>
-          </a:fillRef>
-          <a:effectRef idx="0">
-            <a:schemeClr val="accent4"/>
-          </a:effectRef>
-          <a:fontRef idx="minor">
-            <a:schemeClr val="lt1"/>
-          </a:fontRef>
-        </p:style>
-        <p:txBody>
-          <a:bodyPr rtlCol="0" anchor="ctr"/>
-          <a:lstStyle/>
-          <a:p>
-            <a:pPr algn="ctr"/>
-            <a:r>
-              <a:rPr lang="sv-SE" noProof="1"/>
-              <a:t>GradCam</a:t>
-            </a:r>
-          </a:p>
-        </p:txBody>
-      </p:sp>
-      <p:sp>
-        <p:nvSpPr>
-          <p:cNvPr id="9" name="Rectangle 8">
-            <a:extLst>
-              <a:ext uri="{FF2B5EF4-FFF2-40B4-BE49-F238E27FC236}">
-                <a16:creationId xmlns:a16="http://schemas.microsoft.com/office/drawing/2014/main" id="{980933C4-E670-459B-87A3-7F62265DDC4F}"/>
-              </a:ext>
-            </a:extLst>
-          </p:cNvPr>
-          <p:cNvSpPr/>
-          <p:nvPr/>
-        </p:nvSpPr>
-        <p:spPr>
-          <a:xfrm>
-            <a:off x="6734776" y="2739128"/>
-            <a:ext cx="1352144" cy="642854"/>
-          </a:xfrm>
-          <a:prstGeom prst="rect">
-            <a:avLst/>
-          </a:prstGeom>
-        </p:spPr>
-        <p:style>
-          <a:lnRef idx="2">
-            <a:schemeClr val="accent4">
-              <a:shade val="50000"/>
-            </a:schemeClr>
-          </a:lnRef>
-          <a:fillRef idx="1">
-            <a:schemeClr val="accent4"/>
-          </a:fillRef>
-          <a:effectRef idx="0">
-            <a:schemeClr val="accent4"/>
-          </a:effectRef>
-          <a:fontRef idx="minor">
-            <a:schemeClr val="lt1"/>
-          </a:fontRef>
-        </p:style>
-        <p:txBody>
-          <a:bodyPr rtlCol="0" anchor="ctr"/>
-          <a:lstStyle/>
-          <a:p>
-            <a:pPr algn="ctr"/>
-            <a:r>
-              <a:rPr lang="sv-SE" sz="1600" noProof="1"/>
-              <a:t>modellClass</a:t>
-            </a:r>
-          </a:p>
-        </p:txBody>
-      </p:sp>
-      <p:sp>
-        <p:nvSpPr>
-          <p:cNvPr id="10" name="Rectangle 9">
-            <a:extLst>
-              <a:ext uri="{FF2B5EF4-FFF2-40B4-BE49-F238E27FC236}">
-                <a16:creationId xmlns:a16="http://schemas.microsoft.com/office/drawing/2014/main" id="{5E92AD8F-6756-4E99-8F35-C5822D622C8B}"/>
-              </a:ext>
-            </a:extLst>
-          </p:cNvPr>
-          <p:cNvSpPr/>
-          <p:nvPr/>
-        </p:nvSpPr>
-        <p:spPr>
-          <a:xfrm>
-            <a:off x="3696508" y="2739128"/>
-            <a:ext cx="1352144" cy="642854"/>
-          </a:xfrm>
-          <a:prstGeom prst="rect">
-            <a:avLst/>
-          </a:prstGeom>
-        </p:spPr>
-        <p:style>
-          <a:lnRef idx="2">
-            <a:schemeClr val="accent4">
-              <a:shade val="50000"/>
-            </a:schemeClr>
-          </a:lnRef>
-          <a:fillRef idx="1">
-            <a:schemeClr val="accent4"/>
-          </a:fillRef>
-          <a:effectRef idx="0">
-            <a:schemeClr val="accent4"/>
-          </a:effectRef>
-          <a:fontRef idx="minor">
-            <a:schemeClr val="lt1"/>
-          </a:fontRef>
-        </p:style>
-        <p:txBody>
-          <a:bodyPr rtlCol="0" anchor="ctr"/>
-          <a:lstStyle/>
-          <a:p>
-            <a:pPr algn="ctr"/>
-            <a:r>
-              <a:rPr lang="sv-SE" noProof="1"/>
-              <a:t>Cropping</a:t>
-            </a:r>
-          </a:p>
-        </p:txBody>
-      </p:sp>
-      <p:sp>
-        <p:nvSpPr>
-          <p:cNvPr id="11" name="Rectangle 10">
-            <a:extLst>
-              <a:ext uri="{FF2B5EF4-FFF2-40B4-BE49-F238E27FC236}">
-                <a16:creationId xmlns:a16="http://schemas.microsoft.com/office/drawing/2014/main" id="{F875DBB9-4EAC-4064-A040-63BE769DD2AE}"/>
-              </a:ext>
-            </a:extLst>
-          </p:cNvPr>
-          <p:cNvSpPr/>
-          <p:nvPr/>
-        </p:nvSpPr>
-        <p:spPr>
-          <a:xfrm>
-            <a:off x="5215642" y="2739128"/>
-            <a:ext cx="1352144" cy="642854"/>
-          </a:xfrm>
-          <a:prstGeom prst="rect">
-            <a:avLst/>
-          </a:prstGeom>
-        </p:spPr>
-        <p:style>
-          <a:lnRef idx="2">
-            <a:schemeClr val="accent4">
-              <a:shade val="50000"/>
-            </a:schemeClr>
-          </a:lnRef>
-          <a:fillRef idx="1">
-            <a:schemeClr val="accent4"/>
-          </a:fillRef>
-          <a:effectRef idx="0">
-            <a:schemeClr val="accent4"/>
-          </a:effectRef>
-          <a:fontRef idx="minor">
-            <a:schemeClr val="lt1"/>
-          </a:fontRef>
-        </p:style>
-        <p:txBody>
-          <a:bodyPr rtlCol="0" anchor="ctr"/>
-          <a:lstStyle/>
-          <a:p>
-            <a:pPr algn="ctr"/>
-            <a:r>
-              <a:rPr lang="sv-SE" sz="1400" noProof="1"/>
-              <a:t>Augumentering</a:t>
-            </a:r>
-            <a:endParaRPr lang="sv-SE" noProof="1"/>
-          </a:p>
-        </p:txBody>
-      </p:sp>
-      <p:sp>
-        <p:nvSpPr>
-          <p:cNvPr id="12" name="Rectangle 11">
-            <a:extLst>
-              <a:ext uri="{FF2B5EF4-FFF2-40B4-BE49-F238E27FC236}">
-                <a16:creationId xmlns:a16="http://schemas.microsoft.com/office/drawing/2014/main" id="{5B067472-858F-446C-9A94-1C6B4036B09E}"/>
-              </a:ext>
-            </a:extLst>
-          </p:cNvPr>
-          <p:cNvSpPr/>
-          <p:nvPr/>
-        </p:nvSpPr>
-        <p:spPr>
-          <a:xfrm>
-            <a:off x="9773044" y="2739128"/>
-            <a:ext cx="1352144" cy="642854"/>
-          </a:xfrm>
-          <a:prstGeom prst="rect">
-            <a:avLst/>
-          </a:prstGeom>
-        </p:spPr>
-        <p:style>
-          <a:lnRef idx="2">
-            <a:schemeClr val="accent4">
-              <a:shade val="50000"/>
-            </a:schemeClr>
-          </a:lnRef>
-          <a:fillRef idx="1">
-            <a:schemeClr val="accent4"/>
-          </a:fillRef>
-          <a:effectRef idx="0">
-            <a:schemeClr val="accent4"/>
-          </a:effectRef>
-          <a:fontRef idx="minor">
-            <a:schemeClr val="lt1"/>
-          </a:fontRef>
-        </p:style>
-        <p:txBody>
-          <a:bodyPr rtlCol="0" anchor="ctr"/>
-          <a:lstStyle/>
-          <a:p>
-            <a:pPr algn="ctr"/>
-            <a:r>
-              <a:rPr lang="sv-SE" noProof="1"/>
-              <a:t>Notebook beställare</a:t>
-            </a:r>
-          </a:p>
-        </p:txBody>
-      </p:sp>
-      <p:sp>
-        <p:nvSpPr>
-          <p:cNvPr id="13" name="Rectangle 12">
-            <a:extLst>
-              <a:ext uri="{FF2B5EF4-FFF2-40B4-BE49-F238E27FC236}">
-                <a16:creationId xmlns:a16="http://schemas.microsoft.com/office/drawing/2014/main" id="{34EF5414-8398-40A7-B243-BE77AA119335}"/>
-              </a:ext>
-            </a:extLst>
-          </p:cNvPr>
-          <p:cNvSpPr/>
-          <p:nvPr/>
-        </p:nvSpPr>
-        <p:spPr>
-          <a:xfrm>
-            <a:off x="2275461" y="3611374"/>
-            <a:ext cx="1155969" cy="503426"/>
-          </a:xfrm>
-          <a:prstGeom prst="rect">
-            <a:avLst/>
-          </a:prstGeom>
-        </p:spPr>
-        <p:style>
-          <a:lnRef idx="2">
-            <a:schemeClr val="accent4">
-              <a:shade val="50000"/>
-            </a:schemeClr>
-          </a:lnRef>
-          <a:fillRef idx="1">
-            <a:schemeClr val="accent4"/>
-          </a:fillRef>
-          <a:effectRef idx="0">
-            <a:schemeClr val="accent4"/>
-          </a:effectRef>
-          <a:fontRef idx="minor">
-            <a:schemeClr val="lt1"/>
-          </a:fontRef>
-        </p:style>
-        <p:txBody>
-          <a:bodyPr rtlCol="0" anchor="ctr"/>
-          <a:lstStyle/>
-          <a:p>
-            <a:pPr algn="ctr"/>
-            <a:r>
-              <a:rPr lang="sv-SE" sz="1600" noProof="1"/>
-              <a:t>Dubbletter</a:t>
-            </a:r>
-            <a:endParaRPr lang="sv-SE" noProof="1"/>
-          </a:p>
-        </p:txBody>
-      </p:sp>
-      <p:sp>
-        <p:nvSpPr>
-          <p:cNvPr id="14" name="Rectangle 13">
-            <a:extLst>
-              <a:ext uri="{FF2B5EF4-FFF2-40B4-BE49-F238E27FC236}">
-                <a16:creationId xmlns:a16="http://schemas.microsoft.com/office/drawing/2014/main" id="{A238ED1A-89E8-40A3-8A69-6C8538BBDB00}"/>
-              </a:ext>
-            </a:extLst>
-          </p:cNvPr>
-          <p:cNvSpPr/>
-          <p:nvPr/>
-        </p:nvSpPr>
-        <p:spPr>
-          <a:xfrm>
-            <a:off x="6832863" y="3611374"/>
-            <a:ext cx="1155969" cy="503426"/>
-          </a:xfrm>
-          <a:prstGeom prst="rect">
-            <a:avLst/>
-          </a:prstGeom>
-        </p:spPr>
-        <p:style>
-          <a:lnRef idx="2">
-            <a:schemeClr val="accent4">
-              <a:shade val="50000"/>
-            </a:schemeClr>
-          </a:lnRef>
-          <a:fillRef idx="1">
-            <a:schemeClr val="accent4"/>
-          </a:fillRef>
-          <a:effectRef idx="0">
-            <a:schemeClr val="accent4"/>
-          </a:effectRef>
-          <a:fontRef idx="minor">
-            <a:schemeClr val="lt1"/>
-          </a:fontRef>
-        </p:style>
-        <p:txBody>
-          <a:bodyPr rtlCol="0" anchor="ctr"/>
-          <a:lstStyle/>
-          <a:p>
-            <a:pPr algn="ctr"/>
-            <a:r>
-              <a:rPr lang="sv-SE" noProof="1"/>
-              <a:t>Baseline</a:t>
-            </a:r>
-          </a:p>
-        </p:txBody>
-      </p:sp>
-      <p:sp>
-        <p:nvSpPr>
-          <p:cNvPr id="15" name="Rectangle 14">
-            <a:extLst>
-              <a:ext uri="{FF2B5EF4-FFF2-40B4-BE49-F238E27FC236}">
-                <a16:creationId xmlns:a16="http://schemas.microsoft.com/office/drawing/2014/main" id="{DFEA2F7A-1E0D-4C2F-AAF5-CE9A82D9CC02}"/>
-              </a:ext>
-            </a:extLst>
-          </p:cNvPr>
-          <p:cNvSpPr/>
-          <p:nvPr/>
-        </p:nvSpPr>
-        <p:spPr>
-          <a:xfrm>
-            <a:off x="3794595" y="3611374"/>
-            <a:ext cx="1155969" cy="503426"/>
-          </a:xfrm>
-          <a:prstGeom prst="rect">
-            <a:avLst/>
-          </a:prstGeom>
-        </p:spPr>
-        <p:style>
-          <a:lnRef idx="2">
-            <a:schemeClr val="accent4">
-              <a:shade val="50000"/>
-            </a:schemeClr>
-          </a:lnRef>
-          <a:fillRef idx="1">
-            <a:schemeClr val="accent4"/>
-          </a:fillRef>
-          <a:effectRef idx="0">
-            <a:schemeClr val="accent4"/>
-          </a:effectRef>
-          <a:fontRef idx="minor">
-            <a:schemeClr val="lt1"/>
-          </a:fontRef>
-        </p:style>
-        <p:txBody>
-          <a:bodyPr rtlCol="0" anchor="ctr"/>
-          <a:lstStyle/>
-          <a:p>
-            <a:pPr algn="ctr"/>
-            <a:r>
-              <a:rPr lang="sv-SE" noProof="1"/>
-              <a:t>Teknik</a:t>
-            </a:r>
-          </a:p>
-        </p:txBody>
-      </p:sp>
-      <p:sp>
-        <p:nvSpPr>
-          <p:cNvPr id="16" name="Rectangle 15">
-            <a:extLst>
-              <a:ext uri="{FF2B5EF4-FFF2-40B4-BE49-F238E27FC236}">
-                <a16:creationId xmlns:a16="http://schemas.microsoft.com/office/drawing/2014/main" id="{4C6F571F-FAD6-4A25-BE22-07C7E36B4711}"/>
-              </a:ext>
-            </a:extLst>
-          </p:cNvPr>
-          <p:cNvSpPr/>
-          <p:nvPr/>
-        </p:nvSpPr>
-        <p:spPr>
-          <a:xfrm>
-            <a:off x="5313729" y="3611374"/>
-            <a:ext cx="1155969" cy="503426"/>
-          </a:xfrm>
-          <a:prstGeom prst="rect">
-            <a:avLst/>
-          </a:prstGeom>
-        </p:spPr>
-        <p:style>
-          <a:lnRef idx="2">
-            <a:schemeClr val="accent4">
-              <a:shade val="50000"/>
-            </a:schemeClr>
-          </a:lnRef>
-          <a:fillRef idx="1">
-            <a:schemeClr val="accent4"/>
-          </a:fillRef>
-          <a:effectRef idx="0">
-            <a:schemeClr val="accent4"/>
-          </a:effectRef>
-          <a:fontRef idx="minor">
-            <a:schemeClr val="lt1"/>
-          </a:fontRef>
-        </p:style>
-        <p:txBody>
-          <a:bodyPr rtlCol="0" anchor="ctr"/>
-          <a:lstStyle/>
-          <a:p>
-            <a:pPr algn="ctr"/>
-            <a:r>
-              <a:rPr lang="sv-SE" sz="1400" noProof="1"/>
-              <a:t>Metoder/ Urval</a:t>
-            </a:r>
-          </a:p>
-        </p:txBody>
-      </p:sp>
-      <p:sp>
-        <p:nvSpPr>
-          <p:cNvPr id="17" name="Rectangle 16">
-            <a:extLst>
-              <a:ext uri="{FF2B5EF4-FFF2-40B4-BE49-F238E27FC236}">
-                <a16:creationId xmlns:a16="http://schemas.microsoft.com/office/drawing/2014/main" id="{EAF8CB72-C0CB-4ADA-824D-3365FB17ED9D}"/>
-              </a:ext>
-            </a:extLst>
-          </p:cNvPr>
-          <p:cNvSpPr/>
-          <p:nvPr/>
-        </p:nvSpPr>
-        <p:spPr>
-          <a:xfrm>
-            <a:off x="6832862" y="4344192"/>
-            <a:ext cx="1155969" cy="503426"/>
-          </a:xfrm>
-          <a:prstGeom prst="rect">
-            <a:avLst/>
-          </a:prstGeom>
-        </p:spPr>
-        <p:style>
-          <a:lnRef idx="2">
-            <a:schemeClr val="accent4">
-              <a:shade val="50000"/>
-            </a:schemeClr>
-          </a:lnRef>
-          <a:fillRef idx="1">
-            <a:schemeClr val="accent4"/>
-          </a:fillRef>
-          <a:effectRef idx="0">
-            <a:schemeClr val="accent4"/>
-          </a:effectRef>
-          <a:fontRef idx="minor">
-            <a:schemeClr val="lt1"/>
-          </a:fontRef>
-        </p:style>
-        <p:txBody>
-          <a:bodyPr rtlCol="0" anchor="ctr"/>
-          <a:lstStyle/>
-          <a:p>
-            <a:pPr algn="ctr"/>
-            <a:r>
-              <a:rPr lang="sv-SE" noProof="1"/>
-              <a:t>Teknik</a:t>
-            </a:r>
-          </a:p>
-        </p:txBody>
-      </p:sp>
-      <p:sp>
-        <p:nvSpPr>
-          <p:cNvPr id="18" name="Rectangle 17">
-            <a:extLst>
-              <a:ext uri="{FF2B5EF4-FFF2-40B4-BE49-F238E27FC236}">
-                <a16:creationId xmlns:a16="http://schemas.microsoft.com/office/drawing/2014/main" id="{BE31FD4E-D59E-447A-9613-96937DA7E27C}"/>
-              </a:ext>
-            </a:extLst>
-          </p:cNvPr>
-          <p:cNvSpPr/>
-          <p:nvPr/>
-        </p:nvSpPr>
-        <p:spPr>
-          <a:xfrm>
-            <a:off x="8351997" y="3611374"/>
-            <a:ext cx="1155969" cy="503426"/>
-          </a:xfrm>
-          <a:prstGeom prst="rect">
-            <a:avLst/>
-          </a:prstGeom>
-        </p:spPr>
-        <p:style>
-          <a:lnRef idx="2">
-            <a:schemeClr val="accent4">
-              <a:shade val="50000"/>
-            </a:schemeClr>
-          </a:lnRef>
-          <a:fillRef idx="1">
-            <a:schemeClr val="accent4"/>
-          </a:fillRef>
-          <a:effectRef idx="0">
-            <a:schemeClr val="accent4"/>
-          </a:effectRef>
-          <a:fontRef idx="minor">
-            <a:schemeClr val="lt1"/>
-          </a:fontRef>
-        </p:style>
-        <p:txBody>
-          <a:bodyPr rtlCol="0" anchor="ctr"/>
-          <a:lstStyle/>
-          <a:p>
-            <a:pPr algn="ctr"/>
-            <a:r>
-              <a:rPr lang="sv-SE" noProof="1"/>
-              <a:t>Teknik</a:t>
-            </a:r>
-          </a:p>
-        </p:txBody>
-      </p:sp>
-      <p:cxnSp>
-        <p:nvCxnSpPr>
-          <p:cNvPr id="4" name="Straight Connector 3">
-            <a:extLst>
-              <a:ext uri="{FF2B5EF4-FFF2-40B4-BE49-F238E27FC236}">
-                <a16:creationId xmlns:a16="http://schemas.microsoft.com/office/drawing/2014/main" id="{C5D95C76-987F-40D5-973D-F3BEDE2C9785}"/>
-              </a:ext>
-            </a:extLst>
-          </p:cNvPr>
-          <p:cNvCxnSpPr>
-            <a:cxnSpLocks/>
-          </p:cNvCxnSpPr>
-          <p:nvPr/>
-        </p:nvCxnSpPr>
-        <p:spPr>
-          <a:xfrm>
-            <a:off x="3529518" y="3073110"/>
-            <a:ext cx="166990" cy="0"/>
-          </a:xfrm>
-          <a:prstGeom prst="line">
-            <a:avLst/>
-          </a:prstGeom>
-        </p:spPr>
-        <p:style>
-          <a:lnRef idx="1">
-            <a:schemeClr val="accent1"/>
-          </a:lnRef>
-          <a:fillRef idx="0">
-            <a:schemeClr val="accent1"/>
-          </a:fillRef>
-          <a:effectRef idx="0">
-            <a:schemeClr val="accent1"/>
-          </a:effectRef>
-          <a:fontRef idx="minor">
-            <a:schemeClr val="tx1"/>
-          </a:fontRef>
-        </p:style>
-      </p:cxnSp>
-      <p:cxnSp>
-        <p:nvCxnSpPr>
-          <p:cNvPr id="20" name="Straight Connector 19">
-            <a:extLst>
-              <a:ext uri="{FF2B5EF4-FFF2-40B4-BE49-F238E27FC236}">
-                <a16:creationId xmlns:a16="http://schemas.microsoft.com/office/drawing/2014/main" id="{196A9622-6F7A-4E0E-983F-E023E1310E4D}"/>
-              </a:ext>
-            </a:extLst>
-          </p:cNvPr>
-          <p:cNvCxnSpPr/>
-          <p:nvPr/>
-        </p:nvCxnSpPr>
-        <p:spPr>
-          <a:xfrm>
-            <a:off x="2015247" y="3073110"/>
-            <a:ext cx="166990" cy="0"/>
-          </a:xfrm>
-          <a:prstGeom prst="line">
-            <a:avLst/>
-          </a:prstGeom>
-        </p:spPr>
-        <p:style>
-          <a:lnRef idx="1">
-            <a:schemeClr val="accent1"/>
-          </a:lnRef>
-          <a:fillRef idx="0">
-            <a:schemeClr val="accent1"/>
-          </a:fillRef>
-          <a:effectRef idx="0">
-            <a:schemeClr val="accent1"/>
-          </a:effectRef>
-          <a:fontRef idx="minor">
-            <a:schemeClr val="tx1"/>
-          </a:fontRef>
-        </p:style>
-      </p:cxnSp>
-      <p:cxnSp>
-        <p:nvCxnSpPr>
-          <p:cNvPr id="22" name="Straight Connector 21">
-            <a:extLst>
-              <a:ext uri="{FF2B5EF4-FFF2-40B4-BE49-F238E27FC236}">
-                <a16:creationId xmlns:a16="http://schemas.microsoft.com/office/drawing/2014/main" id="{7D0B1597-B70D-4429-914C-D75399014572}"/>
-              </a:ext>
-            </a:extLst>
-          </p:cNvPr>
-          <p:cNvCxnSpPr/>
-          <p:nvPr/>
-        </p:nvCxnSpPr>
-        <p:spPr>
-          <a:xfrm>
-            <a:off x="5048652" y="3076242"/>
-            <a:ext cx="166990" cy="0"/>
-          </a:xfrm>
-          <a:prstGeom prst="line">
-            <a:avLst/>
-          </a:prstGeom>
-        </p:spPr>
-        <p:style>
-          <a:lnRef idx="1">
-            <a:schemeClr val="accent1"/>
-          </a:lnRef>
-          <a:fillRef idx="0">
-            <a:schemeClr val="accent1"/>
-          </a:fillRef>
-          <a:effectRef idx="0">
-            <a:schemeClr val="accent1"/>
-          </a:effectRef>
-          <a:fontRef idx="minor">
-            <a:schemeClr val="tx1"/>
-          </a:fontRef>
-        </p:style>
-      </p:cxnSp>
-      <p:cxnSp>
-        <p:nvCxnSpPr>
-          <p:cNvPr id="27" name="Straight Connector 26">
-            <a:extLst>
-              <a:ext uri="{FF2B5EF4-FFF2-40B4-BE49-F238E27FC236}">
-                <a16:creationId xmlns:a16="http://schemas.microsoft.com/office/drawing/2014/main" id="{5E85EFCC-981B-47BC-AD14-BEDB85557554}"/>
-              </a:ext>
-            </a:extLst>
-          </p:cNvPr>
-          <p:cNvCxnSpPr/>
-          <p:nvPr/>
-        </p:nvCxnSpPr>
-        <p:spPr>
-          <a:xfrm>
-            <a:off x="6567786" y="3107327"/>
-            <a:ext cx="166990" cy="0"/>
-          </a:xfrm>
-          <a:prstGeom prst="line">
-            <a:avLst/>
-          </a:prstGeom>
-        </p:spPr>
-        <p:style>
-          <a:lnRef idx="1">
-            <a:schemeClr val="accent1"/>
-          </a:lnRef>
-          <a:fillRef idx="0">
-            <a:schemeClr val="accent1"/>
-          </a:fillRef>
-          <a:effectRef idx="0">
-            <a:schemeClr val="accent1"/>
-          </a:effectRef>
-          <a:fontRef idx="minor">
-            <a:schemeClr val="tx1"/>
-          </a:fontRef>
-        </p:style>
-      </p:cxnSp>
-      <p:cxnSp>
-        <p:nvCxnSpPr>
-          <p:cNvPr id="28" name="Straight Connector 27">
-            <a:extLst>
-              <a:ext uri="{FF2B5EF4-FFF2-40B4-BE49-F238E27FC236}">
-                <a16:creationId xmlns:a16="http://schemas.microsoft.com/office/drawing/2014/main" id="{18B7B2A5-66E5-415C-A1A6-D0AADD782AC7}"/>
-              </a:ext>
-            </a:extLst>
-          </p:cNvPr>
-          <p:cNvCxnSpPr/>
-          <p:nvPr/>
-        </p:nvCxnSpPr>
-        <p:spPr>
-          <a:xfrm>
-            <a:off x="8086920" y="3084709"/>
-            <a:ext cx="166990" cy="0"/>
-          </a:xfrm>
-          <a:prstGeom prst="line">
-            <a:avLst/>
-          </a:prstGeom>
-        </p:spPr>
-        <p:style>
-          <a:lnRef idx="1">
-            <a:schemeClr val="accent1"/>
-          </a:lnRef>
-          <a:fillRef idx="0">
-            <a:schemeClr val="accent1"/>
-          </a:fillRef>
-          <a:effectRef idx="0">
-            <a:schemeClr val="accent1"/>
-          </a:effectRef>
-          <a:fontRef idx="minor">
-            <a:schemeClr val="tx1"/>
-          </a:fontRef>
-        </p:style>
-      </p:cxnSp>
-      <p:cxnSp>
-        <p:nvCxnSpPr>
-          <p:cNvPr id="30" name="Straight Connector 29">
-            <a:extLst>
-              <a:ext uri="{FF2B5EF4-FFF2-40B4-BE49-F238E27FC236}">
-                <a16:creationId xmlns:a16="http://schemas.microsoft.com/office/drawing/2014/main" id="{E8039075-B264-4B82-92C3-DC455F618553}"/>
-              </a:ext>
-            </a:extLst>
-          </p:cNvPr>
-          <p:cNvCxnSpPr/>
-          <p:nvPr/>
-        </p:nvCxnSpPr>
-        <p:spPr>
-          <a:xfrm>
-            <a:off x="9606054" y="3107327"/>
-            <a:ext cx="166990" cy="0"/>
-          </a:xfrm>
-          <a:prstGeom prst="line">
-            <a:avLst/>
-          </a:prstGeom>
-        </p:spPr>
-        <p:style>
-          <a:lnRef idx="1">
-            <a:schemeClr val="accent1"/>
-          </a:lnRef>
-          <a:fillRef idx="0">
-            <a:schemeClr val="accent1"/>
-          </a:fillRef>
-          <a:effectRef idx="0">
-            <a:schemeClr val="accent1"/>
-          </a:effectRef>
-          <a:fontRef idx="minor">
-            <a:schemeClr val="tx1"/>
-          </a:fontRef>
-        </p:style>
-      </p:cxnSp>
-      <p:cxnSp>
-        <p:nvCxnSpPr>
-          <p:cNvPr id="33" name="Straight Connector 32">
-            <a:extLst>
-              <a:ext uri="{FF2B5EF4-FFF2-40B4-BE49-F238E27FC236}">
-                <a16:creationId xmlns:a16="http://schemas.microsoft.com/office/drawing/2014/main" id="{80BE275E-0DC8-40A7-8275-F6911E553369}"/>
-              </a:ext>
-            </a:extLst>
-          </p:cNvPr>
-          <p:cNvCxnSpPr>
-            <a:stCxn id="5" idx="2"/>
-            <a:endCxn id="13" idx="0"/>
-          </p:cNvCxnSpPr>
-          <p:nvPr/>
-        </p:nvCxnSpPr>
-        <p:spPr>
-          <a:xfrm>
-            <a:off x="2848583" y="3381982"/>
-            <a:ext cx="4863" cy="229392"/>
-          </a:xfrm>
-          <a:prstGeom prst="line">
-            <a:avLst/>
-          </a:prstGeom>
-        </p:spPr>
-        <p:style>
-          <a:lnRef idx="1">
-            <a:schemeClr val="accent1"/>
-          </a:lnRef>
-          <a:fillRef idx="0">
-            <a:schemeClr val="accent1"/>
-          </a:fillRef>
-          <a:effectRef idx="0">
-            <a:schemeClr val="accent1"/>
-          </a:effectRef>
-          <a:fontRef idx="minor">
-            <a:schemeClr val="tx1"/>
-          </a:fontRef>
-        </p:style>
-      </p:cxnSp>
-      <p:cxnSp>
-        <p:nvCxnSpPr>
-          <p:cNvPr id="34" name="Straight Connector 33">
-            <a:extLst>
-              <a:ext uri="{FF2B5EF4-FFF2-40B4-BE49-F238E27FC236}">
-                <a16:creationId xmlns:a16="http://schemas.microsoft.com/office/drawing/2014/main" id="{907FD62D-12EE-4783-96ED-3E3EC9AB8D1D}"/>
-              </a:ext>
-            </a:extLst>
-          </p:cNvPr>
-          <p:cNvCxnSpPr/>
-          <p:nvPr/>
-        </p:nvCxnSpPr>
-        <p:spPr>
-          <a:xfrm>
-            <a:off x="4403607" y="3386723"/>
-            <a:ext cx="4863" cy="229392"/>
-          </a:xfrm>
-          <a:prstGeom prst="line">
-            <a:avLst/>
-          </a:prstGeom>
-        </p:spPr>
-        <p:style>
-          <a:lnRef idx="1">
-            <a:schemeClr val="accent1"/>
-          </a:lnRef>
-          <a:fillRef idx="0">
-            <a:schemeClr val="accent1"/>
-          </a:fillRef>
-          <a:effectRef idx="0">
-            <a:schemeClr val="accent1"/>
-          </a:effectRef>
-          <a:fontRef idx="minor">
-            <a:schemeClr val="tx1"/>
-          </a:fontRef>
-        </p:style>
-      </p:cxnSp>
-      <p:cxnSp>
-        <p:nvCxnSpPr>
-          <p:cNvPr id="35" name="Straight Connector 34">
-            <a:extLst>
-              <a:ext uri="{FF2B5EF4-FFF2-40B4-BE49-F238E27FC236}">
-                <a16:creationId xmlns:a16="http://schemas.microsoft.com/office/drawing/2014/main" id="{BA2642B2-BE2B-49A4-A0E6-5948BC889D00}"/>
-              </a:ext>
-            </a:extLst>
-          </p:cNvPr>
-          <p:cNvCxnSpPr/>
-          <p:nvPr/>
-        </p:nvCxnSpPr>
-        <p:spPr>
-          <a:xfrm>
-            <a:off x="5920057" y="3386723"/>
-            <a:ext cx="4863" cy="229392"/>
-          </a:xfrm>
-          <a:prstGeom prst="line">
-            <a:avLst/>
-          </a:prstGeom>
-        </p:spPr>
-        <p:style>
-          <a:lnRef idx="1">
-            <a:schemeClr val="accent1"/>
-          </a:lnRef>
-          <a:fillRef idx="0">
-            <a:schemeClr val="accent1"/>
-          </a:fillRef>
-          <a:effectRef idx="0">
-            <a:schemeClr val="accent1"/>
-          </a:effectRef>
-          <a:fontRef idx="minor">
-            <a:schemeClr val="tx1"/>
-          </a:fontRef>
-        </p:style>
-      </p:cxnSp>
-      <p:cxnSp>
-        <p:nvCxnSpPr>
-          <p:cNvPr id="36" name="Straight Connector 35">
-            <a:extLst>
-              <a:ext uri="{FF2B5EF4-FFF2-40B4-BE49-F238E27FC236}">
-                <a16:creationId xmlns:a16="http://schemas.microsoft.com/office/drawing/2014/main" id="{BEF5E8FB-E52B-443A-B64A-142ECD74E122}"/>
-              </a:ext>
-            </a:extLst>
-          </p:cNvPr>
-          <p:cNvCxnSpPr/>
-          <p:nvPr/>
-        </p:nvCxnSpPr>
-        <p:spPr>
-          <a:xfrm>
-            <a:off x="7437012" y="3381982"/>
-            <a:ext cx="4863" cy="229392"/>
-          </a:xfrm>
-          <a:prstGeom prst="line">
-            <a:avLst/>
-          </a:prstGeom>
-        </p:spPr>
-        <p:style>
-          <a:lnRef idx="1">
-            <a:schemeClr val="accent1"/>
-          </a:lnRef>
-          <a:fillRef idx="0">
-            <a:schemeClr val="accent1"/>
-          </a:fillRef>
-          <a:effectRef idx="0">
-            <a:schemeClr val="accent1"/>
-          </a:effectRef>
-          <a:fontRef idx="minor">
-            <a:schemeClr val="tx1"/>
-          </a:fontRef>
-        </p:style>
-      </p:cxnSp>
-      <p:cxnSp>
-        <p:nvCxnSpPr>
-          <p:cNvPr id="37" name="Straight Connector 36">
-            <a:extLst>
-              <a:ext uri="{FF2B5EF4-FFF2-40B4-BE49-F238E27FC236}">
-                <a16:creationId xmlns:a16="http://schemas.microsoft.com/office/drawing/2014/main" id="{3212AACD-EA43-4E05-9CB7-298B2856D4AC}"/>
-              </a:ext>
-            </a:extLst>
-          </p:cNvPr>
-          <p:cNvCxnSpPr/>
-          <p:nvPr/>
-        </p:nvCxnSpPr>
-        <p:spPr>
-          <a:xfrm>
-            <a:off x="8910478" y="3381982"/>
-            <a:ext cx="4863" cy="229392"/>
-          </a:xfrm>
-          <a:prstGeom prst="line">
-            <a:avLst/>
-          </a:prstGeom>
-        </p:spPr>
-        <p:style>
-          <a:lnRef idx="1">
-            <a:schemeClr val="accent1"/>
-          </a:lnRef>
-          <a:fillRef idx="0">
-            <a:schemeClr val="accent1"/>
-          </a:fillRef>
-          <a:effectRef idx="0">
-            <a:schemeClr val="accent1"/>
-          </a:effectRef>
-          <a:fontRef idx="minor">
-            <a:schemeClr val="tx1"/>
-          </a:fontRef>
-        </p:style>
-      </p:cxnSp>
-      <p:cxnSp>
-        <p:nvCxnSpPr>
-          <p:cNvPr id="38" name="Straight Connector 37">
-            <a:extLst>
-              <a:ext uri="{FF2B5EF4-FFF2-40B4-BE49-F238E27FC236}">
-                <a16:creationId xmlns:a16="http://schemas.microsoft.com/office/drawing/2014/main" id="{42CC8E68-DF06-46E2-9969-867B00AD6563}"/>
-              </a:ext>
-            </a:extLst>
-          </p:cNvPr>
-          <p:cNvCxnSpPr/>
-          <p:nvPr/>
-        </p:nvCxnSpPr>
-        <p:spPr>
-          <a:xfrm>
-            <a:off x="7405983" y="4114800"/>
-            <a:ext cx="4863" cy="229392"/>
-          </a:xfrm>
-          <a:prstGeom prst="line">
-            <a:avLst/>
-          </a:prstGeom>
-        </p:spPr>
-        <p:style>
-          <a:lnRef idx="1">
-            <a:schemeClr val="accent1"/>
-          </a:lnRef>
-          <a:fillRef idx="0">
-            <a:schemeClr val="accent1"/>
-          </a:fillRef>
-          <a:effectRef idx="0">
-            <a:schemeClr val="accent1"/>
-          </a:effectRef>
-          <a:fontRef idx="minor">
-            <a:schemeClr val="tx1"/>
-          </a:fontRef>
-        </p:style>
-      </p:cxnSp>
-      <p:sp>
-        <p:nvSpPr>
-          <p:cNvPr id="39" name="TextBox 38">
-            <a:extLst>
-              <a:ext uri="{FF2B5EF4-FFF2-40B4-BE49-F238E27FC236}">
-                <a16:creationId xmlns:a16="http://schemas.microsoft.com/office/drawing/2014/main" id="{0A236EA7-AA5D-4512-8DB9-1C26FE3B9DE1}"/>
-              </a:ext>
-            </a:extLst>
-          </p:cNvPr>
-          <p:cNvSpPr txBox="1"/>
-          <p:nvPr/>
-        </p:nvSpPr>
-        <p:spPr>
-          <a:xfrm>
-            <a:off x="5021180" y="1291304"/>
-            <a:ext cx="1924096" cy="369332"/>
-          </a:xfrm>
-          <a:prstGeom prst="rect">
-            <a:avLst/>
-          </a:prstGeom>
-          <a:noFill/>
-        </p:spPr>
-        <p:txBody>
-          <a:bodyPr wrap="square" rtlCol="0">
-            <a:spAutoFit/>
-          </a:bodyPr>
-          <a:lstStyle/>
-          <a:p>
-            <a:r>
-              <a:rPr lang="sv-SE" noProof="1"/>
-              <a:t>Vad har vi gjort?</a:t>
-            </a:r>
-          </a:p>
-        </p:txBody>
-      </p:sp>
-    </p:spTree>
-    <p:extLst>
-      <p:ext uri="{BB962C8B-B14F-4D97-AF65-F5344CB8AC3E}">
-        <p14:creationId xmlns:p14="http://schemas.microsoft.com/office/powerpoint/2010/main" val="621365753"/>
-      </p:ext>
-    </p:extLst>
-  </p:cSld>
-  <p:clrMapOvr>
-    <a:masterClrMapping/>
-  </p:clrMapOvr>
-</p:sld>
-</file>
-
-<file path=ppt/slides/slide3.xml><?xml version="1.0" encoding="utf-8"?>
-<p:sld xmlns:a="http://schemas.openxmlformats.org/drawingml/2006/main" xmlns:r="http://schemas.openxmlformats.org/officeDocument/2006/relationships" xmlns:p="http://schemas.openxmlformats.org/presentationml/2006/main" showMasterSp="0">
-  <p:cSld>
-    <p:spTree>
-      <p:nvGrpSpPr>
-        <p:cNvPr id="1" name=""/>
-        <p:cNvGrpSpPr/>
-        <p:nvPr/>
-      </p:nvGrpSpPr>
-      <p:grpSpPr>
-        <a:xfrm>
-          <a:off x="0" y="0"/>
-          <a:ext cx="0" cy="0"/>
-          <a:chOff x="0" y="0"/>
-          <a:chExt cx="0" cy="0"/>
-        </a:xfrm>
-      </p:grpSpPr>
-      <p:sp>
-        <p:nvSpPr>
-          <p:cNvPr id="2" name="Title 1">
-            <a:extLst>
-              <a:ext uri="{FF2B5EF4-FFF2-40B4-BE49-F238E27FC236}">
-                <a16:creationId xmlns:a16="http://schemas.microsoft.com/office/drawing/2014/main" id="{C9DEA9A6-BD90-4F66-AE2F-4B4A873F6879}"/>
-              </a:ext>
-            </a:extLst>
-          </p:cNvPr>
-          <p:cNvSpPr>
-            <a:spLocks noGrp="1"/>
-          </p:cNvSpPr>
-          <p:nvPr>
-            <p:ph type="ctrTitle"/>
-          </p:nvPr>
-        </p:nvSpPr>
-        <p:spPr>
-          <a:xfrm>
-            <a:off x="457200" y="1122363"/>
-            <a:ext cx="2781300" cy="1195535"/>
-          </a:xfrm>
-        </p:spPr>
-        <p:txBody>
-          <a:bodyPr/>
-          <a:lstStyle/>
-          <a:p>
-            <a:r>
-              <a:rPr lang="sv-SE" noProof="1"/>
-              <a:t>Dataset</a:t>
-            </a:r>
-          </a:p>
-        </p:txBody>
-      </p:sp>
-      <p:sp>
-        <p:nvSpPr>
-          <p:cNvPr id="3" name="Content Placeholder 2">
-            <a:extLst>
-              <a:ext uri="{FF2B5EF4-FFF2-40B4-BE49-F238E27FC236}">
-                <a16:creationId xmlns:a16="http://schemas.microsoft.com/office/drawing/2014/main" id="{7E187939-4AD9-4CB6-9169-76974AEF6070}"/>
-              </a:ext>
-            </a:extLst>
-          </p:cNvPr>
-          <p:cNvSpPr txBox="1">
-            <a:spLocks/>
-          </p:cNvSpPr>
-          <p:nvPr/>
-        </p:nvSpPr>
-        <p:spPr>
-          <a:xfrm>
-            <a:off x="648930" y="2647393"/>
-            <a:ext cx="4944151" cy="3785419"/>
-          </a:xfrm>
-          <a:prstGeom prst="rect">
-            <a:avLst/>
-          </a:prstGeom>
-        </p:spPr>
-        <p:txBody>
-          <a:bodyPr vert="horz" lIns="91440" tIns="45720" rIns="91440" bIns="45720" rtlCol="0">
-            <a:normAutofit/>
-          </a:bodyPr>
-          <a:lstStyle>
-            <a:lvl1pPr marL="0" indent="0" algn="ctr" defTabSz="914400" rtl="0" eaLnBrk="1" latinLnBrk="0" hangingPunct="1">
-              <a:lnSpc>
-                <a:spcPct val="100000"/>
-              </a:lnSpc>
-              <a:spcBef>
-                <a:spcPts val="1000"/>
-              </a:spcBef>
-              <a:buFont typeface="System Font Regular"/>
-              <a:buNone/>
-              <a:defRPr sz="2400" b="0" i="0" kern="1200">
-                <a:solidFill>
-                  <a:schemeClr val="tx1"/>
-                </a:solidFill>
-                <a:latin typeface="+mn-lt"/>
-                <a:ea typeface="+mn-ea"/>
-                <a:cs typeface="+mn-cs"/>
-              </a:defRPr>
-            </a:lvl1pPr>
-            <a:lvl2pPr marL="457200" indent="0" algn="ctr" defTabSz="914400" rtl="0" eaLnBrk="1" latinLnBrk="0" hangingPunct="1">
-              <a:lnSpc>
-                <a:spcPct val="100000"/>
-              </a:lnSpc>
-              <a:spcBef>
-                <a:spcPts val="500"/>
-              </a:spcBef>
-              <a:buFont typeface="System Font Regular"/>
-              <a:buNone/>
-              <a:defRPr sz="2000" b="0" i="0" kern="1200">
-                <a:solidFill>
-                  <a:schemeClr val="tx1"/>
-                </a:solidFill>
-                <a:latin typeface="+mn-lt"/>
-                <a:ea typeface="+mn-ea"/>
-                <a:cs typeface="+mn-cs"/>
-              </a:defRPr>
-            </a:lvl2pPr>
-            <a:lvl3pPr marL="914400" indent="0" algn="ctr" defTabSz="914400" rtl="0" eaLnBrk="1" latinLnBrk="0" hangingPunct="1">
-              <a:lnSpc>
-                <a:spcPct val="100000"/>
-              </a:lnSpc>
-              <a:spcBef>
-                <a:spcPts val="500"/>
-              </a:spcBef>
-              <a:buFont typeface="System Font Regular"/>
-              <a:buNone/>
-              <a:defRPr sz="1800" b="0" i="0" kern="1200">
-                <a:solidFill>
-                  <a:schemeClr val="tx1"/>
-                </a:solidFill>
-                <a:latin typeface="+mn-lt"/>
-                <a:ea typeface="+mn-ea"/>
-                <a:cs typeface="+mn-cs"/>
-              </a:defRPr>
-            </a:lvl3pPr>
-            <a:lvl4pPr marL="1371600" indent="0" algn="ctr" defTabSz="914400" rtl="0" eaLnBrk="1" latinLnBrk="0" hangingPunct="1">
-              <a:lnSpc>
-                <a:spcPct val="100000"/>
-              </a:lnSpc>
-              <a:spcBef>
-                <a:spcPts val="500"/>
-              </a:spcBef>
-              <a:buFont typeface="System Font Regular"/>
-              <a:buNone/>
-              <a:defRPr sz="1600" b="0" i="0" kern="1200">
-                <a:solidFill>
-                  <a:schemeClr val="tx1"/>
-                </a:solidFill>
-                <a:latin typeface="+mn-lt"/>
-                <a:ea typeface="+mn-ea"/>
-                <a:cs typeface="+mn-cs"/>
-              </a:defRPr>
-            </a:lvl4pPr>
-            <a:lvl5pPr marL="1828800" indent="0" algn="ctr" defTabSz="914400" rtl="0" eaLnBrk="1" latinLnBrk="0" hangingPunct="1">
-              <a:lnSpc>
-                <a:spcPct val="100000"/>
-              </a:lnSpc>
-              <a:spcBef>
-                <a:spcPts val="500"/>
-              </a:spcBef>
-              <a:buFont typeface="System Font Regular"/>
-              <a:buNone/>
-              <a:defRPr sz="1600" b="0" i="0" kern="1200">
-                <a:solidFill>
-                  <a:schemeClr val="tx1"/>
-                </a:solidFill>
-                <a:latin typeface="+mn-lt"/>
-                <a:ea typeface="+mn-ea"/>
-                <a:cs typeface="+mn-cs"/>
-              </a:defRPr>
-            </a:lvl5pPr>
-            <a:lvl6pPr marL="2286000" indent="0" algn="ctr" defTabSz="914400" rtl="0" eaLnBrk="1" latinLnBrk="0" hangingPunct="1">
-              <a:lnSpc>
-                <a:spcPct val="90000"/>
-              </a:lnSpc>
-              <a:spcBef>
-                <a:spcPts val="500"/>
-              </a:spcBef>
-              <a:buFont typeface="Arial" panose="020B0604020202020204" pitchFamily="34" charset="0"/>
-              <a:buNone/>
-              <a:defRPr sz="1600" kern="1200">
-                <a:solidFill>
-                  <a:schemeClr val="tx1"/>
-                </a:solidFill>
-                <a:latin typeface="+mn-lt"/>
-                <a:ea typeface="+mn-ea"/>
-                <a:cs typeface="+mn-cs"/>
-              </a:defRPr>
-            </a:lvl6pPr>
-            <a:lvl7pPr marL="2743200" indent="0" algn="ctr" defTabSz="914400" rtl="0" eaLnBrk="1" latinLnBrk="0" hangingPunct="1">
-              <a:lnSpc>
-                <a:spcPct val="90000"/>
-              </a:lnSpc>
-              <a:spcBef>
-                <a:spcPts val="500"/>
-              </a:spcBef>
-              <a:buFont typeface="Arial" panose="020B0604020202020204" pitchFamily="34" charset="0"/>
-              <a:buNone/>
-              <a:defRPr sz="1600" kern="1200">
-                <a:solidFill>
-                  <a:schemeClr val="tx1"/>
-                </a:solidFill>
-                <a:latin typeface="+mn-lt"/>
-                <a:ea typeface="+mn-ea"/>
-                <a:cs typeface="+mn-cs"/>
-              </a:defRPr>
-            </a:lvl7pPr>
-            <a:lvl8pPr marL="3200400" indent="0" algn="ctr" defTabSz="914400" rtl="0" eaLnBrk="1" latinLnBrk="0" hangingPunct="1">
-              <a:lnSpc>
-                <a:spcPct val="90000"/>
-              </a:lnSpc>
-              <a:spcBef>
-                <a:spcPts val="500"/>
-              </a:spcBef>
-              <a:buFont typeface="Arial" panose="020B0604020202020204" pitchFamily="34" charset="0"/>
-              <a:buNone/>
-              <a:defRPr sz="1600" kern="1200">
-                <a:solidFill>
-                  <a:schemeClr val="tx1"/>
-                </a:solidFill>
-                <a:latin typeface="+mn-lt"/>
-                <a:ea typeface="+mn-ea"/>
-                <a:cs typeface="+mn-cs"/>
-              </a:defRPr>
-            </a:lvl8pPr>
-            <a:lvl9pPr marL="3657600" indent="0" algn="ctr" defTabSz="914400" rtl="0" eaLnBrk="1" latinLnBrk="0" hangingPunct="1">
-              <a:lnSpc>
-                <a:spcPct val="90000"/>
-              </a:lnSpc>
-              <a:spcBef>
-                <a:spcPts val="500"/>
-              </a:spcBef>
-              <a:buFont typeface="Arial" panose="020B0604020202020204" pitchFamily="34" charset="0"/>
-              <a:buNone/>
-              <a:defRPr sz="1600" kern="1200">
-                <a:solidFill>
-                  <a:schemeClr val="tx1"/>
-                </a:solidFill>
-                <a:latin typeface="+mn-lt"/>
-                <a:ea typeface="+mn-ea"/>
-                <a:cs typeface="+mn-cs"/>
-              </a:defRPr>
-            </a:lvl9pPr>
-          </a:lstStyle>
-          <a:p>
-            <a:pPr marL="285750" indent="-285750" algn="l">
-              <a:buFont typeface="Arial" panose="020B0604020202020204" pitchFamily="34" charset="0"/>
-              <a:buChar char="•"/>
-            </a:pPr>
-            <a:r>
-              <a:rPr lang="sv-SE" sz="1700" noProof="1"/>
-              <a:t>Från Kaggle</a:t>
-            </a:r>
-          </a:p>
-          <a:p>
-            <a:pPr marL="285750" indent="-285750" algn="l">
-              <a:buFont typeface="Arial" panose="020B0604020202020204" pitchFamily="34" charset="0"/>
-              <a:buChar char="•"/>
-            </a:pPr>
-            <a:r>
-              <a:rPr lang="sv-SE" sz="1700" noProof="1"/>
-              <a:t>Sparsamt med information</a:t>
-            </a:r>
-          </a:p>
-          <a:p>
-            <a:pPr marL="742950" lvl="1" indent="-285750" algn="l">
-              <a:buFont typeface="Arial" panose="020B0604020202020204" pitchFamily="34" charset="0"/>
-              <a:buChar char="•"/>
-            </a:pPr>
-            <a:r>
-              <a:rPr lang="sv-SE" sz="1300" noProof="1"/>
-              <a:t>Bilderna är insamlade från Google</a:t>
-            </a:r>
-          </a:p>
-          <a:p>
-            <a:pPr marL="285750" indent="-285750" algn="l">
-              <a:buFont typeface="Arial" panose="020B0604020202020204" pitchFamily="34" charset="0"/>
-              <a:buChar char="•"/>
-            </a:pPr>
-            <a:r>
-              <a:rPr lang="sv-SE" sz="1700" noProof="1"/>
-              <a:t>253 bilder på MR röntegen bilder</a:t>
-            </a:r>
-          </a:p>
-          <a:p>
-            <a:pPr marL="742950" lvl="1" indent="-285750" algn="l">
-              <a:buFont typeface="Arial" panose="020B0604020202020204" pitchFamily="34" charset="0"/>
-              <a:buChar char="•"/>
-            </a:pPr>
-            <a:r>
-              <a:rPr lang="sv-SE" sz="1300" noProof="1"/>
-              <a:t>98 st klass – NO (ingen tumör)</a:t>
-            </a:r>
-          </a:p>
-          <a:p>
-            <a:pPr marL="742950" lvl="1" indent="-285750" algn="l">
-              <a:buFont typeface="Arial" panose="020B0604020202020204" pitchFamily="34" charset="0"/>
-              <a:buChar char="•"/>
-            </a:pPr>
-            <a:r>
-              <a:rPr lang="sv-SE" sz="1300" noProof="1"/>
-              <a:t>155 st klass - YES (har tumör)</a:t>
-            </a:r>
-          </a:p>
-          <a:p>
-            <a:pPr marL="285750" indent="-285750" algn="l">
-              <a:buFont typeface="Arial" panose="020B0604020202020204" pitchFamily="34" charset="0"/>
-              <a:buChar char="•"/>
-            </a:pPr>
-            <a:r>
-              <a:rPr lang="sv-SE" sz="1700" noProof="1"/>
-              <a:t>Varierad storlek på bilder</a:t>
-            </a:r>
-          </a:p>
-          <a:p>
-            <a:pPr marL="285750" indent="-285750" algn="l">
-              <a:buFont typeface="Arial" panose="020B0604020202020204" pitchFamily="34" charset="0"/>
-              <a:buChar char="•"/>
-            </a:pPr>
-            <a:r>
-              <a:rPr lang="sv-SE" sz="1700" noProof="1"/>
-              <a:t>Markeringar på bilderna</a:t>
-            </a:r>
-          </a:p>
-          <a:p>
-            <a:pPr marL="285750" indent="-285750" algn="l">
-              <a:buFont typeface="Arial" panose="020B0604020202020204" pitchFamily="34" charset="0"/>
-              <a:buChar char="•"/>
-            </a:pPr>
-            <a:r>
-              <a:rPr lang="sv-SE" sz="1700" noProof="1"/>
-              <a:t>Dubbletter</a:t>
-            </a:r>
-          </a:p>
-          <a:p>
-            <a:pPr marL="285750" indent="-285750" algn="l">
-              <a:buFont typeface="Arial" panose="020B0604020202020204" pitchFamily="34" charset="0"/>
-              <a:buChar char="•"/>
-            </a:pPr>
-            <a:endParaRPr lang="sv-SE" sz="1700" noProof="1"/>
-          </a:p>
-        </p:txBody>
-      </p:sp>
-      <p:sp>
-        <p:nvSpPr>
-          <p:cNvPr id="4" name="TextBox 3">
-            <a:extLst>
-              <a:ext uri="{FF2B5EF4-FFF2-40B4-BE49-F238E27FC236}">
-                <a16:creationId xmlns:a16="http://schemas.microsoft.com/office/drawing/2014/main" id="{65AD8654-6913-4B22-B455-C3BCE03926A1}"/>
-              </a:ext>
-            </a:extLst>
-          </p:cNvPr>
-          <p:cNvSpPr txBox="1"/>
-          <p:nvPr/>
-        </p:nvSpPr>
-        <p:spPr>
-          <a:xfrm>
-            <a:off x="648930" y="6432812"/>
-            <a:ext cx="4081567" cy="215444"/>
-          </a:xfrm>
-          <a:prstGeom prst="rect">
-            <a:avLst/>
-          </a:prstGeom>
-          <a:noFill/>
-        </p:spPr>
-        <p:txBody>
-          <a:bodyPr wrap="none" rtlCol="0">
-            <a:spAutoFit/>
-          </a:bodyPr>
-          <a:lstStyle/>
-          <a:p>
-            <a:r>
-              <a:rPr lang="sv-SE" sz="800" dirty="0"/>
-              <a:t>Källa: https://www.kaggle.com/navoneel/brain-mri-images-for-brain-tumor-detection</a:t>
-            </a:r>
-          </a:p>
-        </p:txBody>
-      </p:sp>
-      <p:pic>
-        <p:nvPicPr>
-          <p:cNvPr id="6" name="Picture 5">
-            <a:extLst>
-              <a:ext uri="{FF2B5EF4-FFF2-40B4-BE49-F238E27FC236}">
-                <a16:creationId xmlns:a16="http://schemas.microsoft.com/office/drawing/2014/main" id="{7F4E302E-9BE7-4622-A373-B93F5CA682BE}"/>
-              </a:ext>
-            </a:extLst>
-          </p:cNvPr>
-          <p:cNvPicPr>
-            <a:picLocks noChangeAspect="1"/>
-          </p:cNvPicPr>
-          <p:nvPr/>
-        </p:nvPicPr>
-        <p:blipFill>
-          <a:blip r:embed="rId2"/>
-          <a:stretch>
-            <a:fillRect/>
-          </a:stretch>
-        </p:blipFill>
-        <p:spPr>
-          <a:xfrm>
-            <a:off x="5495635" y="1910871"/>
-            <a:ext cx="5454565" cy="3912655"/>
-          </a:xfrm>
-          <a:prstGeom prst="rect">
-            <a:avLst/>
-          </a:prstGeom>
-        </p:spPr>
-      </p:pic>
-    </p:spTree>
-    <p:extLst>
-      <p:ext uri="{BB962C8B-B14F-4D97-AF65-F5344CB8AC3E}">
-        <p14:creationId xmlns:p14="http://schemas.microsoft.com/office/powerpoint/2010/main" val="3733807136"/>
-      </p:ext>
-    </p:extLst>
-  </p:cSld>
-  <p:clrMapOvr>
-    <a:masterClrMapping/>
-  </p:clrMapOvr>
-</p:sld>
-</file>
-
-<file path=ppt/slides/slide4.xml><?xml version="1.0" encoding="utf-8"?>
-<p:sld xmlns:a="http://schemas.openxmlformats.org/drawingml/2006/main" xmlns:r="http://schemas.openxmlformats.org/officeDocument/2006/relationships" xmlns:p="http://schemas.openxmlformats.org/presentationml/2006/main" showMasterSp="0">
-  <p:cSld>
-    <p:spTree>
-      <p:nvGrpSpPr>
-        <p:cNvPr id="1" name=""/>
-        <p:cNvGrpSpPr/>
-        <p:nvPr/>
-      </p:nvGrpSpPr>
-      <p:grpSpPr>
-        <a:xfrm>
-          <a:off x="0" y="0"/>
-          <a:ext cx="0" cy="0"/>
-          <a:chOff x="0" y="0"/>
-          <a:chExt cx="0" cy="0"/>
-        </a:xfrm>
-      </p:grpSpPr>
-      <p:sp>
-        <p:nvSpPr>
-          <p:cNvPr id="2" name="Title 1">
-            <a:extLst>
-              <a:ext uri="{FF2B5EF4-FFF2-40B4-BE49-F238E27FC236}">
-                <a16:creationId xmlns:a16="http://schemas.microsoft.com/office/drawing/2014/main" id="{C9DEA9A6-BD90-4F66-AE2F-4B4A873F6879}"/>
-              </a:ext>
-            </a:extLst>
-          </p:cNvPr>
-          <p:cNvSpPr>
-            <a:spLocks noGrp="1"/>
-          </p:cNvSpPr>
-          <p:nvPr>
-            <p:ph type="ctrTitle"/>
-          </p:nvPr>
-        </p:nvSpPr>
-        <p:spPr>
-          <a:xfrm>
-            <a:off x="457200" y="1122363"/>
-            <a:ext cx="2781300" cy="1195535"/>
-          </a:xfrm>
-        </p:spPr>
-        <p:txBody>
-          <a:bodyPr>
-            <a:normAutofit fontScale="90000"/>
-          </a:bodyPr>
-          <a:lstStyle/>
-          <a:p>
-            <a:r>
-              <a:rPr lang="sv-SE" dirty="0"/>
-              <a:t>Städning</a:t>
-            </a:r>
-          </a:p>
-        </p:txBody>
-      </p:sp>
-      <p:sp>
-        <p:nvSpPr>
-          <p:cNvPr id="3" name="Content Placeholder 2">
-            <a:extLst>
-              <a:ext uri="{FF2B5EF4-FFF2-40B4-BE49-F238E27FC236}">
-                <a16:creationId xmlns:a16="http://schemas.microsoft.com/office/drawing/2014/main" id="{FFC86AB9-0C02-462F-AAD9-A60897CF995D}"/>
-              </a:ext>
-            </a:extLst>
-          </p:cNvPr>
-          <p:cNvSpPr txBox="1">
-            <a:spLocks/>
-          </p:cNvSpPr>
-          <p:nvPr/>
-        </p:nvSpPr>
-        <p:spPr>
-          <a:xfrm>
-            <a:off x="648930" y="2647393"/>
-            <a:ext cx="4944151" cy="3785419"/>
-          </a:xfrm>
-          <a:prstGeom prst="rect">
-            <a:avLst/>
-          </a:prstGeom>
-        </p:spPr>
-        <p:txBody>
-          <a:bodyPr vert="horz" lIns="91440" tIns="45720" rIns="91440" bIns="45720" rtlCol="0">
-            <a:normAutofit fontScale="92500" lnSpcReduction="20000"/>
-          </a:bodyPr>
-          <a:lstStyle>
-            <a:lvl1pPr marL="0" indent="0" algn="ctr" defTabSz="914400" rtl="0" eaLnBrk="1" latinLnBrk="0" hangingPunct="1">
-              <a:lnSpc>
-                <a:spcPct val="100000"/>
-              </a:lnSpc>
-              <a:spcBef>
-                <a:spcPts val="1000"/>
-              </a:spcBef>
-              <a:buFont typeface="System Font Regular"/>
-              <a:buNone/>
-              <a:defRPr sz="2400" b="0" i="0" kern="1200">
-                <a:solidFill>
-                  <a:schemeClr val="tx1"/>
-                </a:solidFill>
-                <a:latin typeface="+mn-lt"/>
-                <a:ea typeface="+mn-ea"/>
-                <a:cs typeface="+mn-cs"/>
-              </a:defRPr>
-            </a:lvl1pPr>
-            <a:lvl2pPr marL="457200" indent="0" algn="ctr" defTabSz="914400" rtl="0" eaLnBrk="1" latinLnBrk="0" hangingPunct="1">
-              <a:lnSpc>
-                <a:spcPct val="100000"/>
-              </a:lnSpc>
-              <a:spcBef>
-                <a:spcPts val="500"/>
-              </a:spcBef>
-              <a:buFont typeface="System Font Regular"/>
-              <a:buNone/>
-              <a:defRPr sz="2000" b="0" i="0" kern="1200">
-                <a:solidFill>
-                  <a:schemeClr val="tx1"/>
-                </a:solidFill>
-                <a:latin typeface="+mn-lt"/>
-                <a:ea typeface="+mn-ea"/>
-                <a:cs typeface="+mn-cs"/>
-              </a:defRPr>
-            </a:lvl2pPr>
-            <a:lvl3pPr marL="914400" indent="0" algn="ctr" defTabSz="914400" rtl="0" eaLnBrk="1" latinLnBrk="0" hangingPunct="1">
-              <a:lnSpc>
-                <a:spcPct val="100000"/>
-              </a:lnSpc>
-              <a:spcBef>
-                <a:spcPts val="500"/>
-              </a:spcBef>
-              <a:buFont typeface="System Font Regular"/>
-              <a:buNone/>
-              <a:defRPr sz="1800" b="0" i="0" kern="1200">
-                <a:solidFill>
-                  <a:schemeClr val="tx1"/>
-                </a:solidFill>
-                <a:latin typeface="+mn-lt"/>
-                <a:ea typeface="+mn-ea"/>
-                <a:cs typeface="+mn-cs"/>
-              </a:defRPr>
-            </a:lvl3pPr>
-            <a:lvl4pPr marL="1371600" indent="0" algn="ctr" defTabSz="914400" rtl="0" eaLnBrk="1" latinLnBrk="0" hangingPunct="1">
-              <a:lnSpc>
-                <a:spcPct val="100000"/>
-              </a:lnSpc>
-              <a:spcBef>
-                <a:spcPts val="500"/>
-              </a:spcBef>
-              <a:buFont typeface="System Font Regular"/>
-              <a:buNone/>
-              <a:defRPr sz="1600" b="0" i="0" kern="1200">
-                <a:solidFill>
-                  <a:schemeClr val="tx1"/>
-                </a:solidFill>
-                <a:latin typeface="+mn-lt"/>
-                <a:ea typeface="+mn-ea"/>
-                <a:cs typeface="+mn-cs"/>
-              </a:defRPr>
-            </a:lvl4pPr>
-            <a:lvl5pPr marL="1828800" indent="0" algn="ctr" defTabSz="914400" rtl="0" eaLnBrk="1" latinLnBrk="0" hangingPunct="1">
-              <a:lnSpc>
-                <a:spcPct val="100000"/>
-              </a:lnSpc>
-              <a:spcBef>
-                <a:spcPts val="500"/>
-              </a:spcBef>
-              <a:buFont typeface="System Font Regular"/>
-              <a:buNone/>
-              <a:defRPr sz="1600" b="0" i="0" kern="1200">
-                <a:solidFill>
-                  <a:schemeClr val="tx1"/>
-                </a:solidFill>
-                <a:latin typeface="+mn-lt"/>
-                <a:ea typeface="+mn-ea"/>
-                <a:cs typeface="+mn-cs"/>
-              </a:defRPr>
-            </a:lvl5pPr>
-            <a:lvl6pPr marL="2286000" indent="0" algn="ctr" defTabSz="914400" rtl="0" eaLnBrk="1" latinLnBrk="0" hangingPunct="1">
-              <a:lnSpc>
-                <a:spcPct val="90000"/>
-              </a:lnSpc>
-              <a:spcBef>
-                <a:spcPts val="500"/>
-              </a:spcBef>
-              <a:buFont typeface="Arial" panose="020B0604020202020204" pitchFamily="34" charset="0"/>
-              <a:buNone/>
-              <a:defRPr sz="1600" kern="1200">
-                <a:solidFill>
-                  <a:schemeClr val="tx1"/>
-                </a:solidFill>
-                <a:latin typeface="+mn-lt"/>
-                <a:ea typeface="+mn-ea"/>
-                <a:cs typeface="+mn-cs"/>
-              </a:defRPr>
-            </a:lvl6pPr>
-            <a:lvl7pPr marL="2743200" indent="0" algn="ctr" defTabSz="914400" rtl="0" eaLnBrk="1" latinLnBrk="0" hangingPunct="1">
-              <a:lnSpc>
-                <a:spcPct val="90000"/>
-              </a:lnSpc>
-              <a:spcBef>
-                <a:spcPts val="500"/>
-              </a:spcBef>
-              <a:buFont typeface="Arial" panose="020B0604020202020204" pitchFamily="34" charset="0"/>
-              <a:buNone/>
-              <a:defRPr sz="1600" kern="1200">
-                <a:solidFill>
-                  <a:schemeClr val="tx1"/>
-                </a:solidFill>
-                <a:latin typeface="+mn-lt"/>
-                <a:ea typeface="+mn-ea"/>
-                <a:cs typeface="+mn-cs"/>
-              </a:defRPr>
-            </a:lvl7pPr>
-            <a:lvl8pPr marL="3200400" indent="0" algn="ctr" defTabSz="914400" rtl="0" eaLnBrk="1" latinLnBrk="0" hangingPunct="1">
-              <a:lnSpc>
-                <a:spcPct val="90000"/>
-              </a:lnSpc>
-              <a:spcBef>
-                <a:spcPts val="500"/>
-              </a:spcBef>
-              <a:buFont typeface="Arial" panose="020B0604020202020204" pitchFamily="34" charset="0"/>
-              <a:buNone/>
-              <a:defRPr sz="1600" kern="1200">
-                <a:solidFill>
-                  <a:schemeClr val="tx1"/>
-                </a:solidFill>
-                <a:latin typeface="+mn-lt"/>
-                <a:ea typeface="+mn-ea"/>
-                <a:cs typeface="+mn-cs"/>
-              </a:defRPr>
-            </a:lvl8pPr>
-            <a:lvl9pPr marL="3657600" indent="0" algn="ctr" defTabSz="914400" rtl="0" eaLnBrk="1" latinLnBrk="0" hangingPunct="1">
-              <a:lnSpc>
-                <a:spcPct val="90000"/>
-              </a:lnSpc>
-              <a:spcBef>
-                <a:spcPts val="500"/>
-              </a:spcBef>
-              <a:buFont typeface="Arial" panose="020B0604020202020204" pitchFamily="34" charset="0"/>
-              <a:buNone/>
-              <a:defRPr sz="1600" kern="1200">
-                <a:solidFill>
-                  <a:schemeClr val="tx1"/>
-                </a:solidFill>
-                <a:latin typeface="+mn-lt"/>
-                <a:ea typeface="+mn-ea"/>
-                <a:cs typeface="+mn-cs"/>
-              </a:defRPr>
-            </a:lvl9pPr>
-          </a:lstStyle>
-          <a:p>
-            <a:pPr algn="l">
-              <a:buFont typeface="Arial" panose="020B0604020202020204" pitchFamily="34" charset="0"/>
-              <a:buNone/>
-            </a:pPr>
-            <a:r>
-              <a:rPr lang="sv-SE" sz="1700" noProof="1"/>
-              <a:t>Konstaterade snabbt att det fanns dubbletter.</a:t>
-            </a:r>
-          </a:p>
-          <a:p>
-            <a:pPr algn="l">
-              <a:buFont typeface="Arial" panose="020B0604020202020204" pitchFamily="34" charset="0"/>
-              <a:buNone/>
-            </a:pPr>
-            <a:r>
-              <a:rPr lang="sv-SE" sz="1700" noProof="1"/>
-              <a:t>Vi använde 3 olika tekniker för att hitta dubbletter:</a:t>
-            </a:r>
-          </a:p>
-          <a:p>
-            <a:pPr algn="l"/>
-            <a:endParaRPr lang="sv-SE" sz="1700" noProof="1"/>
-          </a:p>
-          <a:p>
-            <a:pPr marL="342900" indent="-342900" algn="l">
-              <a:buFont typeface="+mj-lt"/>
-              <a:buAutoNum type="arabicPeriod"/>
-            </a:pPr>
-            <a:r>
-              <a:rPr lang="sv-SE" sz="1700" noProof="1"/>
-              <a:t>vi använde ett bibliotek som heter difPy (bild från resultat nedan)</a:t>
-            </a:r>
-          </a:p>
-          <a:p>
-            <a:pPr marL="342900" indent="-342900" algn="l">
-              <a:buFont typeface="+mj-lt"/>
-              <a:buAutoNum type="arabicPeriod"/>
-            </a:pPr>
-            <a:endParaRPr lang="sv-SE" sz="1700" noProof="1"/>
-          </a:p>
-          <a:p>
-            <a:pPr marL="342900" indent="-342900" algn="l">
-              <a:buFont typeface="+mj-lt"/>
-              <a:buAutoNum type="arabicPeriod"/>
-            </a:pPr>
-            <a:r>
-              <a:rPr lang="sv-SE" sz="1700" noProof="1"/>
-              <a:t>vi jämförde bildernas pixelvärde med varandra för att hitta samma bild flera gånger</a:t>
-            </a:r>
-          </a:p>
-          <a:p>
-            <a:pPr marL="342900" indent="-342900" algn="l">
-              <a:buFont typeface="+mj-lt"/>
-              <a:buAutoNum type="arabicPeriod"/>
-            </a:pPr>
-            <a:endParaRPr lang="sv-SE" sz="1700" noProof="1"/>
-          </a:p>
-          <a:p>
-            <a:pPr marL="342900" indent="-342900" algn="l">
-              <a:buFont typeface="+mj-lt"/>
-              <a:buAutoNum type="arabicPeriod"/>
-            </a:pPr>
-            <a:r>
-              <a:rPr lang="sv-SE" sz="1700" noProof="1"/>
-              <a:t>en manuell genomgång av bilderna för att försöka ha ett så korrekt dataset som</a:t>
-            </a:r>
-          </a:p>
-          <a:p>
-            <a:pPr marL="342900" indent="-342900" algn="l">
-              <a:buFont typeface="+mj-lt"/>
-              <a:buAutoNum type="arabicPeriod"/>
-            </a:pPr>
-            <a:endParaRPr lang="sv-SE" sz="1700" noProof="1"/>
-          </a:p>
-          <a:p>
-            <a:pPr algn="l"/>
-            <a:r>
-              <a:rPr lang="sv-SE" sz="1700" noProof="1"/>
-              <a:t>Resultat: från totalt 253 bilder till 209 bilder</a:t>
-            </a:r>
-          </a:p>
-        </p:txBody>
-      </p:sp>
-      <p:pic>
-        <p:nvPicPr>
-          <p:cNvPr id="4" name="Picture 4">
-            <a:extLst>
-              <a:ext uri="{FF2B5EF4-FFF2-40B4-BE49-F238E27FC236}">
-                <a16:creationId xmlns:a16="http://schemas.microsoft.com/office/drawing/2014/main" id="{B0677DB4-81D8-405B-B645-2E35FC946116}"/>
-              </a:ext>
-            </a:extLst>
-          </p:cNvPr>
-          <p:cNvPicPr>
-            <a:picLocks noChangeAspect="1" noChangeArrowheads="1"/>
-          </p:cNvPicPr>
-          <p:nvPr/>
-        </p:nvPicPr>
-        <p:blipFill>
-          <a:blip r:embed="rId2">
-            <a:extLst>
-              <a:ext uri="{28A0092B-C50C-407E-A947-70E740481C1C}">
-                <a14:useLocalDpi xmlns:a14="http://schemas.microsoft.com/office/drawing/2010/main" val="0"/>
-              </a:ext>
-            </a:extLst>
-          </a:blip>
-          <a:stretch>
-            <a:fillRect/>
-          </a:stretch>
-        </p:blipFill>
-        <p:spPr bwMode="auto">
-          <a:xfrm>
-            <a:off x="5593081" y="2000361"/>
-            <a:ext cx="5893206" cy="3933714"/>
-          </a:xfrm>
-          <a:prstGeom prst="rect">
-            <a:avLst/>
-          </a:prstGeom>
-          <a:noFill/>
-          <a:effectLst/>
-          <a:extLst>
-            <a:ext uri="{909E8E84-426E-40DD-AFC4-6F175D3DCCD1}">
-              <a14:hiddenFill xmlns:a14="http://schemas.microsoft.com/office/drawing/2010/main">
-                <a:solidFill>
-                  <a:srgbClr val="FFFFFF"/>
-                </a:solidFill>
-              </a14:hiddenFill>
-            </a:ext>
-          </a:extLst>
-        </p:spPr>
-      </p:pic>
-    </p:spTree>
-    <p:extLst>
-      <p:ext uri="{BB962C8B-B14F-4D97-AF65-F5344CB8AC3E}">
-        <p14:creationId xmlns:p14="http://schemas.microsoft.com/office/powerpoint/2010/main" val="2879510612"/>
-      </p:ext>
-    </p:extLst>
-  </p:cSld>
-  <p:clrMapOvr>
-    <a:masterClrMapping/>
-  </p:clrMapOvr>
-</p:sld>
-</file>
-
-<file path=ppt/slides/slide5.xml><?xml version="1.0" encoding="utf-8"?>
-<p:sld xmlns:a="http://schemas.openxmlformats.org/drawingml/2006/main" xmlns:r="http://schemas.openxmlformats.org/officeDocument/2006/relationships" xmlns:p="http://schemas.openxmlformats.org/presentationml/2006/main" showMasterSp="0">
-  <p:cSld>
-    <p:spTree>
-      <p:nvGrpSpPr>
-        <p:cNvPr id="1" name=""/>
-        <p:cNvGrpSpPr/>
-        <p:nvPr/>
-      </p:nvGrpSpPr>
-      <p:grpSpPr>
-        <a:xfrm>
-          <a:off x="0" y="0"/>
-          <a:ext cx="0" cy="0"/>
-          <a:chOff x="0" y="0"/>
-          <a:chExt cx="0" cy="0"/>
-        </a:xfrm>
-      </p:grpSpPr>
-      <p:sp>
-        <p:nvSpPr>
-          <p:cNvPr id="2" name="Title 1">
-            <a:extLst>
-              <a:ext uri="{FF2B5EF4-FFF2-40B4-BE49-F238E27FC236}">
-                <a16:creationId xmlns:a16="http://schemas.microsoft.com/office/drawing/2014/main" id="{C9DEA9A6-BD90-4F66-AE2F-4B4A873F6879}"/>
-              </a:ext>
-            </a:extLst>
-          </p:cNvPr>
-          <p:cNvSpPr>
-            <a:spLocks noGrp="1"/>
-          </p:cNvSpPr>
-          <p:nvPr>
-            <p:ph type="ctrTitle"/>
-          </p:nvPr>
-        </p:nvSpPr>
-        <p:spPr>
-          <a:xfrm>
-            <a:off x="457200" y="1122363"/>
-            <a:ext cx="2781300" cy="1195535"/>
-          </a:xfrm>
-        </p:spPr>
-        <p:txBody>
-          <a:bodyPr>
-            <a:normAutofit fontScale="90000"/>
-          </a:bodyPr>
-          <a:lstStyle/>
-          <a:p>
-            <a:r>
-              <a:rPr lang="sv-SE" dirty="0" err="1"/>
-              <a:t>Cropping</a:t>
-            </a:r>
-            <a:endParaRPr lang="sv-SE" dirty="0"/>
-          </a:p>
-        </p:txBody>
-      </p:sp>
-    </p:spTree>
-    <p:extLst>
-      <p:ext uri="{BB962C8B-B14F-4D97-AF65-F5344CB8AC3E}">
-        <p14:creationId xmlns:p14="http://schemas.microsoft.com/office/powerpoint/2010/main" val="2674150165"/>
-      </p:ext>
-    </p:extLst>
-  </p:cSld>
-  <p:clrMapOvr>
-    <a:masterClrMapping/>
-  </p:clrMapOvr>
-</p:sld>
-</file>
-
-<file path=ppt/slides/slide6.xml><?xml version="1.0" encoding="utf-8"?>
+<file path=ppt/slides/slide13.xml><?xml version="1.0" encoding="utf-8"?>
 <p:sld xmlns:a="http://schemas.openxmlformats.org/drawingml/2006/main" xmlns:r="http://schemas.openxmlformats.org/officeDocument/2006/relationships" xmlns:p="http://schemas.openxmlformats.org/presentationml/2006/main" showMasterSp="0">
   <p:cSld>
     <p:spTree>
@@ -7492,7 +5962,7 @@
 </p:sld>
 </file>
 
-<file path=ppt/slides/slide7.xml><?xml version="1.0" encoding="utf-8"?>
+<file path=ppt/slides/slide14.xml><?xml version="1.0" encoding="utf-8"?>
 <p:sld xmlns:a="http://schemas.openxmlformats.org/drawingml/2006/main" xmlns:r="http://schemas.openxmlformats.org/officeDocument/2006/relationships" xmlns:p="http://schemas.openxmlformats.org/presentationml/2006/main">
   <p:cSld>
     <p:spTree>
@@ -8000,7 +6470,7 @@
 </p:sld>
 </file>
 
-<file path=ppt/slides/slide8.xml><?xml version="1.0" encoding="utf-8"?>
+<file path=ppt/slides/slide15.xml><?xml version="1.0" encoding="utf-8"?>
 <p:sld xmlns:a="http://schemas.openxmlformats.org/drawingml/2006/main" xmlns:r="http://schemas.openxmlformats.org/officeDocument/2006/relationships" xmlns:p="http://schemas.openxmlformats.org/presentationml/2006/main">
   <p:cSld>
     <p:spTree>
@@ -8378,7 +6848,7 @@
 </p:sld>
 </file>
 
-<file path=ppt/slides/slide9.xml><?xml version="1.0" encoding="utf-8"?>
+<file path=ppt/slides/slide16.xml><?xml version="1.0" encoding="utf-8"?>
 <p:sld xmlns:a="http://schemas.openxmlformats.org/drawingml/2006/main" xmlns:r="http://schemas.openxmlformats.org/officeDocument/2006/relationships" xmlns:p="http://schemas.openxmlformats.org/presentationml/2006/main" showMasterSp="0">
   <p:cSld>
     <p:spTree>
@@ -8435,6 +6905,3767 @@
     <p:extLst>
       <p:ext uri="{BB962C8B-B14F-4D97-AF65-F5344CB8AC3E}">
         <p14:creationId xmlns:p14="http://schemas.microsoft.com/office/powerpoint/2010/main" val="1246263794"/>
+      </p:ext>
+    </p:extLst>
+  </p:cSld>
+  <p:clrMapOvr>
+    <a:masterClrMapping/>
+  </p:clrMapOvr>
+</p:sld>
+</file>
+
+<file path=ppt/slides/slide17.xml><?xml version="1.0" encoding="utf-8"?>
+<p:sld xmlns:a="http://schemas.openxmlformats.org/drawingml/2006/main" xmlns:r="http://schemas.openxmlformats.org/officeDocument/2006/relationships" xmlns:p="http://schemas.openxmlformats.org/presentationml/2006/main" showMasterSp="0">
+  <p:cSld>
+    <p:spTree>
+      <p:nvGrpSpPr>
+        <p:cNvPr id="1" name=""/>
+        <p:cNvGrpSpPr/>
+        <p:nvPr/>
+      </p:nvGrpSpPr>
+      <p:grpSpPr>
+        <a:xfrm>
+          <a:off x="0" y="0"/>
+          <a:ext cx="0" cy="0"/>
+          <a:chOff x="0" y="0"/>
+          <a:chExt cx="0" cy="0"/>
+        </a:xfrm>
+      </p:grpSpPr>
+      <p:sp>
+        <p:nvSpPr>
+          <p:cNvPr id="2" name="Title 1">
+            <a:extLst>
+              <a:ext uri="{FF2B5EF4-FFF2-40B4-BE49-F238E27FC236}">
+                <a16:creationId xmlns:a16="http://schemas.microsoft.com/office/drawing/2014/main" id="{C9DEA9A6-BD90-4F66-AE2F-4B4A873F6879}"/>
+              </a:ext>
+            </a:extLst>
+          </p:cNvPr>
+          <p:cNvSpPr>
+            <a:spLocks noGrp="1"/>
+          </p:cNvSpPr>
+          <p:nvPr>
+            <p:ph type="ctrTitle"/>
+          </p:nvPr>
+        </p:nvSpPr>
+        <p:spPr>
+          <a:xfrm>
+            <a:off x="457200" y="1122363"/>
+            <a:ext cx="3638550" cy="1195535"/>
+          </a:xfrm>
+        </p:spPr>
+        <p:txBody>
+          <a:bodyPr>
+            <a:normAutofit/>
+          </a:bodyPr>
+          <a:lstStyle/>
+          <a:p>
+            <a:r>
+              <a:rPr lang="sv-SE" dirty="0" err="1"/>
+              <a:t>GradCam</a:t>
+            </a:r>
+            <a:endParaRPr lang="sv-SE" dirty="0"/>
+          </a:p>
+        </p:txBody>
+      </p:sp>
+    </p:spTree>
+    <p:extLst>
+      <p:ext uri="{BB962C8B-B14F-4D97-AF65-F5344CB8AC3E}">
+        <p14:creationId xmlns:p14="http://schemas.microsoft.com/office/powerpoint/2010/main" val="747560074"/>
+      </p:ext>
+    </p:extLst>
+  </p:cSld>
+  <p:clrMapOvr>
+    <a:masterClrMapping/>
+  </p:clrMapOvr>
+</p:sld>
+</file>
+
+<file path=ppt/slides/slide18.xml><?xml version="1.0" encoding="utf-8"?>
+<p:sld xmlns:a="http://schemas.openxmlformats.org/drawingml/2006/main" xmlns:r="http://schemas.openxmlformats.org/officeDocument/2006/relationships" xmlns:p="http://schemas.openxmlformats.org/presentationml/2006/main" showMasterSp="0">
+  <p:cSld>
+    <p:spTree>
+      <p:nvGrpSpPr>
+        <p:cNvPr id="1" name=""/>
+        <p:cNvGrpSpPr/>
+        <p:nvPr/>
+      </p:nvGrpSpPr>
+      <p:grpSpPr>
+        <a:xfrm>
+          <a:off x="0" y="0"/>
+          <a:ext cx="0" cy="0"/>
+          <a:chOff x="0" y="0"/>
+          <a:chExt cx="0" cy="0"/>
+        </a:xfrm>
+      </p:grpSpPr>
+      <p:sp>
+        <p:nvSpPr>
+          <p:cNvPr id="2" name="Title 1">
+            <a:extLst>
+              <a:ext uri="{FF2B5EF4-FFF2-40B4-BE49-F238E27FC236}">
+                <a16:creationId xmlns:a16="http://schemas.microsoft.com/office/drawing/2014/main" id="{C9DEA9A6-BD90-4F66-AE2F-4B4A873F6879}"/>
+              </a:ext>
+            </a:extLst>
+          </p:cNvPr>
+          <p:cNvSpPr>
+            <a:spLocks noGrp="1"/>
+          </p:cNvSpPr>
+          <p:nvPr>
+            <p:ph type="ctrTitle"/>
+          </p:nvPr>
+        </p:nvSpPr>
+        <p:spPr>
+          <a:xfrm>
+            <a:off x="457200" y="1122363"/>
+            <a:ext cx="6172200" cy="1195535"/>
+          </a:xfrm>
+        </p:spPr>
+        <p:txBody>
+          <a:bodyPr>
+            <a:normAutofit fontScale="90000"/>
+          </a:bodyPr>
+          <a:lstStyle/>
+          <a:p>
+            <a:r>
+              <a:rPr lang="sv-SE" dirty="0"/>
+              <a:t>Notebook beställare</a:t>
+            </a:r>
+          </a:p>
+        </p:txBody>
+      </p:sp>
+    </p:spTree>
+    <p:extLst>
+      <p:ext uri="{BB962C8B-B14F-4D97-AF65-F5344CB8AC3E}">
+        <p14:creationId xmlns:p14="http://schemas.microsoft.com/office/powerpoint/2010/main" val="3745538750"/>
+      </p:ext>
+    </p:extLst>
+  </p:cSld>
+  <p:clrMapOvr>
+    <a:masterClrMapping/>
+  </p:clrMapOvr>
+</p:sld>
+</file>
+
+<file path=ppt/slides/slide19.xml><?xml version="1.0" encoding="utf-8"?>
+<p:sld xmlns:a="http://schemas.openxmlformats.org/drawingml/2006/main" xmlns:r="http://schemas.openxmlformats.org/officeDocument/2006/relationships" xmlns:p="http://schemas.openxmlformats.org/presentationml/2006/main">
+  <p:cSld>
+    <p:spTree>
+      <p:nvGrpSpPr>
+        <p:cNvPr id="1" name=""/>
+        <p:cNvGrpSpPr/>
+        <p:nvPr/>
+      </p:nvGrpSpPr>
+      <p:grpSpPr>
+        <a:xfrm>
+          <a:off x="0" y="0"/>
+          <a:ext cx="0" cy="0"/>
+          <a:chOff x="0" y="0"/>
+          <a:chExt cx="0" cy="0"/>
+        </a:xfrm>
+      </p:grpSpPr>
+      <p:sp>
+        <p:nvSpPr>
+          <p:cNvPr id="2" name="Title 1">
+            <a:extLst>
+              <a:ext uri="{FF2B5EF4-FFF2-40B4-BE49-F238E27FC236}">
+                <a16:creationId xmlns:a16="http://schemas.microsoft.com/office/drawing/2014/main" id="{C9DEA9A6-BD90-4F66-AE2F-4B4A873F6879}"/>
+              </a:ext>
+            </a:extLst>
+          </p:cNvPr>
+          <p:cNvSpPr>
+            <a:spLocks noGrp="1"/>
+          </p:cNvSpPr>
+          <p:nvPr>
+            <p:ph type="ctrTitle"/>
+          </p:nvPr>
+        </p:nvSpPr>
+        <p:spPr>
+          <a:xfrm>
+            <a:off x="440990" y="2111253"/>
+            <a:ext cx="6103088" cy="1698809"/>
+          </a:xfrm>
+        </p:spPr>
+        <p:txBody>
+          <a:bodyPr>
+            <a:noAutofit/>
+          </a:bodyPr>
+          <a:lstStyle/>
+          <a:p>
+            <a:pPr algn="l"/>
+            <a:r>
+              <a:rPr lang="sv-SE" sz="4000" dirty="0"/>
+              <a:t>Vår beställare bad om en </a:t>
+            </a:r>
+            <a:r>
+              <a:rPr lang="sv-SE" sz="4000" dirty="0" err="1"/>
+              <a:t>notebookrapport</a:t>
+            </a:r>
+            <a:endParaRPr lang="sv-SE" sz="4000" dirty="0"/>
+          </a:p>
+        </p:txBody>
+      </p:sp>
+      <p:sp>
+        <p:nvSpPr>
+          <p:cNvPr id="3" name="Rectangle 2">
+            <a:extLst>
+              <a:ext uri="{FF2B5EF4-FFF2-40B4-BE49-F238E27FC236}">
+                <a16:creationId xmlns:a16="http://schemas.microsoft.com/office/drawing/2014/main" id="{B6431360-85A3-4898-AEA2-B377C104576F}"/>
+              </a:ext>
+            </a:extLst>
+          </p:cNvPr>
+          <p:cNvSpPr/>
+          <p:nvPr/>
+        </p:nvSpPr>
+        <p:spPr>
+          <a:xfrm>
+            <a:off x="8956915" y="4454222"/>
+            <a:ext cx="1818924" cy="862066"/>
+          </a:xfrm>
+          <a:prstGeom prst="rect">
+            <a:avLst/>
+          </a:prstGeom>
+        </p:spPr>
+        <p:style>
+          <a:lnRef idx="2">
+            <a:schemeClr val="accent4">
+              <a:shade val="50000"/>
+            </a:schemeClr>
+          </a:lnRef>
+          <a:fillRef idx="1">
+            <a:schemeClr val="accent4"/>
+          </a:fillRef>
+          <a:effectRef idx="0">
+            <a:schemeClr val="accent4"/>
+          </a:effectRef>
+          <a:fontRef idx="minor">
+            <a:schemeClr val="lt1"/>
+          </a:fontRef>
+        </p:style>
+        <p:txBody>
+          <a:bodyPr rtlCol="0" anchor="ctr"/>
+          <a:lstStyle/>
+          <a:p>
+            <a:pPr algn="ctr"/>
+            <a:r>
+              <a:rPr lang="sv-SE" dirty="0"/>
+              <a:t>Hur många bilder i varje klass</a:t>
+            </a:r>
+          </a:p>
+        </p:txBody>
+      </p:sp>
+      <p:sp>
+        <p:nvSpPr>
+          <p:cNvPr id="4" name="Rectangle 3">
+            <a:extLst>
+              <a:ext uri="{FF2B5EF4-FFF2-40B4-BE49-F238E27FC236}">
+                <a16:creationId xmlns:a16="http://schemas.microsoft.com/office/drawing/2014/main" id="{6D6F3715-7842-496A-8119-843881055976}"/>
+              </a:ext>
+            </a:extLst>
+          </p:cNvPr>
+          <p:cNvSpPr/>
+          <p:nvPr/>
+        </p:nvSpPr>
+        <p:spPr>
+          <a:xfrm>
+            <a:off x="6841034" y="4443175"/>
+            <a:ext cx="1818924" cy="873113"/>
+          </a:xfrm>
+          <a:prstGeom prst="rect">
+            <a:avLst/>
+          </a:prstGeom>
+        </p:spPr>
+        <p:style>
+          <a:lnRef idx="2">
+            <a:schemeClr val="accent4">
+              <a:shade val="50000"/>
+            </a:schemeClr>
+          </a:lnRef>
+          <a:fillRef idx="1">
+            <a:schemeClr val="accent4"/>
+          </a:fillRef>
+          <a:effectRef idx="0">
+            <a:schemeClr val="accent4"/>
+          </a:effectRef>
+          <a:fontRef idx="minor">
+            <a:schemeClr val="lt1"/>
+          </a:fontRef>
+        </p:style>
+        <p:txBody>
+          <a:bodyPr rtlCol="0" anchor="ctr"/>
+          <a:lstStyle/>
+          <a:p>
+            <a:pPr algn="ctr"/>
+            <a:r>
+              <a:rPr lang="sv-SE" dirty="0"/>
+              <a:t>Kort text </a:t>
+            </a:r>
+            <a:r>
+              <a:rPr lang="sv-SE" dirty="0" err="1"/>
+              <a:t>cropping</a:t>
+            </a:r>
+            <a:r>
+              <a:rPr lang="sv-SE" dirty="0"/>
+              <a:t>-teknik</a:t>
+            </a:r>
+          </a:p>
+        </p:txBody>
+      </p:sp>
+      <p:sp>
+        <p:nvSpPr>
+          <p:cNvPr id="5" name="Rectangle 4">
+            <a:extLst>
+              <a:ext uri="{FF2B5EF4-FFF2-40B4-BE49-F238E27FC236}">
+                <a16:creationId xmlns:a16="http://schemas.microsoft.com/office/drawing/2014/main" id="{727983C7-D0F1-45D1-B40E-3204CA107FB3}"/>
+              </a:ext>
+            </a:extLst>
+          </p:cNvPr>
+          <p:cNvSpPr/>
+          <p:nvPr/>
+        </p:nvSpPr>
+        <p:spPr>
+          <a:xfrm>
+            <a:off x="6841035" y="3503224"/>
+            <a:ext cx="1818923" cy="862065"/>
+          </a:xfrm>
+          <a:prstGeom prst="rect">
+            <a:avLst/>
+          </a:prstGeom>
+        </p:spPr>
+        <p:style>
+          <a:lnRef idx="2">
+            <a:schemeClr val="accent4">
+              <a:shade val="50000"/>
+            </a:schemeClr>
+          </a:lnRef>
+          <a:fillRef idx="1">
+            <a:schemeClr val="accent4"/>
+          </a:fillRef>
+          <a:effectRef idx="0">
+            <a:schemeClr val="accent4"/>
+          </a:effectRef>
+          <a:fontRef idx="minor">
+            <a:schemeClr val="lt1"/>
+          </a:fontRef>
+        </p:style>
+        <p:txBody>
+          <a:bodyPr rtlCol="0" anchor="ctr"/>
+          <a:lstStyle/>
+          <a:p>
+            <a:pPr algn="ctr"/>
+            <a:r>
+              <a:rPr lang="sv-SE" dirty="0"/>
+              <a:t>Bilder pre/post </a:t>
+            </a:r>
+            <a:r>
+              <a:rPr lang="sv-SE" dirty="0" err="1"/>
+              <a:t>augumentering</a:t>
+            </a:r>
+            <a:endParaRPr lang="sv-SE" dirty="0"/>
+          </a:p>
+        </p:txBody>
+      </p:sp>
+      <p:sp>
+        <p:nvSpPr>
+          <p:cNvPr id="6" name="Rectangle 5">
+            <a:extLst>
+              <a:ext uri="{FF2B5EF4-FFF2-40B4-BE49-F238E27FC236}">
+                <a16:creationId xmlns:a16="http://schemas.microsoft.com/office/drawing/2014/main" id="{D70BD201-DA80-45C7-A09B-A91DF980BBF5}"/>
+              </a:ext>
+            </a:extLst>
+          </p:cNvPr>
+          <p:cNvSpPr/>
+          <p:nvPr/>
+        </p:nvSpPr>
+        <p:spPr>
+          <a:xfrm>
+            <a:off x="6841036" y="2529625"/>
+            <a:ext cx="1818922" cy="862066"/>
+          </a:xfrm>
+          <a:prstGeom prst="rect">
+            <a:avLst/>
+          </a:prstGeom>
+        </p:spPr>
+        <p:style>
+          <a:lnRef idx="2">
+            <a:schemeClr val="accent4">
+              <a:shade val="50000"/>
+            </a:schemeClr>
+          </a:lnRef>
+          <a:fillRef idx="1">
+            <a:schemeClr val="accent4"/>
+          </a:fillRef>
+          <a:effectRef idx="0">
+            <a:schemeClr val="accent4"/>
+          </a:effectRef>
+          <a:fontRef idx="minor">
+            <a:schemeClr val="lt1"/>
+          </a:fontRef>
+        </p:style>
+        <p:txBody>
+          <a:bodyPr rtlCol="0" anchor="ctr"/>
+          <a:lstStyle/>
+          <a:p>
+            <a:pPr algn="ctr"/>
+            <a:r>
+              <a:rPr lang="sv-SE" dirty="0"/>
+              <a:t>Hur många dubbletter togs bort</a:t>
+            </a:r>
+          </a:p>
+        </p:txBody>
+      </p:sp>
+      <p:sp>
+        <p:nvSpPr>
+          <p:cNvPr id="7" name="Rectangle 6">
+            <a:extLst>
+              <a:ext uri="{FF2B5EF4-FFF2-40B4-BE49-F238E27FC236}">
+                <a16:creationId xmlns:a16="http://schemas.microsoft.com/office/drawing/2014/main" id="{7A1C94CC-922A-4A8F-8CFA-10FF4D53D0E9}"/>
+              </a:ext>
+            </a:extLst>
+          </p:cNvPr>
+          <p:cNvSpPr/>
+          <p:nvPr/>
+        </p:nvSpPr>
+        <p:spPr>
+          <a:xfrm>
+            <a:off x="8956915" y="3476021"/>
+            <a:ext cx="1818922" cy="873113"/>
+          </a:xfrm>
+          <a:prstGeom prst="rect">
+            <a:avLst/>
+          </a:prstGeom>
+        </p:spPr>
+        <p:style>
+          <a:lnRef idx="2">
+            <a:schemeClr val="accent4">
+              <a:shade val="50000"/>
+            </a:schemeClr>
+          </a:lnRef>
+          <a:fillRef idx="1">
+            <a:schemeClr val="accent4"/>
+          </a:fillRef>
+          <a:effectRef idx="0">
+            <a:schemeClr val="accent4"/>
+          </a:effectRef>
+          <a:fontRef idx="minor">
+            <a:schemeClr val="lt1"/>
+          </a:fontRef>
+        </p:style>
+        <p:txBody>
+          <a:bodyPr rtlCol="0" anchor="ctr"/>
+          <a:lstStyle/>
+          <a:p>
+            <a:pPr algn="ctr"/>
+            <a:r>
+              <a:rPr lang="sv-SE" dirty="0"/>
+              <a:t>Risker med ögonhålor?</a:t>
+            </a:r>
+          </a:p>
+        </p:txBody>
+      </p:sp>
+      <p:sp>
+        <p:nvSpPr>
+          <p:cNvPr id="8" name="Rectangle 7">
+            <a:extLst>
+              <a:ext uri="{FF2B5EF4-FFF2-40B4-BE49-F238E27FC236}">
+                <a16:creationId xmlns:a16="http://schemas.microsoft.com/office/drawing/2014/main" id="{D9BF0A14-89C2-46F6-9ED5-A204A77C1D62}"/>
+              </a:ext>
+            </a:extLst>
+          </p:cNvPr>
+          <p:cNvSpPr/>
+          <p:nvPr/>
+        </p:nvSpPr>
+        <p:spPr>
+          <a:xfrm>
+            <a:off x="8956915" y="2519916"/>
+            <a:ext cx="1818922" cy="862064"/>
+          </a:xfrm>
+          <a:prstGeom prst="rect">
+            <a:avLst/>
+          </a:prstGeom>
+        </p:spPr>
+        <p:style>
+          <a:lnRef idx="2">
+            <a:schemeClr val="accent4">
+              <a:shade val="50000"/>
+            </a:schemeClr>
+          </a:lnRef>
+          <a:fillRef idx="1">
+            <a:schemeClr val="accent4"/>
+          </a:fillRef>
+          <a:effectRef idx="0">
+            <a:schemeClr val="accent4"/>
+          </a:effectRef>
+          <a:fontRef idx="minor">
+            <a:schemeClr val="lt1"/>
+          </a:fontRef>
+        </p:style>
+        <p:txBody>
+          <a:bodyPr rtlCol="0" anchor="ctr"/>
+          <a:lstStyle/>
+          <a:p>
+            <a:pPr algn="ctr"/>
+            <a:r>
+              <a:rPr lang="sv-SE" dirty="0"/>
+              <a:t>Pixelvärdes-distribution</a:t>
+            </a:r>
+          </a:p>
+        </p:txBody>
+      </p:sp>
+      <p:sp>
+        <p:nvSpPr>
+          <p:cNvPr id="9" name="Rectangle 8">
+            <a:extLst>
+              <a:ext uri="{FF2B5EF4-FFF2-40B4-BE49-F238E27FC236}">
+                <a16:creationId xmlns:a16="http://schemas.microsoft.com/office/drawing/2014/main" id="{EF6AA965-63F1-4027-805D-116A6462B824}"/>
+              </a:ext>
+            </a:extLst>
+          </p:cNvPr>
+          <p:cNvSpPr/>
+          <p:nvPr/>
+        </p:nvSpPr>
+        <p:spPr>
+          <a:xfrm>
+            <a:off x="6841034" y="5416773"/>
+            <a:ext cx="1818924" cy="817744"/>
+          </a:xfrm>
+          <a:prstGeom prst="rect">
+            <a:avLst/>
+          </a:prstGeom>
+        </p:spPr>
+        <p:style>
+          <a:lnRef idx="2">
+            <a:schemeClr val="accent4">
+              <a:shade val="50000"/>
+            </a:schemeClr>
+          </a:lnRef>
+          <a:fillRef idx="1">
+            <a:schemeClr val="accent4"/>
+          </a:fillRef>
+          <a:effectRef idx="0">
+            <a:schemeClr val="accent4"/>
+          </a:effectRef>
+          <a:fontRef idx="minor">
+            <a:schemeClr val="lt1"/>
+          </a:fontRef>
+        </p:style>
+        <p:txBody>
+          <a:bodyPr rtlCol="0" anchor="ctr"/>
+          <a:lstStyle/>
+          <a:p>
+            <a:pPr algn="ctr"/>
+            <a:r>
+              <a:rPr lang="sv-SE" dirty="0"/>
+              <a:t>Bilder pre/post </a:t>
+            </a:r>
+            <a:r>
+              <a:rPr lang="sv-SE" dirty="0" err="1"/>
+              <a:t>cropping</a:t>
+            </a:r>
+            <a:endParaRPr lang="sv-SE" dirty="0"/>
+          </a:p>
+        </p:txBody>
+      </p:sp>
+      <p:sp>
+        <p:nvSpPr>
+          <p:cNvPr id="10" name="Title 1">
+            <a:extLst>
+              <a:ext uri="{FF2B5EF4-FFF2-40B4-BE49-F238E27FC236}">
+                <a16:creationId xmlns:a16="http://schemas.microsoft.com/office/drawing/2014/main" id="{1EF4AF7F-2F42-466B-9B2E-F3BD12060D8A}"/>
+              </a:ext>
+            </a:extLst>
+          </p:cNvPr>
+          <p:cNvSpPr txBox="1">
+            <a:spLocks/>
+          </p:cNvSpPr>
+          <p:nvPr/>
+        </p:nvSpPr>
+        <p:spPr>
+          <a:xfrm>
+            <a:off x="343786" y="881358"/>
+            <a:ext cx="6103088" cy="1195535"/>
+          </a:xfrm>
+          <a:prstGeom prst="rect">
+            <a:avLst/>
+          </a:prstGeom>
+        </p:spPr>
+        <p:txBody>
+          <a:bodyPr vert="horz" lIns="91440" tIns="45720" rIns="91440" bIns="45720" rtlCol="0" anchor="b">
+            <a:normAutofit fontScale="90000"/>
+          </a:bodyPr>
+          <a:lstStyle>
+            <a:lvl1pPr algn="ctr" defTabSz="914400" rtl="0" eaLnBrk="1" latinLnBrk="0" hangingPunct="1">
+              <a:lnSpc>
+                <a:spcPct val="100000"/>
+              </a:lnSpc>
+              <a:spcBef>
+                <a:spcPct val="0"/>
+              </a:spcBef>
+              <a:buNone/>
+              <a:defRPr sz="6000" kern="1200">
+                <a:solidFill>
+                  <a:schemeClr val="tx1"/>
+                </a:solidFill>
+                <a:latin typeface="+mj-lt"/>
+                <a:ea typeface="+mj-ea"/>
+                <a:cs typeface="+mj-cs"/>
+              </a:defRPr>
+            </a:lvl1pPr>
+          </a:lstStyle>
+          <a:p>
+            <a:r>
+              <a:rPr lang="sv-SE" dirty="0"/>
+              <a:t>Notebook beställare</a:t>
+            </a:r>
+          </a:p>
+        </p:txBody>
+      </p:sp>
+    </p:spTree>
+    <p:extLst>
+      <p:ext uri="{BB962C8B-B14F-4D97-AF65-F5344CB8AC3E}">
+        <p14:creationId xmlns:p14="http://schemas.microsoft.com/office/powerpoint/2010/main" val="2563738909"/>
+      </p:ext>
+    </p:extLst>
+  </p:cSld>
+  <p:clrMapOvr>
+    <a:masterClrMapping/>
+  </p:clrMapOvr>
+</p:sld>
+</file>
+
+<file path=ppt/slides/slide2.xml><?xml version="1.0" encoding="utf-8"?>
+<p:sld xmlns:a="http://schemas.openxmlformats.org/drawingml/2006/main" xmlns:r="http://schemas.openxmlformats.org/officeDocument/2006/relationships" xmlns:p="http://schemas.openxmlformats.org/presentationml/2006/main" showMasterSp="0">
+  <p:cSld>
+    <p:spTree>
+      <p:nvGrpSpPr>
+        <p:cNvPr id="1" name=""/>
+        <p:cNvGrpSpPr/>
+        <p:nvPr/>
+      </p:nvGrpSpPr>
+      <p:grpSpPr>
+        <a:xfrm>
+          <a:off x="0" y="0"/>
+          <a:ext cx="0" cy="0"/>
+          <a:chOff x="0" y="0"/>
+          <a:chExt cx="0" cy="0"/>
+        </a:xfrm>
+      </p:grpSpPr>
+      <p:sp>
+        <p:nvSpPr>
+          <p:cNvPr id="7" name="Title 1">
+            <a:extLst>
+              <a:ext uri="{FF2B5EF4-FFF2-40B4-BE49-F238E27FC236}">
+                <a16:creationId xmlns:a16="http://schemas.microsoft.com/office/drawing/2014/main" id="{A8EEA46A-C2AA-46A3-8D1D-B1E6843FE5A5}"/>
+              </a:ext>
+            </a:extLst>
+          </p:cNvPr>
+          <p:cNvSpPr>
+            <a:spLocks noGrp="1"/>
+          </p:cNvSpPr>
+          <p:nvPr>
+            <p:ph type="title"/>
+          </p:nvPr>
+        </p:nvSpPr>
+        <p:spPr>
+          <a:xfrm>
+            <a:off x="0" y="8996"/>
+            <a:ext cx="6609030" cy="642854"/>
+          </a:xfrm>
+        </p:spPr>
+        <p:txBody>
+          <a:bodyPr>
+            <a:normAutofit fontScale="90000"/>
+          </a:bodyPr>
+          <a:lstStyle/>
+          <a:p>
+            <a:r>
+              <a:rPr lang="sv-SE" noProof="1"/>
+              <a:t>Vilka metoder?</a:t>
+            </a:r>
+          </a:p>
+        </p:txBody>
+      </p:sp>
+      <p:sp>
+        <p:nvSpPr>
+          <p:cNvPr id="2" name="Rectangle 1">
+            <a:extLst>
+              <a:ext uri="{FF2B5EF4-FFF2-40B4-BE49-F238E27FC236}">
+                <a16:creationId xmlns:a16="http://schemas.microsoft.com/office/drawing/2014/main" id="{BA8C6E6A-8837-4995-A15D-F216BE4339A1}"/>
+              </a:ext>
+            </a:extLst>
+          </p:cNvPr>
+          <p:cNvSpPr/>
+          <p:nvPr/>
+        </p:nvSpPr>
+        <p:spPr>
+          <a:xfrm>
+            <a:off x="658240" y="2739128"/>
+            <a:ext cx="1352144" cy="642854"/>
+          </a:xfrm>
+          <a:prstGeom prst="rect">
+            <a:avLst/>
+          </a:prstGeom>
+        </p:spPr>
+        <p:style>
+          <a:lnRef idx="2">
+            <a:schemeClr val="accent4">
+              <a:shade val="50000"/>
+            </a:schemeClr>
+          </a:lnRef>
+          <a:fillRef idx="1">
+            <a:schemeClr val="accent4"/>
+          </a:fillRef>
+          <a:effectRef idx="0">
+            <a:schemeClr val="accent4"/>
+          </a:effectRef>
+          <a:fontRef idx="minor">
+            <a:schemeClr val="lt1"/>
+          </a:fontRef>
+        </p:style>
+        <p:txBody>
+          <a:bodyPr rtlCol="0" anchor="ctr"/>
+          <a:lstStyle/>
+          <a:p>
+            <a:pPr algn="ctr"/>
+            <a:r>
+              <a:rPr lang="sv-SE" noProof="1"/>
+              <a:t>Vad har vi för data?</a:t>
+            </a:r>
+          </a:p>
+        </p:txBody>
+      </p:sp>
+      <p:sp>
+        <p:nvSpPr>
+          <p:cNvPr id="5" name="Rectangle 4">
+            <a:extLst>
+              <a:ext uri="{FF2B5EF4-FFF2-40B4-BE49-F238E27FC236}">
+                <a16:creationId xmlns:a16="http://schemas.microsoft.com/office/drawing/2014/main" id="{141BC326-7DAB-456D-AAC5-969821E94158}"/>
+              </a:ext>
+            </a:extLst>
+          </p:cNvPr>
+          <p:cNvSpPr/>
+          <p:nvPr/>
+        </p:nvSpPr>
+        <p:spPr>
+          <a:xfrm>
+            <a:off x="2172511" y="2739128"/>
+            <a:ext cx="1352144" cy="642854"/>
+          </a:xfrm>
+          <a:prstGeom prst="rect">
+            <a:avLst/>
+          </a:prstGeom>
+        </p:spPr>
+        <p:style>
+          <a:lnRef idx="2">
+            <a:schemeClr val="accent4">
+              <a:shade val="50000"/>
+            </a:schemeClr>
+          </a:lnRef>
+          <a:fillRef idx="1">
+            <a:schemeClr val="accent4"/>
+          </a:fillRef>
+          <a:effectRef idx="0">
+            <a:schemeClr val="accent4"/>
+          </a:effectRef>
+          <a:fontRef idx="minor">
+            <a:schemeClr val="lt1"/>
+          </a:fontRef>
+        </p:style>
+        <p:txBody>
+          <a:bodyPr rtlCol="0" anchor="ctr"/>
+          <a:lstStyle/>
+          <a:p>
+            <a:pPr algn="ctr"/>
+            <a:r>
+              <a:rPr lang="sv-SE" noProof="1"/>
+              <a:t>Städa data</a:t>
+            </a:r>
+          </a:p>
+        </p:txBody>
+      </p:sp>
+      <p:sp>
+        <p:nvSpPr>
+          <p:cNvPr id="8" name="Rectangle 7">
+            <a:extLst>
+              <a:ext uri="{FF2B5EF4-FFF2-40B4-BE49-F238E27FC236}">
+                <a16:creationId xmlns:a16="http://schemas.microsoft.com/office/drawing/2014/main" id="{0FFEA063-22B7-4CCF-9B30-0CCDD8721F6B}"/>
+              </a:ext>
+            </a:extLst>
+          </p:cNvPr>
+          <p:cNvSpPr/>
+          <p:nvPr/>
+        </p:nvSpPr>
+        <p:spPr>
+          <a:xfrm>
+            <a:off x="8253910" y="2739128"/>
+            <a:ext cx="1352144" cy="642854"/>
+          </a:xfrm>
+          <a:prstGeom prst="rect">
+            <a:avLst/>
+          </a:prstGeom>
+        </p:spPr>
+        <p:style>
+          <a:lnRef idx="2">
+            <a:schemeClr val="accent4">
+              <a:shade val="50000"/>
+            </a:schemeClr>
+          </a:lnRef>
+          <a:fillRef idx="1">
+            <a:schemeClr val="accent4"/>
+          </a:fillRef>
+          <a:effectRef idx="0">
+            <a:schemeClr val="accent4"/>
+          </a:effectRef>
+          <a:fontRef idx="minor">
+            <a:schemeClr val="lt1"/>
+          </a:fontRef>
+        </p:style>
+        <p:txBody>
+          <a:bodyPr rtlCol="0" anchor="ctr"/>
+          <a:lstStyle/>
+          <a:p>
+            <a:pPr algn="ctr"/>
+            <a:r>
+              <a:rPr lang="sv-SE" noProof="1"/>
+              <a:t>GradCam</a:t>
+            </a:r>
+          </a:p>
+        </p:txBody>
+      </p:sp>
+      <p:sp>
+        <p:nvSpPr>
+          <p:cNvPr id="9" name="Rectangle 8">
+            <a:extLst>
+              <a:ext uri="{FF2B5EF4-FFF2-40B4-BE49-F238E27FC236}">
+                <a16:creationId xmlns:a16="http://schemas.microsoft.com/office/drawing/2014/main" id="{980933C4-E670-459B-87A3-7F62265DDC4F}"/>
+              </a:ext>
+            </a:extLst>
+          </p:cNvPr>
+          <p:cNvSpPr/>
+          <p:nvPr/>
+        </p:nvSpPr>
+        <p:spPr>
+          <a:xfrm>
+            <a:off x="6734776" y="2739128"/>
+            <a:ext cx="1352144" cy="642854"/>
+          </a:xfrm>
+          <a:prstGeom prst="rect">
+            <a:avLst/>
+          </a:prstGeom>
+        </p:spPr>
+        <p:style>
+          <a:lnRef idx="2">
+            <a:schemeClr val="accent4">
+              <a:shade val="50000"/>
+            </a:schemeClr>
+          </a:lnRef>
+          <a:fillRef idx="1">
+            <a:schemeClr val="accent4"/>
+          </a:fillRef>
+          <a:effectRef idx="0">
+            <a:schemeClr val="accent4"/>
+          </a:effectRef>
+          <a:fontRef idx="minor">
+            <a:schemeClr val="lt1"/>
+          </a:fontRef>
+        </p:style>
+        <p:txBody>
+          <a:bodyPr rtlCol="0" anchor="ctr"/>
+          <a:lstStyle/>
+          <a:p>
+            <a:pPr algn="ctr"/>
+            <a:r>
+              <a:rPr lang="sv-SE" sz="1600" noProof="1"/>
+              <a:t>modellClass</a:t>
+            </a:r>
+          </a:p>
+        </p:txBody>
+      </p:sp>
+      <p:sp>
+        <p:nvSpPr>
+          <p:cNvPr id="10" name="Rectangle 9">
+            <a:extLst>
+              <a:ext uri="{FF2B5EF4-FFF2-40B4-BE49-F238E27FC236}">
+                <a16:creationId xmlns:a16="http://schemas.microsoft.com/office/drawing/2014/main" id="{5E92AD8F-6756-4E99-8F35-C5822D622C8B}"/>
+              </a:ext>
+            </a:extLst>
+          </p:cNvPr>
+          <p:cNvSpPr/>
+          <p:nvPr/>
+        </p:nvSpPr>
+        <p:spPr>
+          <a:xfrm>
+            <a:off x="3696508" y="2739128"/>
+            <a:ext cx="1352144" cy="642854"/>
+          </a:xfrm>
+          <a:prstGeom prst="rect">
+            <a:avLst/>
+          </a:prstGeom>
+        </p:spPr>
+        <p:style>
+          <a:lnRef idx="2">
+            <a:schemeClr val="accent4">
+              <a:shade val="50000"/>
+            </a:schemeClr>
+          </a:lnRef>
+          <a:fillRef idx="1">
+            <a:schemeClr val="accent4"/>
+          </a:fillRef>
+          <a:effectRef idx="0">
+            <a:schemeClr val="accent4"/>
+          </a:effectRef>
+          <a:fontRef idx="minor">
+            <a:schemeClr val="lt1"/>
+          </a:fontRef>
+        </p:style>
+        <p:txBody>
+          <a:bodyPr rtlCol="0" anchor="ctr"/>
+          <a:lstStyle/>
+          <a:p>
+            <a:pPr algn="ctr"/>
+            <a:r>
+              <a:rPr lang="sv-SE" noProof="1"/>
+              <a:t>Cropping</a:t>
+            </a:r>
+          </a:p>
+        </p:txBody>
+      </p:sp>
+      <p:sp>
+        <p:nvSpPr>
+          <p:cNvPr id="11" name="Rectangle 10">
+            <a:extLst>
+              <a:ext uri="{FF2B5EF4-FFF2-40B4-BE49-F238E27FC236}">
+                <a16:creationId xmlns:a16="http://schemas.microsoft.com/office/drawing/2014/main" id="{F875DBB9-4EAC-4064-A040-63BE769DD2AE}"/>
+              </a:ext>
+            </a:extLst>
+          </p:cNvPr>
+          <p:cNvSpPr/>
+          <p:nvPr/>
+        </p:nvSpPr>
+        <p:spPr>
+          <a:xfrm>
+            <a:off x="5215642" y="2739128"/>
+            <a:ext cx="1352144" cy="642854"/>
+          </a:xfrm>
+          <a:prstGeom prst="rect">
+            <a:avLst/>
+          </a:prstGeom>
+        </p:spPr>
+        <p:style>
+          <a:lnRef idx="2">
+            <a:schemeClr val="accent4">
+              <a:shade val="50000"/>
+            </a:schemeClr>
+          </a:lnRef>
+          <a:fillRef idx="1">
+            <a:schemeClr val="accent4"/>
+          </a:fillRef>
+          <a:effectRef idx="0">
+            <a:schemeClr val="accent4"/>
+          </a:effectRef>
+          <a:fontRef idx="minor">
+            <a:schemeClr val="lt1"/>
+          </a:fontRef>
+        </p:style>
+        <p:txBody>
+          <a:bodyPr rtlCol="0" anchor="ctr"/>
+          <a:lstStyle/>
+          <a:p>
+            <a:pPr algn="ctr"/>
+            <a:r>
+              <a:rPr lang="sv-SE" sz="1400" noProof="1"/>
+              <a:t>Augumentering</a:t>
+            </a:r>
+            <a:endParaRPr lang="sv-SE" noProof="1"/>
+          </a:p>
+        </p:txBody>
+      </p:sp>
+      <p:sp>
+        <p:nvSpPr>
+          <p:cNvPr id="12" name="Rectangle 11">
+            <a:extLst>
+              <a:ext uri="{FF2B5EF4-FFF2-40B4-BE49-F238E27FC236}">
+                <a16:creationId xmlns:a16="http://schemas.microsoft.com/office/drawing/2014/main" id="{5B067472-858F-446C-9A94-1C6B4036B09E}"/>
+              </a:ext>
+            </a:extLst>
+          </p:cNvPr>
+          <p:cNvSpPr/>
+          <p:nvPr/>
+        </p:nvSpPr>
+        <p:spPr>
+          <a:xfrm>
+            <a:off x="9773044" y="2739128"/>
+            <a:ext cx="1352144" cy="642854"/>
+          </a:xfrm>
+          <a:prstGeom prst="rect">
+            <a:avLst/>
+          </a:prstGeom>
+        </p:spPr>
+        <p:style>
+          <a:lnRef idx="2">
+            <a:schemeClr val="accent4">
+              <a:shade val="50000"/>
+            </a:schemeClr>
+          </a:lnRef>
+          <a:fillRef idx="1">
+            <a:schemeClr val="accent4"/>
+          </a:fillRef>
+          <a:effectRef idx="0">
+            <a:schemeClr val="accent4"/>
+          </a:effectRef>
+          <a:fontRef idx="minor">
+            <a:schemeClr val="lt1"/>
+          </a:fontRef>
+        </p:style>
+        <p:txBody>
+          <a:bodyPr rtlCol="0" anchor="ctr"/>
+          <a:lstStyle/>
+          <a:p>
+            <a:pPr algn="ctr"/>
+            <a:r>
+              <a:rPr lang="sv-SE" noProof="1"/>
+              <a:t>Notebook beställare</a:t>
+            </a:r>
+          </a:p>
+        </p:txBody>
+      </p:sp>
+      <p:sp>
+        <p:nvSpPr>
+          <p:cNvPr id="13" name="Rectangle 12">
+            <a:extLst>
+              <a:ext uri="{FF2B5EF4-FFF2-40B4-BE49-F238E27FC236}">
+                <a16:creationId xmlns:a16="http://schemas.microsoft.com/office/drawing/2014/main" id="{34EF5414-8398-40A7-B243-BE77AA119335}"/>
+              </a:ext>
+            </a:extLst>
+          </p:cNvPr>
+          <p:cNvSpPr/>
+          <p:nvPr/>
+        </p:nvSpPr>
+        <p:spPr>
+          <a:xfrm>
+            <a:off x="2275461" y="3611374"/>
+            <a:ext cx="1155969" cy="503426"/>
+          </a:xfrm>
+          <a:prstGeom prst="rect">
+            <a:avLst/>
+          </a:prstGeom>
+        </p:spPr>
+        <p:style>
+          <a:lnRef idx="2">
+            <a:schemeClr val="accent4">
+              <a:shade val="50000"/>
+            </a:schemeClr>
+          </a:lnRef>
+          <a:fillRef idx="1">
+            <a:schemeClr val="accent4"/>
+          </a:fillRef>
+          <a:effectRef idx="0">
+            <a:schemeClr val="accent4"/>
+          </a:effectRef>
+          <a:fontRef idx="minor">
+            <a:schemeClr val="lt1"/>
+          </a:fontRef>
+        </p:style>
+        <p:txBody>
+          <a:bodyPr rtlCol="0" anchor="ctr"/>
+          <a:lstStyle/>
+          <a:p>
+            <a:pPr algn="ctr"/>
+            <a:r>
+              <a:rPr lang="sv-SE" sz="1600" noProof="1"/>
+              <a:t>Dubbletter</a:t>
+            </a:r>
+            <a:endParaRPr lang="sv-SE" noProof="1"/>
+          </a:p>
+        </p:txBody>
+      </p:sp>
+      <p:sp>
+        <p:nvSpPr>
+          <p:cNvPr id="14" name="Rectangle 13">
+            <a:extLst>
+              <a:ext uri="{FF2B5EF4-FFF2-40B4-BE49-F238E27FC236}">
+                <a16:creationId xmlns:a16="http://schemas.microsoft.com/office/drawing/2014/main" id="{A238ED1A-89E8-40A3-8A69-6C8538BBDB00}"/>
+              </a:ext>
+            </a:extLst>
+          </p:cNvPr>
+          <p:cNvSpPr/>
+          <p:nvPr/>
+        </p:nvSpPr>
+        <p:spPr>
+          <a:xfrm>
+            <a:off x="6832863" y="3611374"/>
+            <a:ext cx="1155969" cy="503426"/>
+          </a:xfrm>
+          <a:prstGeom prst="rect">
+            <a:avLst/>
+          </a:prstGeom>
+        </p:spPr>
+        <p:style>
+          <a:lnRef idx="2">
+            <a:schemeClr val="accent4">
+              <a:shade val="50000"/>
+            </a:schemeClr>
+          </a:lnRef>
+          <a:fillRef idx="1">
+            <a:schemeClr val="accent4"/>
+          </a:fillRef>
+          <a:effectRef idx="0">
+            <a:schemeClr val="accent4"/>
+          </a:effectRef>
+          <a:fontRef idx="minor">
+            <a:schemeClr val="lt1"/>
+          </a:fontRef>
+        </p:style>
+        <p:txBody>
+          <a:bodyPr rtlCol="0" anchor="ctr"/>
+          <a:lstStyle/>
+          <a:p>
+            <a:pPr algn="ctr"/>
+            <a:r>
+              <a:rPr lang="sv-SE" noProof="1"/>
+              <a:t>Baseline</a:t>
+            </a:r>
+          </a:p>
+        </p:txBody>
+      </p:sp>
+      <p:sp>
+        <p:nvSpPr>
+          <p:cNvPr id="15" name="Rectangle 14">
+            <a:extLst>
+              <a:ext uri="{FF2B5EF4-FFF2-40B4-BE49-F238E27FC236}">
+                <a16:creationId xmlns:a16="http://schemas.microsoft.com/office/drawing/2014/main" id="{DFEA2F7A-1E0D-4C2F-AAF5-CE9A82D9CC02}"/>
+              </a:ext>
+            </a:extLst>
+          </p:cNvPr>
+          <p:cNvSpPr/>
+          <p:nvPr/>
+        </p:nvSpPr>
+        <p:spPr>
+          <a:xfrm>
+            <a:off x="3794595" y="3611374"/>
+            <a:ext cx="1155969" cy="503426"/>
+          </a:xfrm>
+          <a:prstGeom prst="rect">
+            <a:avLst/>
+          </a:prstGeom>
+        </p:spPr>
+        <p:style>
+          <a:lnRef idx="2">
+            <a:schemeClr val="accent4">
+              <a:shade val="50000"/>
+            </a:schemeClr>
+          </a:lnRef>
+          <a:fillRef idx="1">
+            <a:schemeClr val="accent4"/>
+          </a:fillRef>
+          <a:effectRef idx="0">
+            <a:schemeClr val="accent4"/>
+          </a:effectRef>
+          <a:fontRef idx="minor">
+            <a:schemeClr val="lt1"/>
+          </a:fontRef>
+        </p:style>
+        <p:txBody>
+          <a:bodyPr rtlCol="0" anchor="ctr"/>
+          <a:lstStyle/>
+          <a:p>
+            <a:pPr algn="ctr"/>
+            <a:r>
+              <a:rPr lang="sv-SE" noProof="1"/>
+              <a:t>Teknik</a:t>
+            </a:r>
+          </a:p>
+        </p:txBody>
+      </p:sp>
+      <p:sp>
+        <p:nvSpPr>
+          <p:cNvPr id="16" name="Rectangle 15">
+            <a:extLst>
+              <a:ext uri="{FF2B5EF4-FFF2-40B4-BE49-F238E27FC236}">
+                <a16:creationId xmlns:a16="http://schemas.microsoft.com/office/drawing/2014/main" id="{4C6F571F-FAD6-4A25-BE22-07C7E36B4711}"/>
+              </a:ext>
+            </a:extLst>
+          </p:cNvPr>
+          <p:cNvSpPr/>
+          <p:nvPr/>
+        </p:nvSpPr>
+        <p:spPr>
+          <a:xfrm>
+            <a:off x="5313729" y="3611374"/>
+            <a:ext cx="1155969" cy="503426"/>
+          </a:xfrm>
+          <a:prstGeom prst="rect">
+            <a:avLst/>
+          </a:prstGeom>
+        </p:spPr>
+        <p:style>
+          <a:lnRef idx="2">
+            <a:schemeClr val="accent4">
+              <a:shade val="50000"/>
+            </a:schemeClr>
+          </a:lnRef>
+          <a:fillRef idx="1">
+            <a:schemeClr val="accent4"/>
+          </a:fillRef>
+          <a:effectRef idx="0">
+            <a:schemeClr val="accent4"/>
+          </a:effectRef>
+          <a:fontRef idx="minor">
+            <a:schemeClr val="lt1"/>
+          </a:fontRef>
+        </p:style>
+        <p:txBody>
+          <a:bodyPr rtlCol="0" anchor="ctr"/>
+          <a:lstStyle/>
+          <a:p>
+            <a:pPr algn="ctr"/>
+            <a:r>
+              <a:rPr lang="sv-SE" sz="1400" noProof="1"/>
+              <a:t>Metoder/ Urval</a:t>
+            </a:r>
+          </a:p>
+        </p:txBody>
+      </p:sp>
+      <p:sp>
+        <p:nvSpPr>
+          <p:cNvPr id="17" name="Rectangle 16">
+            <a:extLst>
+              <a:ext uri="{FF2B5EF4-FFF2-40B4-BE49-F238E27FC236}">
+                <a16:creationId xmlns:a16="http://schemas.microsoft.com/office/drawing/2014/main" id="{EAF8CB72-C0CB-4ADA-824D-3365FB17ED9D}"/>
+              </a:ext>
+            </a:extLst>
+          </p:cNvPr>
+          <p:cNvSpPr/>
+          <p:nvPr/>
+        </p:nvSpPr>
+        <p:spPr>
+          <a:xfrm>
+            <a:off x="6832862" y="4344192"/>
+            <a:ext cx="1155969" cy="503426"/>
+          </a:xfrm>
+          <a:prstGeom prst="rect">
+            <a:avLst/>
+          </a:prstGeom>
+        </p:spPr>
+        <p:style>
+          <a:lnRef idx="2">
+            <a:schemeClr val="accent4">
+              <a:shade val="50000"/>
+            </a:schemeClr>
+          </a:lnRef>
+          <a:fillRef idx="1">
+            <a:schemeClr val="accent4"/>
+          </a:fillRef>
+          <a:effectRef idx="0">
+            <a:schemeClr val="accent4"/>
+          </a:effectRef>
+          <a:fontRef idx="minor">
+            <a:schemeClr val="lt1"/>
+          </a:fontRef>
+        </p:style>
+        <p:txBody>
+          <a:bodyPr rtlCol="0" anchor="ctr"/>
+          <a:lstStyle/>
+          <a:p>
+            <a:pPr algn="ctr"/>
+            <a:r>
+              <a:rPr lang="sv-SE" noProof="1"/>
+              <a:t>Teknik</a:t>
+            </a:r>
+          </a:p>
+        </p:txBody>
+      </p:sp>
+      <p:sp>
+        <p:nvSpPr>
+          <p:cNvPr id="18" name="Rectangle 17">
+            <a:extLst>
+              <a:ext uri="{FF2B5EF4-FFF2-40B4-BE49-F238E27FC236}">
+                <a16:creationId xmlns:a16="http://schemas.microsoft.com/office/drawing/2014/main" id="{BE31FD4E-D59E-447A-9613-96937DA7E27C}"/>
+              </a:ext>
+            </a:extLst>
+          </p:cNvPr>
+          <p:cNvSpPr/>
+          <p:nvPr/>
+        </p:nvSpPr>
+        <p:spPr>
+          <a:xfrm>
+            <a:off x="8351997" y="3611374"/>
+            <a:ext cx="1155969" cy="503426"/>
+          </a:xfrm>
+          <a:prstGeom prst="rect">
+            <a:avLst/>
+          </a:prstGeom>
+        </p:spPr>
+        <p:style>
+          <a:lnRef idx="2">
+            <a:schemeClr val="accent4">
+              <a:shade val="50000"/>
+            </a:schemeClr>
+          </a:lnRef>
+          <a:fillRef idx="1">
+            <a:schemeClr val="accent4"/>
+          </a:fillRef>
+          <a:effectRef idx="0">
+            <a:schemeClr val="accent4"/>
+          </a:effectRef>
+          <a:fontRef idx="minor">
+            <a:schemeClr val="lt1"/>
+          </a:fontRef>
+        </p:style>
+        <p:txBody>
+          <a:bodyPr rtlCol="0" anchor="ctr"/>
+          <a:lstStyle/>
+          <a:p>
+            <a:pPr algn="ctr"/>
+            <a:r>
+              <a:rPr lang="sv-SE" noProof="1"/>
+              <a:t>Teknik</a:t>
+            </a:r>
+          </a:p>
+        </p:txBody>
+      </p:sp>
+      <p:cxnSp>
+        <p:nvCxnSpPr>
+          <p:cNvPr id="4" name="Straight Connector 3">
+            <a:extLst>
+              <a:ext uri="{FF2B5EF4-FFF2-40B4-BE49-F238E27FC236}">
+                <a16:creationId xmlns:a16="http://schemas.microsoft.com/office/drawing/2014/main" id="{C5D95C76-987F-40D5-973D-F3BEDE2C9785}"/>
+              </a:ext>
+            </a:extLst>
+          </p:cNvPr>
+          <p:cNvCxnSpPr>
+            <a:cxnSpLocks/>
+          </p:cNvCxnSpPr>
+          <p:nvPr/>
+        </p:nvCxnSpPr>
+        <p:spPr>
+          <a:xfrm>
+            <a:off x="3529518" y="3073110"/>
+            <a:ext cx="166990" cy="0"/>
+          </a:xfrm>
+          <a:prstGeom prst="line">
+            <a:avLst/>
+          </a:prstGeom>
+        </p:spPr>
+        <p:style>
+          <a:lnRef idx="1">
+            <a:schemeClr val="accent1"/>
+          </a:lnRef>
+          <a:fillRef idx="0">
+            <a:schemeClr val="accent1"/>
+          </a:fillRef>
+          <a:effectRef idx="0">
+            <a:schemeClr val="accent1"/>
+          </a:effectRef>
+          <a:fontRef idx="minor">
+            <a:schemeClr val="tx1"/>
+          </a:fontRef>
+        </p:style>
+      </p:cxnSp>
+      <p:cxnSp>
+        <p:nvCxnSpPr>
+          <p:cNvPr id="20" name="Straight Connector 19">
+            <a:extLst>
+              <a:ext uri="{FF2B5EF4-FFF2-40B4-BE49-F238E27FC236}">
+                <a16:creationId xmlns:a16="http://schemas.microsoft.com/office/drawing/2014/main" id="{196A9622-6F7A-4E0E-983F-E023E1310E4D}"/>
+              </a:ext>
+            </a:extLst>
+          </p:cNvPr>
+          <p:cNvCxnSpPr/>
+          <p:nvPr/>
+        </p:nvCxnSpPr>
+        <p:spPr>
+          <a:xfrm>
+            <a:off x="2015247" y="3073110"/>
+            <a:ext cx="166990" cy="0"/>
+          </a:xfrm>
+          <a:prstGeom prst="line">
+            <a:avLst/>
+          </a:prstGeom>
+        </p:spPr>
+        <p:style>
+          <a:lnRef idx="1">
+            <a:schemeClr val="accent1"/>
+          </a:lnRef>
+          <a:fillRef idx="0">
+            <a:schemeClr val="accent1"/>
+          </a:fillRef>
+          <a:effectRef idx="0">
+            <a:schemeClr val="accent1"/>
+          </a:effectRef>
+          <a:fontRef idx="minor">
+            <a:schemeClr val="tx1"/>
+          </a:fontRef>
+        </p:style>
+      </p:cxnSp>
+      <p:cxnSp>
+        <p:nvCxnSpPr>
+          <p:cNvPr id="22" name="Straight Connector 21">
+            <a:extLst>
+              <a:ext uri="{FF2B5EF4-FFF2-40B4-BE49-F238E27FC236}">
+                <a16:creationId xmlns:a16="http://schemas.microsoft.com/office/drawing/2014/main" id="{7D0B1597-B70D-4429-914C-D75399014572}"/>
+              </a:ext>
+            </a:extLst>
+          </p:cNvPr>
+          <p:cNvCxnSpPr/>
+          <p:nvPr/>
+        </p:nvCxnSpPr>
+        <p:spPr>
+          <a:xfrm>
+            <a:off x="5048652" y="3076242"/>
+            <a:ext cx="166990" cy="0"/>
+          </a:xfrm>
+          <a:prstGeom prst="line">
+            <a:avLst/>
+          </a:prstGeom>
+        </p:spPr>
+        <p:style>
+          <a:lnRef idx="1">
+            <a:schemeClr val="accent1"/>
+          </a:lnRef>
+          <a:fillRef idx="0">
+            <a:schemeClr val="accent1"/>
+          </a:fillRef>
+          <a:effectRef idx="0">
+            <a:schemeClr val="accent1"/>
+          </a:effectRef>
+          <a:fontRef idx="minor">
+            <a:schemeClr val="tx1"/>
+          </a:fontRef>
+        </p:style>
+      </p:cxnSp>
+      <p:cxnSp>
+        <p:nvCxnSpPr>
+          <p:cNvPr id="27" name="Straight Connector 26">
+            <a:extLst>
+              <a:ext uri="{FF2B5EF4-FFF2-40B4-BE49-F238E27FC236}">
+                <a16:creationId xmlns:a16="http://schemas.microsoft.com/office/drawing/2014/main" id="{5E85EFCC-981B-47BC-AD14-BEDB85557554}"/>
+              </a:ext>
+            </a:extLst>
+          </p:cNvPr>
+          <p:cNvCxnSpPr/>
+          <p:nvPr/>
+        </p:nvCxnSpPr>
+        <p:spPr>
+          <a:xfrm>
+            <a:off x="6567786" y="3107327"/>
+            <a:ext cx="166990" cy="0"/>
+          </a:xfrm>
+          <a:prstGeom prst="line">
+            <a:avLst/>
+          </a:prstGeom>
+        </p:spPr>
+        <p:style>
+          <a:lnRef idx="1">
+            <a:schemeClr val="accent1"/>
+          </a:lnRef>
+          <a:fillRef idx="0">
+            <a:schemeClr val="accent1"/>
+          </a:fillRef>
+          <a:effectRef idx="0">
+            <a:schemeClr val="accent1"/>
+          </a:effectRef>
+          <a:fontRef idx="minor">
+            <a:schemeClr val="tx1"/>
+          </a:fontRef>
+        </p:style>
+      </p:cxnSp>
+      <p:cxnSp>
+        <p:nvCxnSpPr>
+          <p:cNvPr id="28" name="Straight Connector 27">
+            <a:extLst>
+              <a:ext uri="{FF2B5EF4-FFF2-40B4-BE49-F238E27FC236}">
+                <a16:creationId xmlns:a16="http://schemas.microsoft.com/office/drawing/2014/main" id="{18B7B2A5-66E5-415C-A1A6-D0AADD782AC7}"/>
+              </a:ext>
+            </a:extLst>
+          </p:cNvPr>
+          <p:cNvCxnSpPr/>
+          <p:nvPr/>
+        </p:nvCxnSpPr>
+        <p:spPr>
+          <a:xfrm>
+            <a:off x="8086920" y="3084709"/>
+            <a:ext cx="166990" cy="0"/>
+          </a:xfrm>
+          <a:prstGeom prst="line">
+            <a:avLst/>
+          </a:prstGeom>
+        </p:spPr>
+        <p:style>
+          <a:lnRef idx="1">
+            <a:schemeClr val="accent1"/>
+          </a:lnRef>
+          <a:fillRef idx="0">
+            <a:schemeClr val="accent1"/>
+          </a:fillRef>
+          <a:effectRef idx="0">
+            <a:schemeClr val="accent1"/>
+          </a:effectRef>
+          <a:fontRef idx="minor">
+            <a:schemeClr val="tx1"/>
+          </a:fontRef>
+        </p:style>
+      </p:cxnSp>
+      <p:cxnSp>
+        <p:nvCxnSpPr>
+          <p:cNvPr id="30" name="Straight Connector 29">
+            <a:extLst>
+              <a:ext uri="{FF2B5EF4-FFF2-40B4-BE49-F238E27FC236}">
+                <a16:creationId xmlns:a16="http://schemas.microsoft.com/office/drawing/2014/main" id="{E8039075-B264-4B82-92C3-DC455F618553}"/>
+              </a:ext>
+            </a:extLst>
+          </p:cNvPr>
+          <p:cNvCxnSpPr/>
+          <p:nvPr/>
+        </p:nvCxnSpPr>
+        <p:spPr>
+          <a:xfrm>
+            <a:off x="9606054" y="3107327"/>
+            <a:ext cx="166990" cy="0"/>
+          </a:xfrm>
+          <a:prstGeom prst="line">
+            <a:avLst/>
+          </a:prstGeom>
+        </p:spPr>
+        <p:style>
+          <a:lnRef idx="1">
+            <a:schemeClr val="accent1"/>
+          </a:lnRef>
+          <a:fillRef idx="0">
+            <a:schemeClr val="accent1"/>
+          </a:fillRef>
+          <a:effectRef idx="0">
+            <a:schemeClr val="accent1"/>
+          </a:effectRef>
+          <a:fontRef idx="minor">
+            <a:schemeClr val="tx1"/>
+          </a:fontRef>
+        </p:style>
+      </p:cxnSp>
+      <p:cxnSp>
+        <p:nvCxnSpPr>
+          <p:cNvPr id="33" name="Straight Connector 32">
+            <a:extLst>
+              <a:ext uri="{FF2B5EF4-FFF2-40B4-BE49-F238E27FC236}">
+                <a16:creationId xmlns:a16="http://schemas.microsoft.com/office/drawing/2014/main" id="{80BE275E-0DC8-40A7-8275-F6911E553369}"/>
+              </a:ext>
+            </a:extLst>
+          </p:cNvPr>
+          <p:cNvCxnSpPr>
+            <a:stCxn id="5" idx="2"/>
+            <a:endCxn id="13" idx="0"/>
+          </p:cNvCxnSpPr>
+          <p:nvPr/>
+        </p:nvCxnSpPr>
+        <p:spPr>
+          <a:xfrm>
+            <a:off x="2848583" y="3381982"/>
+            <a:ext cx="4863" cy="229392"/>
+          </a:xfrm>
+          <a:prstGeom prst="line">
+            <a:avLst/>
+          </a:prstGeom>
+        </p:spPr>
+        <p:style>
+          <a:lnRef idx="1">
+            <a:schemeClr val="accent1"/>
+          </a:lnRef>
+          <a:fillRef idx="0">
+            <a:schemeClr val="accent1"/>
+          </a:fillRef>
+          <a:effectRef idx="0">
+            <a:schemeClr val="accent1"/>
+          </a:effectRef>
+          <a:fontRef idx="minor">
+            <a:schemeClr val="tx1"/>
+          </a:fontRef>
+        </p:style>
+      </p:cxnSp>
+      <p:cxnSp>
+        <p:nvCxnSpPr>
+          <p:cNvPr id="34" name="Straight Connector 33">
+            <a:extLst>
+              <a:ext uri="{FF2B5EF4-FFF2-40B4-BE49-F238E27FC236}">
+                <a16:creationId xmlns:a16="http://schemas.microsoft.com/office/drawing/2014/main" id="{907FD62D-12EE-4783-96ED-3E3EC9AB8D1D}"/>
+              </a:ext>
+            </a:extLst>
+          </p:cNvPr>
+          <p:cNvCxnSpPr/>
+          <p:nvPr/>
+        </p:nvCxnSpPr>
+        <p:spPr>
+          <a:xfrm>
+            <a:off x="4403607" y="3386723"/>
+            <a:ext cx="4863" cy="229392"/>
+          </a:xfrm>
+          <a:prstGeom prst="line">
+            <a:avLst/>
+          </a:prstGeom>
+        </p:spPr>
+        <p:style>
+          <a:lnRef idx="1">
+            <a:schemeClr val="accent1"/>
+          </a:lnRef>
+          <a:fillRef idx="0">
+            <a:schemeClr val="accent1"/>
+          </a:fillRef>
+          <a:effectRef idx="0">
+            <a:schemeClr val="accent1"/>
+          </a:effectRef>
+          <a:fontRef idx="minor">
+            <a:schemeClr val="tx1"/>
+          </a:fontRef>
+        </p:style>
+      </p:cxnSp>
+      <p:cxnSp>
+        <p:nvCxnSpPr>
+          <p:cNvPr id="35" name="Straight Connector 34">
+            <a:extLst>
+              <a:ext uri="{FF2B5EF4-FFF2-40B4-BE49-F238E27FC236}">
+                <a16:creationId xmlns:a16="http://schemas.microsoft.com/office/drawing/2014/main" id="{BA2642B2-BE2B-49A4-A0E6-5948BC889D00}"/>
+              </a:ext>
+            </a:extLst>
+          </p:cNvPr>
+          <p:cNvCxnSpPr/>
+          <p:nvPr/>
+        </p:nvCxnSpPr>
+        <p:spPr>
+          <a:xfrm>
+            <a:off x="5920057" y="3386723"/>
+            <a:ext cx="4863" cy="229392"/>
+          </a:xfrm>
+          <a:prstGeom prst="line">
+            <a:avLst/>
+          </a:prstGeom>
+        </p:spPr>
+        <p:style>
+          <a:lnRef idx="1">
+            <a:schemeClr val="accent1"/>
+          </a:lnRef>
+          <a:fillRef idx="0">
+            <a:schemeClr val="accent1"/>
+          </a:fillRef>
+          <a:effectRef idx="0">
+            <a:schemeClr val="accent1"/>
+          </a:effectRef>
+          <a:fontRef idx="minor">
+            <a:schemeClr val="tx1"/>
+          </a:fontRef>
+        </p:style>
+      </p:cxnSp>
+      <p:cxnSp>
+        <p:nvCxnSpPr>
+          <p:cNvPr id="36" name="Straight Connector 35">
+            <a:extLst>
+              <a:ext uri="{FF2B5EF4-FFF2-40B4-BE49-F238E27FC236}">
+                <a16:creationId xmlns:a16="http://schemas.microsoft.com/office/drawing/2014/main" id="{BEF5E8FB-E52B-443A-B64A-142ECD74E122}"/>
+              </a:ext>
+            </a:extLst>
+          </p:cNvPr>
+          <p:cNvCxnSpPr/>
+          <p:nvPr/>
+        </p:nvCxnSpPr>
+        <p:spPr>
+          <a:xfrm>
+            <a:off x="7437012" y="3381982"/>
+            <a:ext cx="4863" cy="229392"/>
+          </a:xfrm>
+          <a:prstGeom prst="line">
+            <a:avLst/>
+          </a:prstGeom>
+        </p:spPr>
+        <p:style>
+          <a:lnRef idx="1">
+            <a:schemeClr val="accent1"/>
+          </a:lnRef>
+          <a:fillRef idx="0">
+            <a:schemeClr val="accent1"/>
+          </a:fillRef>
+          <a:effectRef idx="0">
+            <a:schemeClr val="accent1"/>
+          </a:effectRef>
+          <a:fontRef idx="minor">
+            <a:schemeClr val="tx1"/>
+          </a:fontRef>
+        </p:style>
+      </p:cxnSp>
+      <p:cxnSp>
+        <p:nvCxnSpPr>
+          <p:cNvPr id="37" name="Straight Connector 36">
+            <a:extLst>
+              <a:ext uri="{FF2B5EF4-FFF2-40B4-BE49-F238E27FC236}">
+                <a16:creationId xmlns:a16="http://schemas.microsoft.com/office/drawing/2014/main" id="{3212AACD-EA43-4E05-9CB7-298B2856D4AC}"/>
+              </a:ext>
+            </a:extLst>
+          </p:cNvPr>
+          <p:cNvCxnSpPr/>
+          <p:nvPr/>
+        </p:nvCxnSpPr>
+        <p:spPr>
+          <a:xfrm>
+            <a:off x="8910478" y="3381982"/>
+            <a:ext cx="4863" cy="229392"/>
+          </a:xfrm>
+          <a:prstGeom prst="line">
+            <a:avLst/>
+          </a:prstGeom>
+        </p:spPr>
+        <p:style>
+          <a:lnRef idx="1">
+            <a:schemeClr val="accent1"/>
+          </a:lnRef>
+          <a:fillRef idx="0">
+            <a:schemeClr val="accent1"/>
+          </a:fillRef>
+          <a:effectRef idx="0">
+            <a:schemeClr val="accent1"/>
+          </a:effectRef>
+          <a:fontRef idx="minor">
+            <a:schemeClr val="tx1"/>
+          </a:fontRef>
+        </p:style>
+      </p:cxnSp>
+      <p:cxnSp>
+        <p:nvCxnSpPr>
+          <p:cNvPr id="38" name="Straight Connector 37">
+            <a:extLst>
+              <a:ext uri="{FF2B5EF4-FFF2-40B4-BE49-F238E27FC236}">
+                <a16:creationId xmlns:a16="http://schemas.microsoft.com/office/drawing/2014/main" id="{42CC8E68-DF06-46E2-9969-867B00AD6563}"/>
+              </a:ext>
+            </a:extLst>
+          </p:cNvPr>
+          <p:cNvCxnSpPr/>
+          <p:nvPr/>
+        </p:nvCxnSpPr>
+        <p:spPr>
+          <a:xfrm>
+            <a:off x="7405983" y="4114800"/>
+            <a:ext cx="4863" cy="229392"/>
+          </a:xfrm>
+          <a:prstGeom prst="line">
+            <a:avLst/>
+          </a:prstGeom>
+        </p:spPr>
+        <p:style>
+          <a:lnRef idx="1">
+            <a:schemeClr val="accent1"/>
+          </a:lnRef>
+          <a:fillRef idx="0">
+            <a:schemeClr val="accent1"/>
+          </a:fillRef>
+          <a:effectRef idx="0">
+            <a:schemeClr val="accent1"/>
+          </a:effectRef>
+          <a:fontRef idx="minor">
+            <a:schemeClr val="tx1"/>
+          </a:fontRef>
+        </p:style>
+      </p:cxnSp>
+      <p:sp>
+        <p:nvSpPr>
+          <p:cNvPr id="39" name="TextBox 38">
+            <a:extLst>
+              <a:ext uri="{FF2B5EF4-FFF2-40B4-BE49-F238E27FC236}">
+                <a16:creationId xmlns:a16="http://schemas.microsoft.com/office/drawing/2014/main" id="{0A236EA7-AA5D-4512-8DB9-1C26FE3B9DE1}"/>
+              </a:ext>
+            </a:extLst>
+          </p:cNvPr>
+          <p:cNvSpPr txBox="1"/>
+          <p:nvPr/>
+        </p:nvSpPr>
+        <p:spPr>
+          <a:xfrm>
+            <a:off x="5021180" y="1291304"/>
+            <a:ext cx="1924096" cy="369332"/>
+          </a:xfrm>
+          <a:prstGeom prst="rect">
+            <a:avLst/>
+          </a:prstGeom>
+          <a:noFill/>
+        </p:spPr>
+        <p:txBody>
+          <a:bodyPr wrap="square" rtlCol="0">
+            <a:spAutoFit/>
+          </a:bodyPr>
+          <a:lstStyle/>
+          <a:p>
+            <a:r>
+              <a:rPr lang="sv-SE" noProof="1"/>
+              <a:t>Vad har vi gjort?</a:t>
+            </a:r>
+          </a:p>
+        </p:txBody>
+      </p:sp>
+    </p:spTree>
+    <p:extLst>
+      <p:ext uri="{BB962C8B-B14F-4D97-AF65-F5344CB8AC3E}">
+        <p14:creationId xmlns:p14="http://schemas.microsoft.com/office/powerpoint/2010/main" val="621365753"/>
+      </p:ext>
+    </p:extLst>
+  </p:cSld>
+  <p:clrMapOvr>
+    <a:masterClrMapping/>
+  </p:clrMapOvr>
+</p:sld>
+</file>
+
+<file path=ppt/slides/slide20.xml><?xml version="1.0" encoding="utf-8"?>
+<p:sld xmlns:a="http://schemas.openxmlformats.org/drawingml/2006/main" xmlns:r="http://schemas.openxmlformats.org/officeDocument/2006/relationships" xmlns:p="http://schemas.openxmlformats.org/presentationml/2006/main">
+  <p:cSld>
+    <p:spTree>
+      <p:nvGrpSpPr>
+        <p:cNvPr id="1" name=""/>
+        <p:cNvGrpSpPr/>
+        <p:nvPr/>
+      </p:nvGrpSpPr>
+      <p:grpSpPr>
+        <a:xfrm>
+          <a:off x="0" y="0"/>
+          <a:ext cx="0" cy="0"/>
+          <a:chOff x="0" y="0"/>
+          <a:chExt cx="0" cy="0"/>
+        </a:xfrm>
+      </p:grpSpPr>
+      <p:pic>
+        <p:nvPicPr>
+          <p:cNvPr id="2052" name="Picture 4" descr="Hide the Pain Harold Meme - Imgflip">
+            <a:extLst>
+              <a:ext uri="{FF2B5EF4-FFF2-40B4-BE49-F238E27FC236}">
+                <a16:creationId xmlns:a16="http://schemas.microsoft.com/office/drawing/2014/main" id="{A691226B-555C-4541-B487-3DA040D58461}"/>
+              </a:ext>
+            </a:extLst>
+          </p:cNvPr>
+          <p:cNvPicPr>
+            <a:picLocks noChangeAspect="1" noChangeArrowheads="1"/>
+          </p:cNvPicPr>
+          <p:nvPr/>
+        </p:nvPicPr>
+        <p:blipFill>
+          <a:blip r:embed="rId2">
+            <a:extLst>
+              <a:ext uri="{28A0092B-C50C-407E-A947-70E740481C1C}">
+                <a14:useLocalDpi xmlns:a14="http://schemas.microsoft.com/office/drawing/2010/main" val="0"/>
+              </a:ext>
+            </a:extLst>
+          </a:blip>
+          <a:srcRect/>
+          <a:stretch>
+            <a:fillRect/>
+          </a:stretch>
+        </p:blipFill>
+        <p:spPr bwMode="auto">
+          <a:xfrm>
+            <a:off x="4080588" y="1893907"/>
+            <a:ext cx="3131975" cy="3921494"/>
+          </a:xfrm>
+          <a:prstGeom prst="rect">
+            <a:avLst/>
+          </a:prstGeom>
+          <a:noFill/>
+          <a:extLst>
+            <a:ext uri="{909E8E84-426E-40DD-AFC4-6F175D3DCCD1}">
+              <a14:hiddenFill xmlns:a14="http://schemas.microsoft.com/office/drawing/2010/main">
+                <a:solidFill>
+                  <a:srgbClr val="FFFFFF"/>
+                </a:solidFill>
+              </a14:hiddenFill>
+            </a:ext>
+          </a:extLst>
+        </p:spPr>
+      </p:pic>
+    </p:spTree>
+    <p:extLst>
+      <p:ext uri="{BB962C8B-B14F-4D97-AF65-F5344CB8AC3E}">
+        <p14:creationId xmlns:p14="http://schemas.microsoft.com/office/powerpoint/2010/main" val="1185222280"/>
+      </p:ext>
+    </p:extLst>
+  </p:cSld>
+  <p:clrMapOvr>
+    <a:masterClrMapping/>
+  </p:clrMapOvr>
+</p:sld>
+</file>
+
+<file path=ppt/slides/slide3.xml><?xml version="1.0" encoding="utf-8"?>
+<p:sld xmlns:a="http://schemas.openxmlformats.org/drawingml/2006/main" xmlns:r="http://schemas.openxmlformats.org/officeDocument/2006/relationships" xmlns:p="http://schemas.openxmlformats.org/presentationml/2006/main" showMasterSp="0">
+  <p:cSld>
+    <p:spTree>
+      <p:nvGrpSpPr>
+        <p:cNvPr id="1" name=""/>
+        <p:cNvGrpSpPr/>
+        <p:nvPr/>
+      </p:nvGrpSpPr>
+      <p:grpSpPr>
+        <a:xfrm>
+          <a:off x="0" y="0"/>
+          <a:ext cx="0" cy="0"/>
+          <a:chOff x="0" y="0"/>
+          <a:chExt cx="0" cy="0"/>
+        </a:xfrm>
+      </p:grpSpPr>
+      <p:sp>
+        <p:nvSpPr>
+          <p:cNvPr id="2" name="Title 1">
+            <a:extLst>
+              <a:ext uri="{FF2B5EF4-FFF2-40B4-BE49-F238E27FC236}">
+                <a16:creationId xmlns:a16="http://schemas.microsoft.com/office/drawing/2014/main" id="{C9DEA9A6-BD90-4F66-AE2F-4B4A873F6879}"/>
+              </a:ext>
+            </a:extLst>
+          </p:cNvPr>
+          <p:cNvSpPr>
+            <a:spLocks noGrp="1"/>
+          </p:cNvSpPr>
+          <p:nvPr>
+            <p:ph type="ctrTitle"/>
+          </p:nvPr>
+        </p:nvSpPr>
+        <p:spPr>
+          <a:xfrm>
+            <a:off x="457200" y="1122363"/>
+            <a:ext cx="2781300" cy="1195535"/>
+          </a:xfrm>
+        </p:spPr>
+        <p:txBody>
+          <a:bodyPr/>
+          <a:lstStyle/>
+          <a:p>
+            <a:r>
+              <a:rPr lang="sv-SE" noProof="1"/>
+              <a:t>Dataset</a:t>
+            </a:r>
+          </a:p>
+        </p:txBody>
+      </p:sp>
+      <p:sp>
+        <p:nvSpPr>
+          <p:cNvPr id="3" name="Content Placeholder 2">
+            <a:extLst>
+              <a:ext uri="{FF2B5EF4-FFF2-40B4-BE49-F238E27FC236}">
+                <a16:creationId xmlns:a16="http://schemas.microsoft.com/office/drawing/2014/main" id="{7E187939-4AD9-4CB6-9169-76974AEF6070}"/>
+              </a:ext>
+            </a:extLst>
+          </p:cNvPr>
+          <p:cNvSpPr txBox="1">
+            <a:spLocks/>
+          </p:cNvSpPr>
+          <p:nvPr/>
+        </p:nvSpPr>
+        <p:spPr>
+          <a:xfrm>
+            <a:off x="648930" y="2647393"/>
+            <a:ext cx="4944151" cy="3785419"/>
+          </a:xfrm>
+          <a:prstGeom prst="rect">
+            <a:avLst/>
+          </a:prstGeom>
+        </p:spPr>
+        <p:txBody>
+          <a:bodyPr vert="horz" lIns="91440" tIns="45720" rIns="91440" bIns="45720" rtlCol="0">
+            <a:normAutofit/>
+          </a:bodyPr>
+          <a:lstStyle>
+            <a:lvl1pPr marL="0" indent="0" algn="ctr" defTabSz="914400" rtl="0" eaLnBrk="1" latinLnBrk="0" hangingPunct="1">
+              <a:lnSpc>
+                <a:spcPct val="100000"/>
+              </a:lnSpc>
+              <a:spcBef>
+                <a:spcPts val="1000"/>
+              </a:spcBef>
+              <a:buFont typeface="System Font Regular"/>
+              <a:buNone/>
+              <a:defRPr sz="2400" b="0" i="0" kern="1200">
+                <a:solidFill>
+                  <a:schemeClr val="tx1"/>
+                </a:solidFill>
+                <a:latin typeface="+mn-lt"/>
+                <a:ea typeface="+mn-ea"/>
+                <a:cs typeface="+mn-cs"/>
+              </a:defRPr>
+            </a:lvl1pPr>
+            <a:lvl2pPr marL="457200" indent="0" algn="ctr" defTabSz="914400" rtl="0" eaLnBrk="1" latinLnBrk="0" hangingPunct="1">
+              <a:lnSpc>
+                <a:spcPct val="100000"/>
+              </a:lnSpc>
+              <a:spcBef>
+                <a:spcPts val="500"/>
+              </a:spcBef>
+              <a:buFont typeface="System Font Regular"/>
+              <a:buNone/>
+              <a:defRPr sz="2000" b="0" i="0" kern="1200">
+                <a:solidFill>
+                  <a:schemeClr val="tx1"/>
+                </a:solidFill>
+                <a:latin typeface="+mn-lt"/>
+                <a:ea typeface="+mn-ea"/>
+                <a:cs typeface="+mn-cs"/>
+              </a:defRPr>
+            </a:lvl2pPr>
+            <a:lvl3pPr marL="914400" indent="0" algn="ctr" defTabSz="914400" rtl="0" eaLnBrk="1" latinLnBrk="0" hangingPunct="1">
+              <a:lnSpc>
+                <a:spcPct val="100000"/>
+              </a:lnSpc>
+              <a:spcBef>
+                <a:spcPts val="500"/>
+              </a:spcBef>
+              <a:buFont typeface="System Font Regular"/>
+              <a:buNone/>
+              <a:defRPr sz="1800" b="0" i="0" kern="1200">
+                <a:solidFill>
+                  <a:schemeClr val="tx1"/>
+                </a:solidFill>
+                <a:latin typeface="+mn-lt"/>
+                <a:ea typeface="+mn-ea"/>
+                <a:cs typeface="+mn-cs"/>
+              </a:defRPr>
+            </a:lvl3pPr>
+            <a:lvl4pPr marL="1371600" indent="0" algn="ctr" defTabSz="914400" rtl="0" eaLnBrk="1" latinLnBrk="0" hangingPunct="1">
+              <a:lnSpc>
+                <a:spcPct val="100000"/>
+              </a:lnSpc>
+              <a:spcBef>
+                <a:spcPts val="500"/>
+              </a:spcBef>
+              <a:buFont typeface="System Font Regular"/>
+              <a:buNone/>
+              <a:defRPr sz="1600" b="0" i="0" kern="1200">
+                <a:solidFill>
+                  <a:schemeClr val="tx1"/>
+                </a:solidFill>
+                <a:latin typeface="+mn-lt"/>
+                <a:ea typeface="+mn-ea"/>
+                <a:cs typeface="+mn-cs"/>
+              </a:defRPr>
+            </a:lvl4pPr>
+            <a:lvl5pPr marL="1828800" indent="0" algn="ctr" defTabSz="914400" rtl="0" eaLnBrk="1" latinLnBrk="0" hangingPunct="1">
+              <a:lnSpc>
+                <a:spcPct val="100000"/>
+              </a:lnSpc>
+              <a:spcBef>
+                <a:spcPts val="500"/>
+              </a:spcBef>
+              <a:buFont typeface="System Font Regular"/>
+              <a:buNone/>
+              <a:defRPr sz="1600" b="0" i="0" kern="1200">
+                <a:solidFill>
+                  <a:schemeClr val="tx1"/>
+                </a:solidFill>
+                <a:latin typeface="+mn-lt"/>
+                <a:ea typeface="+mn-ea"/>
+                <a:cs typeface="+mn-cs"/>
+              </a:defRPr>
+            </a:lvl5pPr>
+            <a:lvl6pPr marL="2286000" indent="0" algn="ctr" defTabSz="914400" rtl="0" eaLnBrk="1" latinLnBrk="0" hangingPunct="1">
+              <a:lnSpc>
+                <a:spcPct val="90000"/>
+              </a:lnSpc>
+              <a:spcBef>
+                <a:spcPts val="500"/>
+              </a:spcBef>
+              <a:buFont typeface="Arial" panose="020B0604020202020204" pitchFamily="34" charset="0"/>
+              <a:buNone/>
+              <a:defRPr sz="1600" kern="1200">
+                <a:solidFill>
+                  <a:schemeClr val="tx1"/>
+                </a:solidFill>
+                <a:latin typeface="+mn-lt"/>
+                <a:ea typeface="+mn-ea"/>
+                <a:cs typeface="+mn-cs"/>
+              </a:defRPr>
+            </a:lvl6pPr>
+            <a:lvl7pPr marL="2743200" indent="0" algn="ctr" defTabSz="914400" rtl="0" eaLnBrk="1" latinLnBrk="0" hangingPunct="1">
+              <a:lnSpc>
+                <a:spcPct val="90000"/>
+              </a:lnSpc>
+              <a:spcBef>
+                <a:spcPts val="500"/>
+              </a:spcBef>
+              <a:buFont typeface="Arial" panose="020B0604020202020204" pitchFamily="34" charset="0"/>
+              <a:buNone/>
+              <a:defRPr sz="1600" kern="1200">
+                <a:solidFill>
+                  <a:schemeClr val="tx1"/>
+                </a:solidFill>
+                <a:latin typeface="+mn-lt"/>
+                <a:ea typeface="+mn-ea"/>
+                <a:cs typeface="+mn-cs"/>
+              </a:defRPr>
+            </a:lvl7pPr>
+            <a:lvl8pPr marL="3200400" indent="0" algn="ctr" defTabSz="914400" rtl="0" eaLnBrk="1" latinLnBrk="0" hangingPunct="1">
+              <a:lnSpc>
+                <a:spcPct val="90000"/>
+              </a:lnSpc>
+              <a:spcBef>
+                <a:spcPts val="500"/>
+              </a:spcBef>
+              <a:buFont typeface="Arial" panose="020B0604020202020204" pitchFamily="34" charset="0"/>
+              <a:buNone/>
+              <a:defRPr sz="1600" kern="1200">
+                <a:solidFill>
+                  <a:schemeClr val="tx1"/>
+                </a:solidFill>
+                <a:latin typeface="+mn-lt"/>
+                <a:ea typeface="+mn-ea"/>
+                <a:cs typeface="+mn-cs"/>
+              </a:defRPr>
+            </a:lvl8pPr>
+            <a:lvl9pPr marL="3657600" indent="0" algn="ctr" defTabSz="914400" rtl="0" eaLnBrk="1" latinLnBrk="0" hangingPunct="1">
+              <a:lnSpc>
+                <a:spcPct val="90000"/>
+              </a:lnSpc>
+              <a:spcBef>
+                <a:spcPts val="500"/>
+              </a:spcBef>
+              <a:buFont typeface="Arial" panose="020B0604020202020204" pitchFamily="34" charset="0"/>
+              <a:buNone/>
+              <a:defRPr sz="1600" kern="1200">
+                <a:solidFill>
+                  <a:schemeClr val="tx1"/>
+                </a:solidFill>
+                <a:latin typeface="+mn-lt"/>
+                <a:ea typeface="+mn-ea"/>
+                <a:cs typeface="+mn-cs"/>
+              </a:defRPr>
+            </a:lvl9pPr>
+          </a:lstStyle>
+          <a:p>
+            <a:pPr marL="285750" indent="-285750" algn="l">
+              <a:buFont typeface="Arial" panose="020B0604020202020204" pitchFamily="34" charset="0"/>
+              <a:buChar char="•"/>
+            </a:pPr>
+            <a:r>
+              <a:rPr lang="sv-SE" sz="1700" noProof="1"/>
+              <a:t>Från Kaggle</a:t>
+            </a:r>
+          </a:p>
+          <a:p>
+            <a:pPr marL="285750" indent="-285750" algn="l">
+              <a:buFont typeface="Arial" panose="020B0604020202020204" pitchFamily="34" charset="0"/>
+              <a:buChar char="•"/>
+            </a:pPr>
+            <a:r>
+              <a:rPr lang="sv-SE" sz="1700" noProof="1"/>
+              <a:t>Sparsamt med information</a:t>
+            </a:r>
+          </a:p>
+          <a:p>
+            <a:pPr marL="742950" lvl="1" indent="-285750" algn="l">
+              <a:buFont typeface="Arial" panose="020B0604020202020204" pitchFamily="34" charset="0"/>
+              <a:buChar char="•"/>
+            </a:pPr>
+            <a:r>
+              <a:rPr lang="sv-SE" sz="1300" noProof="1"/>
+              <a:t>Bilderna är insamlade från Google</a:t>
+            </a:r>
+          </a:p>
+          <a:p>
+            <a:pPr marL="285750" indent="-285750" algn="l">
+              <a:buFont typeface="Arial" panose="020B0604020202020204" pitchFamily="34" charset="0"/>
+              <a:buChar char="•"/>
+            </a:pPr>
+            <a:r>
+              <a:rPr lang="sv-SE" sz="1700" noProof="1"/>
+              <a:t>253 bilder på MR röntegen bilder</a:t>
+            </a:r>
+          </a:p>
+          <a:p>
+            <a:pPr marL="742950" lvl="1" indent="-285750" algn="l">
+              <a:buFont typeface="Arial" panose="020B0604020202020204" pitchFamily="34" charset="0"/>
+              <a:buChar char="•"/>
+            </a:pPr>
+            <a:r>
+              <a:rPr lang="sv-SE" sz="1300" noProof="1"/>
+              <a:t>98 st klass – NO (ingen tumör)</a:t>
+            </a:r>
+          </a:p>
+          <a:p>
+            <a:pPr marL="742950" lvl="1" indent="-285750" algn="l">
+              <a:buFont typeface="Arial" panose="020B0604020202020204" pitchFamily="34" charset="0"/>
+              <a:buChar char="•"/>
+            </a:pPr>
+            <a:r>
+              <a:rPr lang="sv-SE" sz="1300" noProof="1"/>
+              <a:t>155 st klass - YES (har tumör)</a:t>
+            </a:r>
+          </a:p>
+          <a:p>
+            <a:pPr marL="285750" indent="-285750" algn="l">
+              <a:buFont typeface="Arial" panose="020B0604020202020204" pitchFamily="34" charset="0"/>
+              <a:buChar char="•"/>
+            </a:pPr>
+            <a:r>
+              <a:rPr lang="sv-SE" sz="1700" noProof="1"/>
+              <a:t>Varierad storlek på bilder</a:t>
+            </a:r>
+          </a:p>
+          <a:p>
+            <a:pPr marL="285750" indent="-285750" algn="l">
+              <a:buFont typeface="Arial" panose="020B0604020202020204" pitchFamily="34" charset="0"/>
+              <a:buChar char="•"/>
+            </a:pPr>
+            <a:r>
+              <a:rPr lang="sv-SE" sz="1700" noProof="1"/>
+              <a:t>Markeringar på bilderna</a:t>
+            </a:r>
+          </a:p>
+          <a:p>
+            <a:pPr marL="285750" indent="-285750" algn="l">
+              <a:buFont typeface="Arial" panose="020B0604020202020204" pitchFamily="34" charset="0"/>
+              <a:buChar char="•"/>
+            </a:pPr>
+            <a:r>
+              <a:rPr lang="sv-SE" sz="1700" noProof="1"/>
+              <a:t>Dubbletter</a:t>
+            </a:r>
+          </a:p>
+          <a:p>
+            <a:pPr marL="285750" indent="-285750" algn="l">
+              <a:buFont typeface="Arial" panose="020B0604020202020204" pitchFamily="34" charset="0"/>
+              <a:buChar char="•"/>
+            </a:pPr>
+            <a:endParaRPr lang="sv-SE" sz="1700" noProof="1"/>
+          </a:p>
+        </p:txBody>
+      </p:sp>
+      <p:sp>
+        <p:nvSpPr>
+          <p:cNvPr id="4" name="TextBox 3">
+            <a:extLst>
+              <a:ext uri="{FF2B5EF4-FFF2-40B4-BE49-F238E27FC236}">
+                <a16:creationId xmlns:a16="http://schemas.microsoft.com/office/drawing/2014/main" id="{65AD8654-6913-4B22-B455-C3BCE03926A1}"/>
+              </a:ext>
+            </a:extLst>
+          </p:cNvPr>
+          <p:cNvSpPr txBox="1"/>
+          <p:nvPr/>
+        </p:nvSpPr>
+        <p:spPr>
+          <a:xfrm>
+            <a:off x="648930" y="6432812"/>
+            <a:ext cx="4081567" cy="215444"/>
+          </a:xfrm>
+          <a:prstGeom prst="rect">
+            <a:avLst/>
+          </a:prstGeom>
+          <a:noFill/>
+        </p:spPr>
+        <p:txBody>
+          <a:bodyPr wrap="none" rtlCol="0">
+            <a:spAutoFit/>
+          </a:bodyPr>
+          <a:lstStyle/>
+          <a:p>
+            <a:r>
+              <a:rPr lang="sv-SE" sz="800" dirty="0"/>
+              <a:t>Källa: https://www.kaggle.com/navoneel/brain-mri-images-for-brain-tumor-detection</a:t>
+            </a:r>
+          </a:p>
+        </p:txBody>
+      </p:sp>
+      <p:pic>
+        <p:nvPicPr>
+          <p:cNvPr id="6" name="Picture 5">
+            <a:extLst>
+              <a:ext uri="{FF2B5EF4-FFF2-40B4-BE49-F238E27FC236}">
+                <a16:creationId xmlns:a16="http://schemas.microsoft.com/office/drawing/2014/main" id="{7F4E302E-9BE7-4622-A373-B93F5CA682BE}"/>
+              </a:ext>
+            </a:extLst>
+          </p:cNvPr>
+          <p:cNvPicPr>
+            <a:picLocks noChangeAspect="1"/>
+          </p:cNvPicPr>
+          <p:nvPr/>
+        </p:nvPicPr>
+        <p:blipFill>
+          <a:blip r:embed="rId2"/>
+          <a:stretch>
+            <a:fillRect/>
+          </a:stretch>
+        </p:blipFill>
+        <p:spPr>
+          <a:xfrm>
+            <a:off x="5495635" y="1910871"/>
+            <a:ext cx="5454565" cy="3912655"/>
+          </a:xfrm>
+          <a:prstGeom prst="rect">
+            <a:avLst/>
+          </a:prstGeom>
+        </p:spPr>
+      </p:pic>
+    </p:spTree>
+    <p:extLst>
+      <p:ext uri="{BB962C8B-B14F-4D97-AF65-F5344CB8AC3E}">
+        <p14:creationId xmlns:p14="http://schemas.microsoft.com/office/powerpoint/2010/main" val="3733807136"/>
+      </p:ext>
+    </p:extLst>
+  </p:cSld>
+  <p:clrMapOvr>
+    <a:masterClrMapping/>
+  </p:clrMapOvr>
+</p:sld>
+</file>
+
+<file path=ppt/slides/slide4.xml><?xml version="1.0" encoding="utf-8"?>
+<p:sld xmlns:a="http://schemas.openxmlformats.org/drawingml/2006/main" xmlns:r="http://schemas.openxmlformats.org/officeDocument/2006/relationships" xmlns:p="http://schemas.openxmlformats.org/presentationml/2006/main" showMasterSp="0">
+  <p:cSld>
+    <p:spTree>
+      <p:nvGrpSpPr>
+        <p:cNvPr id="1" name=""/>
+        <p:cNvGrpSpPr/>
+        <p:nvPr/>
+      </p:nvGrpSpPr>
+      <p:grpSpPr>
+        <a:xfrm>
+          <a:off x="0" y="0"/>
+          <a:ext cx="0" cy="0"/>
+          <a:chOff x="0" y="0"/>
+          <a:chExt cx="0" cy="0"/>
+        </a:xfrm>
+      </p:grpSpPr>
+      <p:sp>
+        <p:nvSpPr>
+          <p:cNvPr id="2" name="Title 1">
+            <a:extLst>
+              <a:ext uri="{FF2B5EF4-FFF2-40B4-BE49-F238E27FC236}">
+                <a16:creationId xmlns:a16="http://schemas.microsoft.com/office/drawing/2014/main" id="{C9DEA9A6-BD90-4F66-AE2F-4B4A873F6879}"/>
+              </a:ext>
+            </a:extLst>
+          </p:cNvPr>
+          <p:cNvSpPr>
+            <a:spLocks noGrp="1"/>
+          </p:cNvSpPr>
+          <p:nvPr>
+            <p:ph type="ctrTitle"/>
+          </p:nvPr>
+        </p:nvSpPr>
+        <p:spPr>
+          <a:xfrm>
+            <a:off x="457200" y="1122363"/>
+            <a:ext cx="2781300" cy="1195535"/>
+          </a:xfrm>
+        </p:spPr>
+        <p:txBody>
+          <a:bodyPr>
+            <a:normAutofit fontScale="90000"/>
+          </a:bodyPr>
+          <a:lstStyle/>
+          <a:p>
+            <a:r>
+              <a:rPr lang="sv-SE" dirty="0"/>
+              <a:t>Städning</a:t>
+            </a:r>
+          </a:p>
+        </p:txBody>
+      </p:sp>
+      <p:sp>
+        <p:nvSpPr>
+          <p:cNvPr id="3" name="Content Placeholder 2">
+            <a:extLst>
+              <a:ext uri="{FF2B5EF4-FFF2-40B4-BE49-F238E27FC236}">
+                <a16:creationId xmlns:a16="http://schemas.microsoft.com/office/drawing/2014/main" id="{FFC86AB9-0C02-462F-AAD9-A60897CF995D}"/>
+              </a:ext>
+            </a:extLst>
+          </p:cNvPr>
+          <p:cNvSpPr txBox="1">
+            <a:spLocks/>
+          </p:cNvSpPr>
+          <p:nvPr/>
+        </p:nvSpPr>
+        <p:spPr>
+          <a:xfrm>
+            <a:off x="648930" y="2647393"/>
+            <a:ext cx="4944151" cy="3785419"/>
+          </a:xfrm>
+          <a:prstGeom prst="rect">
+            <a:avLst/>
+          </a:prstGeom>
+        </p:spPr>
+        <p:txBody>
+          <a:bodyPr vert="horz" lIns="91440" tIns="45720" rIns="91440" bIns="45720" rtlCol="0">
+            <a:normAutofit fontScale="92500" lnSpcReduction="20000"/>
+          </a:bodyPr>
+          <a:lstStyle>
+            <a:lvl1pPr marL="0" indent="0" algn="ctr" defTabSz="914400" rtl="0" eaLnBrk="1" latinLnBrk="0" hangingPunct="1">
+              <a:lnSpc>
+                <a:spcPct val="100000"/>
+              </a:lnSpc>
+              <a:spcBef>
+                <a:spcPts val="1000"/>
+              </a:spcBef>
+              <a:buFont typeface="System Font Regular"/>
+              <a:buNone/>
+              <a:defRPr sz="2400" b="0" i="0" kern="1200">
+                <a:solidFill>
+                  <a:schemeClr val="tx1"/>
+                </a:solidFill>
+                <a:latin typeface="+mn-lt"/>
+                <a:ea typeface="+mn-ea"/>
+                <a:cs typeface="+mn-cs"/>
+              </a:defRPr>
+            </a:lvl1pPr>
+            <a:lvl2pPr marL="457200" indent="0" algn="ctr" defTabSz="914400" rtl="0" eaLnBrk="1" latinLnBrk="0" hangingPunct="1">
+              <a:lnSpc>
+                <a:spcPct val="100000"/>
+              </a:lnSpc>
+              <a:spcBef>
+                <a:spcPts val="500"/>
+              </a:spcBef>
+              <a:buFont typeface="System Font Regular"/>
+              <a:buNone/>
+              <a:defRPr sz="2000" b="0" i="0" kern="1200">
+                <a:solidFill>
+                  <a:schemeClr val="tx1"/>
+                </a:solidFill>
+                <a:latin typeface="+mn-lt"/>
+                <a:ea typeface="+mn-ea"/>
+                <a:cs typeface="+mn-cs"/>
+              </a:defRPr>
+            </a:lvl2pPr>
+            <a:lvl3pPr marL="914400" indent="0" algn="ctr" defTabSz="914400" rtl="0" eaLnBrk="1" latinLnBrk="0" hangingPunct="1">
+              <a:lnSpc>
+                <a:spcPct val="100000"/>
+              </a:lnSpc>
+              <a:spcBef>
+                <a:spcPts val="500"/>
+              </a:spcBef>
+              <a:buFont typeface="System Font Regular"/>
+              <a:buNone/>
+              <a:defRPr sz="1800" b="0" i="0" kern="1200">
+                <a:solidFill>
+                  <a:schemeClr val="tx1"/>
+                </a:solidFill>
+                <a:latin typeface="+mn-lt"/>
+                <a:ea typeface="+mn-ea"/>
+                <a:cs typeface="+mn-cs"/>
+              </a:defRPr>
+            </a:lvl3pPr>
+            <a:lvl4pPr marL="1371600" indent="0" algn="ctr" defTabSz="914400" rtl="0" eaLnBrk="1" latinLnBrk="0" hangingPunct="1">
+              <a:lnSpc>
+                <a:spcPct val="100000"/>
+              </a:lnSpc>
+              <a:spcBef>
+                <a:spcPts val="500"/>
+              </a:spcBef>
+              <a:buFont typeface="System Font Regular"/>
+              <a:buNone/>
+              <a:defRPr sz="1600" b="0" i="0" kern="1200">
+                <a:solidFill>
+                  <a:schemeClr val="tx1"/>
+                </a:solidFill>
+                <a:latin typeface="+mn-lt"/>
+                <a:ea typeface="+mn-ea"/>
+                <a:cs typeface="+mn-cs"/>
+              </a:defRPr>
+            </a:lvl4pPr>
+            <a:lvl5pPr marL="1828800" indent="0" algn="ctr" defTabSz="914400" rtl="0" eaLnBrk="1" latinLnBrk="0" hangingPunct="1">
+              <a:lnSpc>
+                <a:spcPct val="100000"/>
+              </a:lnSpc>
+              <a:spcBef>
+                <a:spcPts val="500"/>
+              </a:spcBef>
+              <a:buFont typeface="System Font Regular"/>
+              <a:buNone/>
+              <a:defRPr sz="1600" b="0" i="0" kern="1200">
+                <a:solidFill>
+                  <a:schemeClr val="tx1"/>
+                </a:solidFill>
+                <a:latin typeface="+mn-lt"/>
+                <a:ea typeface="+mn-ea"/>
+                <a:cs typeface="+mn-cs"/>
+              </a:defRPr>
+            </a:lvl5pPr>
+            <a:lvl6pPr marL="2286000" indent="0" algn="ctr" defTabSz="914400" rtl="0" eaLnBrk="1" latinLnBrk="0" hangingPunct="1">
+              <a:lnSpc>
+                <a:spcPct val="90000"/>
+              </a:lnSpc>
+              <a:spcBef>
+                <a:spcPts val="500"/>
+              </a:spcBef>
+              <a:buFont typeface="Arial" panose="020B0604020202020204" pitchFamily="34" charset="0"/>
+              <a:buNone/>
+              <a:defRPr sz="1600" kern="1200">
+                <a:solidFill>
+                  <a:schemeClr val="tx1"/>
+                </a:solidFill>
+                <a:latin typeface="+mn-lt"/>
+                <a:ea typeface="+mn-ea"/>
+                <a:cs typeface="+mn-cs"/>
+              </a:defRPr>
+            </a:lvl6pPr>
+            <a:lvl7pPr marL="2743200" indent="0" algn="ctr" defTabSz="914400" rtl="0" eaLnBrk="1" latinLnBrk="0" hangingPunct="1">
+              <a:lnSpc>
+                <a:spcPct val="90000"/>
+              </a:lnSpc>
+              <a:spcBef>
+                <a:spcPts val="500"/>
+              </a:spcBef>
+              <a:buFont typeface="Arial" panose="020B0604020202020204" pitchFamily="34" charset="0"/>
+              <a:buNone/>
+              <a:defRPr sz="1600" kern="1200">
+                <a:solidFill>
+                  <a:schemeClr val="tx1"/>
+                </a:solidFill>
+                <a:latin typeface="+mn-lt"/>
+                <a:ea typeface="+mn-ea"/>
+                <a:cs typeface="+mn-cs"/>
+              </a:defRPr>
+            </a:lvl7pPr>
+            <a:lvl8pPr marL="3200400" indent="0" algn="ctr" defTabSz="914400" rtl="0" eaLnBrk="1" latinLnBrk="0" hangingPunct="1">
+              <a:lnSpc>
+                <a:spcPct val="90000"/>
+              </a:lnSpc>
+              <a:spcBef>
+                <a:spcPts val="500"/>
+              </a:spcBef>
+              <a:buFont typeface="Arial" panose="020B0604020202020204" pitchFamily="34" charset="0"/>
+              <a:buNone/>
+              <a:defRPr sz="1600" kern="1200">
+                <a:solidFill>
+                  <a:schemeClr val="tx1"/>
+                </a:solidFill>
+                <a:latin typeface="+mn-lt"/>
+                <a:ea typeface="+mn-ea"/>
+                <a:cs typeface="+mn-cs"/>
+              </a:defRPr>
+            </a:lvl8pPr>
+            <a:lvl9pPr marL="3657600" indent="0" algn="ctr" defTabSz="914400" rtl="0" eaLnBrk="1" latinLnBrk="0" hangingPunct="1">
+              <a:lnSpc>
+                <a:spcPct val="90000"/>
+              </a:lnSpc>
+              <a:spcBef>
+                <a:spcPts val="500"/>
+              </a:spcBef>
+              <a:buFont typeface="Arial" panose="020B0604020202020204" pitchFamily="34" charset="0"/>
+              <a:buNone/>
+              <a:defRPr sz="1600" kern="1200">
+                <a:solidFill>
+                  <a:schemeClr val="tx1"/>
+                </a:solidFill>
+                <a:latin typeface="+mn-lt"/>
+                <a:ea typeface="+mn-ea"/>
+                <a:cs typeface="+mn-cs"/>
+              </a:defRPr>
+            </a:lvl9pPr>
+          </a:lstStyle>
+          <a:p>
+            <a:pPr algn="l">
+              <a:buFont typeface="Arial" panose="020B0604020202020204" pitchFamily="34" charset="0"/>
+              <a:buNone/>
+            </a:pPr>
+            <a:r>
+              <a:rPr lang="sv-SE" sz="1700" noProof="1"/>
+              <a:t>Konstaterade snabbt att det fanns dubbletter.</a:t>
+            </a:r>
+          </a:p>
+          <a:p>
+            <a:pPr algn="l">
+              <a:buFont typeface="Arial" panose="020B0604020202020204" pitchFamily="34" charset="0"/>
+              <a:buNone/>
+            </a:pPr>
+            <a:r>
+              <a:rPr lang="sv-SE" sz="1700" noProof="1"/>
+              <a:t>Vi använde 3 olika tekniker för att hitta dubbletter:</a:t>
+            </a:r>
+          </a:p>
+          <a:p>
+            <a:pPr algn="l"/>
+            <a:endParaRPr lang="sv-SE" sz="1700" noProof="1"/>
+          </a:p>
+          <a:p>
+            <a:pPr marL="342900" indent="-342900" algn="l">
+              <a:buFont typeface="+mj-lt"/>
+              <a:buAutoNum type="arabicPeriod"/>
+            </a:pPr>
+            <a:r>
+              <a:rPr lang="sv-SE" sz="1700" noProof="1"/>
+              <a:t>vi använde ett bibliotek som heter difPy (bild från resultat nedan)</a:t>
+            </a:r>
+          </a:p>
+          <a:p>
+            <a:pPr marL="342900" indent="-342900" algn="l">
+              <a:buFont typeface="+mj-lt"/>
+              <a:buAutoNum type="arabicPeriod"/>
+            </a:pPr>
+            <a:endParaRPr lang="sv-SE" sz="1700" noProof="1"/>
+          </a:p>
+          <a:p>
+            <a:pPr marL="342900" indent="-342900" algn="l">
+              <a:buFont typeface="+mj-lt"/>
+              <a:buAutoNum type="arabicPeriod"/>
+            </a:pPr>
+            <a:r>
+              <a:rPr lang="sv-SE" sz="1700" noProof="1"/>
+              <a:t>vi jämförde bildernas pixelvärde med varandra för att hitta samma bild flera gånger</a:t>
+            </a:r>
+          </a:p>
+          <a:p>
+            <a:pPr marL="342900" indent="-342900" algn="l">
+              <a:buFont typeface="+mj-lt"/>
+              <a:buAutoNum type="arabicPeriod"/>
+            </a:pPr>
+            <a:endParaRPr lang="sv-SE" sz="1700" noProof="1"/>
+          </a:p>
+          <a:p>
+            <a:pPr marL="342900" indent="-342900" algn="l">
+              <a:buFont typeface="+mj-lt"/>
+              <a:buAutoNum type="arabicPeriod"/>
+            </a:pPr>
+            <a:r>
+              <a:rPr lang="sv-SE" sz="1700" noProof="1"/>
+              <a:t>en manuell genomgång av bilderna för att försöka ha ett så korrekt dataset som</a:t>
+            </a:r>
+          </a:p>
+          <a:p>
+            <a:pPr marL="342900" indent="-342900" algn="l">
+              <a:buFont typeface="+mj-lt"/>
+              <a:buAutoNum type="arabicPeriod"/>
+            </a:pPr>
+            <a:endParaRPr lang="sv-SE" sz="1700" noProof="1"/>
+          </a:p>
+          <a:p>
+            <a:pPr algn="l"/>
+            <a:r>
+              <a:rPr lang="sv-SE" sz="1700" noProof="1"/>
+              <a:t>Resultat: från totalt 253 bilder till 209 bilder</a:t>
+            </a:r>
+          </a:p>
+        </p:txBody>
+      </p:sp>
+      <p:pic>
+        <p:nvPicPr>
+          <p:cNvPr id="4" name="Picture 4">
+            <a:extLst>
+              <a:ext uri="{FF2B5EF4-FFF2-40B4-BE49-F238E27FC236}">
+                <a16:creationId xmlns:a16="http://schemas.microsoft.com/office/drawing/2014/main" id="{B0677DB4-81D8-405B-B645-2E35FC946116}"/>
+              </a:ext>
+            </a:extLst>
+          </p:cNvPr>
+          <p:cNvPicPr>
+            <a:picLocks noChangeAspect="1" noChangeArrowheads="1"/>
+          </p:cNvPicPr>
+          <p:nvPr/>
+        </p:nvPicPr>
+        <p:blipFill>
+          <a:blip r:embed="rId2">
+            <a:extLst>
+              <a:ext uri="{28A0092B-C50C-407E-A947-70E740481C1C}">
+                <a14:useLocalDpi xmlns:a14="http://schemas.microsoft.com/office/drawing/2010/main" val="0"/>
+              </a:ext>
+            </a:extLst>
+          </a:blip>
+          <a:stretch>
+            <a:fillRect/>
+          </a:stretch>
+        </p:blipFill>
+        <p:spPr bwMode="auto">
+          <a:xfrm>
+            <a:off x="5593081" y="2000361"/>
+            <a:ext cx="5893206" cy="3933714"/>
+          </a:xfrm>
+          <a:prstGeom prst="rect">
+            <a:avLst/>
+          </a:prstGeom>
+          <a:noFill/>
+          <a:effectLst/>
+          <a:extLst>
+            <a:ext uri="{909E8E84-426E-40DD-AFC4-6F175D3DCCD1}">
+              <a14:hiddenFill xmlns:a14="http://schemas.microsoft.com/office/drawing/2010/main">
+                <a:solidFill>
+                  <a:srgbClr val="FFFFFF"/>
+                </a:solidFill>
+              </a14:hiddenFill>
+            </a:ext>
+          </a:extLst>
+        </p:spPr>
+      </p:pic>
+    </p:spTree>
+    <p:extLst>
+      <p:ext uri="{BB962C8B-B14F-4D97-AF65-F5344CB8AC3E}">
+        <p14:creationId xmlns:p14="http://schemas.microsoft.com/office/powerpoint/2010/main" val="2879510612"/>
+      </p:ext>
+    </p:extLst>
+  </p:cSld>
+  <p:clrMapOvr>
+    <a:masterClrMapping/>
+  </p:clrMapOvr>
+</p:sld>
+</file>
+
+<file path=ppt/slides/slide5.xml><?xml version="1.0" encoding="utf-8"?>
+<p:sld xmlns:a="http://schemas.openxmlformats.org/drawingml/2006/main" xmlns:r="http://schemas.openxmlformats.org/officeDocument/2006/relationships" xmlns:p="http://schemas.openxmlformats.org/presentationml/2006/main" showMasterSp="0">
+  <p:cSld>
+    <p:spTree>
+      <p:nvGrpSpPr>
+        <p:cNvPr id="1" name=""/>
+        <p:cNvGrpSpPr/>
+        <p:nvPr/>
+      </p:nvGrpSpPr>
+      <p:grpSpPr>
+        <a:xfrm>
+          <a:off x="0" y="0"/>
+          <a:ext cx="0" cy="0"/>
+          <a:chOff x="0" y="0"/>
+          <a:chExt cx="0" cy="0"/>
+        </a:xfrm>
+      </p:grpSpPr>
+      <p:sp>
+        <p:nvSpPr>
+          <p:cNvPr id="2" name="Title 1">
+            <a:extLst>
+              <a:ext uri="{FF2B5EF4-FFF2-40B4-BE49-F238E27FC236}">
+                <a16:creationId xmlns:a16="http://schemas.microsoft.com/office/drawing/2014/main" id="{C9DEA9A6-BD90-4F66-AE2F-4B4A873F6879}"/>
+              </a:ext>
+            </a:extLst>
+          </p:cNvPr>
+          <p:cNvSpPr>
+            <a:spLocks noGrp="1"/>
+          </p:cNvSpPr>
+          <p:nvPr>
+            <p:ph type="ctrTitle"/>
+          </p:nvPr>
+        </p:nvSpPr>
+        <p:spPr>
+          <a:xfrm>
+            <a:off x="457200" y="1122363"/>
+            <a:ext cx="2781300" cy="1195535"/>
+          </a:xfrm>
+        </p:spPr>
+        <p:txBody>
+          <a:bodyPr>
+            <a:normAutofit fontScale="90000"/>
+          </a:bodyPr>
+          <a:lstStyle/>
+          <a:p>
+            <a:r>
+              <a:rPr lang="sv-SE" dirty="0" err="1"/>
+              <a:t>Cropping</a:t>
+            </a:r>
+            <a:endParaRPr lang="sv-SE" dirty="0"/>
+          </a:p>
+        </p:txBody>
+      </p:sp>
+    </p:spTree>
+    <p:extLst>
+      <p:ext uri="{BB962C8B-B14F-4D97-AF65-F5344CB8AC3E}">
+        <p14:creationId xmlns:p14="http://schemas.microsoft.com/office/powerpoint/2010/main" val="2674150165"/>
+      </p:ext>
+    </p:extLst>
+  </p:cSld>
+  <p:clrMapOvr>
+    <a:masterClrMapping/>
+  </p:clrMapOvr>
+</p:sld>
+</file>
+
+<file path=ppt/slides/slide6.xml><?xml version="1.0" encoding="utf-8"?>
+<p:sld xmlns:a="http://schemas.openxmlformats.org/drawingml/2006/main" xmlns:r="http://schemas.openxmlformats.org/officeDocument/2006/relationships" xmlns:p="http://schemas.openxmlformats.org/presentationml/2006/main">
+  <p:cSld>
+    <p:spTree>
+      <p:nvGrpSpPr>
+        <p:cNvPr id="1" name=""/>
+        <p:cNvGrpSpPr/>
+        <p:nvPr/>
+      </p:nvGrpSpPr>
+      <p:grpSpPr>
+        <a:xfrm>
+          <a:off x="0" y="0"/>
+          <a:ext cx="0" cy="0"/>
+          <a:chOff x="0" y="0"/>
+          <a:chExt cx="0" cy="0"/>
+        </a:xfrm>
+      </p:grpSpPr>
+      <p:sp>
+        <p:nvSpPr>
+          <p:cNvPr id="2" name="Title 1">
+            <a:extLst>
+              <a:ext uri="{FF2B5EF4-FFF2-40B4-BE49-F238E27FC236}">
+                <a16:creationId xmlns:a16="http://schemas.microsoft.com/office/drawing/2014/main" id="{C9DEA9A6-BD90-4F66-AE2F-4B4A873F6879}"/>
+              </a:ext>
+            </a:extLst>
+          </p:cNvPr>
+          <p:cNvSpPr>
+            <a:spLocks noGrp="1"/>
+          </p:cNvSpPr>
+          <p:nvPr>
+            <p:ph type="ctrTitle"/>
+          </p:nvPr>
+        </p:nvSpPr>
+        <p:spPr>
+          <a:xfrm>
+            <a:off x="362130" y="410580"/>
+            <a:ext cx="2781300" cy="1195535"/>
+          </a:xfrm>
+        </p:spPr>
+        <p:txBody>
+          <a:bodyPr>
+            <a:normAutofit fontScale="90000"/>
+          </a:bodyPr>
+          <a:lstStyle/>
+          <a:p>
+            <a:r>
+              <a:rPr lang="sv-SE" dirty="0" err="1"/>
+              <a:t>Cropping</a:t>
+            </a:r>
+            <a:endParaRPr lang="sv-SE" dirty="0"/>
+          </a:p>
+        </p:txBody>
+      </p:sp>
+      <p:pic>
+        <p:nvPicPr>
+          <p:cNvPr id="8" name="Picture 7">
+            <a:extLst>
+              <a:ext uri="{FF2B5EF4-FFF2-40B4-BE49-F238E27FC236}">
+                <a16:creationId xmlns:a16="http://schemas.microsoft.com/office/drawing/2014/main" id="{D36470D9-F334-468D-90CC-CD5C9CA3B2DE}"/>
+              </a:ext>
+            </a:extLst>
+          </p:cNvPr>
+          <p:cNvPicPr>
+            <a:picLocks noChangeAspect="1"/>
+          </p:cNvPicPr>
+          <p:nvPr/>
+        </p:nvPicPr>
+        <p:blipFill>
+          <a:blip r:embed="rId2"/>
+          <a:stretch>
+            <a:fillRect/>
+          </a:stretch>
+        </p:blipFill>
+        <p:spPr>
+          <a:xfrm>
+            <a:off x="555170" y="2088470"/>
+            <a:ext cx="2395221" cy="4358950"/>
+          </a:xfrm>
+          <a:prstGeom prst="rect">
+            <a:avLst/>
+          </a:prstGeom>
+        </p:spPr>
+      </p:pic>
+      <p:sp>
+        <p:nvSpPr>
+          <p:cNvPr id="3" name="Rectangle 2">
+            <a:extLst>
+              <a:ext uri="{FF2B5EF4-FFF2-40B4-BE49-F238E27FC236}">
+                <a16:creationId xmlns:a16="http://schemas.microsoft.com/office/drawing/2014/main" id="{0F7E9D93-25A5-407B-BF75-0E9C4D1C5BC4}"/>
+              </a:ext>
+            </a:extLst>
+          </p:cNvPr>
+          <p:cNvSpPr/>
+          <p:nvPr/>
+        </p:nvSpPr>
+        <p:spPr>
+          <a:xfrm>
+            <a:off x="438539" y="4282751"/>
+            <a:ext cx="2704891" cy="2323322"/>
+          </a:xfrm>
+          <a:prstGeom prst="rect">
+            <a:avLst/>
+          </a:prstGeom>
+          <a:solidFill>
+            <a:schemeClr val="bg1"/>
+          </a:solidFill>
+          <a:ln>
+            <a:solidFill>
+              <a:schemeClr val="bg1"/>
+            </a:solidFill>
+          </a:ln>
+        </p:spPr>
+        <p:style>
+          <a:lnRef idx="2">
+            <a:schemeClr val="accent1">
+              <a:shade val="50000"/>
+            </a:schemeClr>
+          </a:lnRef>
+          <a:fillRef idx="1">
+            <a:schemeClr val="accent1"/>
+          </a:fillRef>
+          <a:effectRef idx="0">
+            <a:schemeClr val="accent1"/>
+          </a:effectRef>
+          <a:fontRef idx="minor">
+            <a:schemeClr val="lt1"/>
+          </a:fontRef>
+        </p:style>
+        <p:txBody>
+          <a:bodyPr rtlCol="0" anchor="ctr"/>
+          <a:lstStyle/>
+          <a:p>
+            <a:pPr algn="ctr"/>
+            <a:endParaRPr lang="sv-SE"/>
+          </a:p>
+        </p:txBody>
+      </p:sp>
+    </p:spTree>
+    <p:extLst>
+      <p:ext uri="{BB962C8B-B14F-4D97-AF65-F5344CB8AC3E}">
+        <p14:creationId xmlns:p14="http://schemas.microsoft.com/office/powerpoint/2010/main" val="2350628161"/>
+      </p:ext>
+    </p:extLst>
+  </p:cSld>
+  <p:clrMapOvr>
+    <a:masterClrMapping/>
+  </p:clrMapOvr>
+</p:sld>
+</file>
+
+<file path=ppt/slides/slide7.xml><?xml version="1.0" encoding="utf-8"?>
+<p:sld xmlns:a="http://schemas.openxmlformats.org/drawingml/2006/main" xmlns:r="http://schemas.openxmlformats.org/officeDocument/2006/relationships" xmlns:p="http://schemas.openxmlformats.org/presentationml/2006/main">
+  <p:cSld>
+    <p:spTree>
+      <p:nvGrpSpPr>
+        <p:cNvPr id="1" name=""/>
+        <p:cNvGrpSpPr/>
+        <p:nvPr/>
+      </p:nvGrpSpPr>
+      <p:grpSpPr>
+        <a:xfrm>
+          <a:off x="0" y="0"/>
+          <a:ext cx="0" cy="0"/>
+          <a:chOff x="0" y="0"/>
+          <a:chExt cx="0" cy="0"/>
+        </a:xfrm>
+      </p:grpSpPr>
+      <p:sp>
+        <p:nvSpPr>
+          <p:cNvPr id="2" name="Title 1">
+            <a:extLst>
+              <a:ext uri="{FF2B5EF4-FFF2-40B4-BE49-F238E27FC236}">
+                <a16:creationId xmlns:a16="http://schemas.microsoft.com/office/drawing/2014/main" id="{C9DEA9A6-BD90-4F66-AE2F-4B4A873F6879}"/>
+              </a:ext>
+            </a:extLst>
+          </p:cNvPr>
+          <p:cNvSpPr>
+            <a:spLocks noGrp="1"/>
+          </p:cNvSpPr>
+          <p:nvPr>
+            <p:ph type="ctrTitle"/>
+          </p:nvPr>
+        </p:nvSpPr>
+        <p:spPr>
+          <a:xfrm>
+            <a:off x="362130" y="410580"/>
+            <a:ext cx="2781300" cy="1195535"/>
+          </a:xfrm>
+        </p:spPr>
+        <p:txBody>
+          <a:bodyPr>
+            <a:normAutofit fontScale="90000"/>
+          </a:bodyPr>
+          <a:lstStyle/>
+          <a:p>
+            <a:r>
+              <a:rPr lang="sv-SE" dirty="0" err="1"/>
+              <a:t>Cropping</a:t>
+            </a:r>
+            <a:endParaRPr lang="sv-SE" dirty="0"/>
+          </a:p>
+        </p:txBody>
+      </p:sp>
+      <p:pic>
+        <p:nvPicPr>
+          <p:cNvPr id="8" name="Picture 7">
+            <a:extLst>
+              <a:ext uri="{FF2B5EF4-FFF2-40B4-BE49-F238E27FC236}">
+                <a16:creationId xmlns:a16="http://schemas.microsoft.com/office/drawing/2014/main" id="{D36470D9-F334-468D-90CC-CD5C9CA3B2DE}"/>
+              </a:ext>
+            </a:extLst>
+          </p:cNvPr>
+          <p:cNvPicPr>
+            <a:picLocks noChangeAspect="1"/>
+          </p:cNvPicPr>
+          <p:nvPr/>
+        </p:nvPicPr>
+        <p:blipFill>
+          <a:blip r:embed="rId2"/>
+          <a:stretch>
+            <a:fillRect/>
+          </a:stretch>
+        </p:blipFill>
+        <p:spPr>
+          <a:xfrm>
+            <a:off x="555170" y="2088470"/>
+            <a:ext cx="2395221" cy="4358950"/>
+          </a:xfrm>
+          <a:prstGeom prst="rect">
+            <a:avLst/>
+          </a:prstGeom>
+        </p:spPr>
+      </p:pic>
+    </p:spTree>
+    <p:extLst>
+      <p:ext uri="{BB962C8B-B14F-4D97-AF65-F5344CB8AC3E}">
+        <p14:creationId xmlns:p14="http://schemas.microsoft.com/office/powerpoint/2010/main" val="928177230"/>
+      </p:ext>
+    </p:extLst>
+  </p:cSld>
+  <p:clrMapOvr>
+    <a:masterClrMapping/>
+  </p:clrMapOvr>
+</p:sld>
+</file>
+
+<file path=ppt/slides/slide8.xml><?xml version="1.0" encoding="utf-8"?>
+<p:sld xmlns:a="http://schemas.openxmlformats.org/drawingml/2006/main" xmlns:r="http://schemas.openxmlformats.org/officeDocument/2006/relationships" xmlns:p="http://schemas.openxmlformats.org/presentationml/2006/main">
+  <p:cSld>
+    <p:spTree>
+      <p:nvGrpSpPr>
+        <p:cNvPr id="1" name=""/>
+        <p:cNvGrpSpPr/>
+        <p:nvPr/>
+      </p:nvGrpSpPr>
+      <p:grpSpPr>
+        <a:xfrm>
+          <a:off x="0" y="0"/>
+          <a:ext cx="0" cy="0"/>
+          <a:chOff x="0" y="0"/>
+          <a:chExt cx="0" cy="0"/>
+        </a:xfrm>
+      </p:grpSpPr>
+      <p:sp>
+        <p:nvSpPr>
+          <p:cNvPr id="2" name="Title 1">
+            <a:extLst>
+              <a:ext uri="{FF2B5EF4-FFF2-40B4-BE49-F238E27FC236}">
+                <a16:creationId xmlns:a16="http://schemas.microsoft.com/office/drawing/2014/main" id="{C9DEA9A6-BD90-4F66-AE2F-4B4A873F6879}"/>
+              </a:ext>
+            </a:extLst>
+          </p:cNvPr>
+          <p:cNvSpPr>
+            <a:spLocks noGrp="1"/>
+          </p:cNvSpPr>
+          <p:nvPr>
+            <p:ph type="ctrTitle"/>
+          </p:nvPr>
+        </p:nvSpPr>
+        <p:spPr>
+          <a:xfrm>
+            <a:off x="362130" y="410580"/>
+            <a:ext cx="2781300" cy="1195535"/>
+          </a:xfrm>
+        </p:spPr>
+        <p:txBody>
+          <a:bodyPr>
+            <a:normAutofit fontScale="90000"/>
+          </a:bodyPr>
+          <a:lstStyle/>
+          <a:p>
+            <a:r>
+              <a:rPr lang="sv-SE" dirty="0" err="1"/>
+              <a:t>Cropping</a:t>
+            </a:r>
+            <a:endParaRPr lang="sv-SE" dirty="0"/>
+          </a:p>
+        </p:txBody>
+      </p:sp>
+      <p:pic>
+        <p:nvPicPr>
+          <p:cNvPr id="8" name="Picture 7">
+            <a:extLst>
+              <a:ext uri="{FF2B5EF4-FFF2-40B4-BE49-F238E27FC236}">
+                <a16:creationId xmlns:a16="http://schemas.microsoft.com/office/drawing/2014/main" id="{D36470D9-F334-468D-90CC-CD5C9CA3B2DE}"/>
+              </a:ext>
+            </a:extLst>
+          </p:cNvPr>
+          <p:cNvPicPr>
+            <a:picLocks noChangeAspect="1"/>
+          </p:cNvPicPr>
+          <p:nvPr/>
+        </p:nvPicPr>
+        <p:blipFill>
+          <a:blip r:embed="rId2"/>
+          <a:stretch>
+            <a:fillRect/>
+          </a:stretch>
+        </p:blipFill>
+        <p:spPr>
+          <a:xfrm>
+            <a:off x="555170" y="2088470"/>
+            <a:ext cx="2395221" cy="4358950"/>
+          </a:xfrm>
+          <a:prstGeom prst="rect">
+            <a:avLst/>
+          </a:prstGeom>
+        </p:spPr>
+      </p:pic>
+      <mc:AlternateContent xmlns:mc="http://schemas.openxmlformats.org/markup-compatibility/2006" xmlns:p14="http://schemas.microsoft.com/office/powerpoint/2010/main">
+        <mc:Choice Requires="p14">
+          <p:contentPart p14:bwMode="auto" r:id="rId3">
+            <p14:nvContentPartPr>
+              <p14:cNvPr id="10" name="Ink 9">
+                <a:extLst>
+                  <a:ext uri="{FF2B5EF4-FFF2-40B4-BE49-F238E27FC236}">
+                    <a16:creationId xmlns:a16="http://schemas.microsoft.com/office/drawing/2014/main" id="{E1D0ED50-0752-4D8C-9991-9B72E9628078}"/>
+                  </a:ext>
+                </a:extLst>
+              </p14:cNvPr>
+              <p14:cNvContentPartPr/>
+              <p14:nvPr/>
+            </p14:nvContentPartPr>
+            <p14:xfrm>
+              <a:off x="689890" y="6059405"/>
+              <a:ext cx="243000" cy="11160"/>
+            </p14:xfrm>
+          </p:contentPart>
+        </mc:Choice>
+        <mc:Fallback xmlns="">
+          <p:pic>
+            <p:nvPicPr>
+              <p:cNvPr id="10" name="Ink 9">
+                <a:extLst>
+                  <a:ext uri="{FF2B5EF4-FFF2-40B4-BE49-F238E27FC236}">
+                    <a16:creationId xmlns:a16="http://schemas.microsoft.com/office/drawing/2014/main" id="{E1D0ED50-0752-4D8C-9991-9B72E9628078}"/>
+                  </a:ext>
+                </a:extLst>
+              </p:cNvPr>
+              <p:cNvPicPr/>
+              <p:nvPr/>
+            </p:nvPicPr>
+            <p:blipFill>
+              <a:blip r:embed="rId4"/>
+              <a:stretch>
+                <a:fillRect/>
+              </a:stretch>
+            </p:blipFill>
+            <p:spPr>
+              <a:xfrm>
+                <a:off x="681250" y="6050405"/>
+                <a:ext cx="260640" cy="28800"/>
+              </a:xfrm>
+              <a:prstGeom prst="rect">
+                <a:avLst/>
+              </a:prstGeom>
+            </p:spPr>
+          </p:pic>
+        </mc:Fallback>
+      </mc:AlternateContent>
+      <p:grpSp>
+        <p:nvGrpSpPr>
+          <p:cNvPr id="17" name="Group 16">
+            <a:extLst>
+              <a:ext uri="{FF2B5EF4-FFF2-40B4-BE49-F238E27FC236}">
+                <a16:creationId xmlns:a16="http://schemas.microsoft.com/office/drawing/2014/main" id="{D0C00238-0453-4A4A-AC75-EA75BEC4740A}"/>
+              </a:ext>
+            </a:extLst>
+          </p:cNvPr>
+          <p:cNvGrpSpPr/>
+          <p:nvPr/>
+        </p:nvGrpSpPr>
+        <p:grpSpPr>
+          <a:xfrm>
+            <a:off x="1224850" y="6040325"/>
+            <a:ext cx="568080" cy="29520"/>
+            <a:chOff x="1224850" y="6040325"/>
+            <a:chExt cx="568080" cy="29520"/>
+          </a:xfrm>
+        </p:grpSpPr>
+        <mc:AlternateContent xmlns:mc="http://schemas.openxmlformats.org/markup-compatibility/2006" xmlns:p14="http://schemas.microsoft.com/office/powerpoint/2010/main">
+          <mc:Choice Requires="p14">
+            <p:contentPart p14:bwMode="auto" r:id="rId5">
+              <p14:nvContentPartPr>
+                <p14:cNvPr id="11" name="Ink 10">
+                  <a:extLst>
+                    <a:ext uri="{FF2B5EF4-FFF2-40B4-BE49-F238E27FC236}">
+                      <a16:creationId xmlns:a16="http://schemas.microsoft.com/office/drawing/2014/main" id="{648DC7FC-7A33-4E95-BF5B-F2D4293C8CC0}"/>
+                    </a:ext>
+                  </a:extLst>
+                </p14:cNvPr>
+                <p14:cNvContentPartPr/>
+                <p14:nvPr/>
+              </p14:nvContentPartPr>
+              <p14:xfrm>
+                <a:off x="1224850" y="6069485"/>
+                <a:ext cx="142920" cy="360"/>
+              </p14:xfrm>
+            </p:contentPart>
+          </mc:Choice>
+          <mc:Fallback xmlns="">
+            <p:pic>
+              <p:nvPicPr>
+                <p:cNvPr id="11" name="Ink 10">
+                  <a:extLst>
+                    <a:ext uri="{FF2B5EF4-FFF2-40B4-BE49-F238E27FC236}">
+                      <a16:creationId xmlns:a16="http://schemas.microsoft.com/office/drawing/2014/main" id="{648DC7FC-7A33-4E95-BF5B-F2D4293C8CC0}"/>
+                    </a:ext>
+                  </a:extLst>
+                </p:cNvPr>
+                <p:cNvPicPr/>
+                <p:nvPr/>
+              </p:nvPicPr>
+              <p:blipFill>
+                <a:blip r:embed="rId6"/>
+                <a:stretch>
+                  <a:fillRect/>
+                </a:stretch>
+              </p:blipFill>
+              <p:spPr>
+                <a:xfrm>
+                  <a:off x="1216210" y="6060845"/>
+                  <a:ext cx="160560" cy="18000"/>
+                </a:xfrm>
+                <a:prstGeom prst="rect">
+                  <a:avLst/>
+                </a:prstGeom>
+              </p:spPr>
+            </p:pic>
+          </mc:Fallback>
+        </mc:AlternateContent>
+        <mc:AlternateContent xmlns:mc="http://schemas.openxmlformats.org/markup-compatibility/2006" xmlns:p14="http://schemas.microsoft.com/office/powerpoint/2010/main">
+          <mc:Choice Requires="p14">
+            <p:contentPart p14:bwMode="auto" r:id="rId7">
+              <p14:nvContentPartPr>
+                <p14:cNvPr id="12" name="Ink 11">
+                  <a:extLst>
+                    <a:ext uri="{FF2B5EF4-FFF2-40B4-BE49-F238E27FC236}">
+                      <a16:creationId xmlns:a16="http://schemas.microsoft.com/office/drawing/2014/main" id="{61B8156D-CEA8-4836-81E7-0A2ED6963C79}"/>
+                    </a:ext>
+                  </a:extLst>
+                </p14:cNvPr>
+                <p14:cNvContentPartPr/>
+                <p14:nvPr/>
+              </p14:nvContentPartPr>
+              <p14:xfrm>
+                <a:off x="1575130" y="6040325"/>
+                <a:ext cx="217800" cy="360"/>
+              </p14:xfrm>
+            </p:contentPart>
+          </mc:Choice>
+          <mc:Fallback xmlns="">
+            <p:pic>
+              <p:nvPicPr>
+                <p:cNvPr id="12" name="Ink 11">
+                  <a:extLst>
+                    <a:ext uri="{FF2B5EF4-FFF2-40B4-BE49-F238E27FC236}">
+                      <a16:creationId xmlns:a16="http://schemas.microsoft.com/office/drawing/2014/main" id="{61B8156D-CEA8-4836-81E7-0A2ED6963C79}"/>
+                    </a:ext>
+                  </a:extLst>
+                </p:cNvPr>
+                <p:cNvPicPr/>
+                <p:nvPr/>
+              </p:nvPicPr>
+              <p:blipFill>
+                <a:blip r:embed="rId8"/>
+                <a:stretch>
+                  <a:fillRect/>
+                </a:stretch>
+              </p:blipFill>
+              <p:spPr>
+                <a:xfrm>
+                  <a:off x="1566490" y="6031685"/>
+                  <a:ext cx="235440" cy="18000"/>
+                </a:xfrm>
+                <a:prstGeom prst="rect">
+                  <a:avLst/>
+                </a:prstGeom>
+              </p:spPr>
+            </p:pic>
+          </mc:Fallback>
+        </mc:AlternateContent>
+      </p:grpSp>
+      <p:grpSp>
+        <p:nvGrpSpPr>
+          <p:cNvPr id="16" name="Group 15">
+            <a:extLst>
+              <a:ext uri="{FF2B5EF4-FFF2-40B4-BE49-F238E27FC236}">
+                <a16:creationId xmlns:a16="http://schemas.microsoft.com/office/drawing/2014/main" id="{FACCAA24-414D-4F6E-BEB8-F8FB155009DF}"/>
+              </a:ext>
+            </a:extLst>
+          </p:cNvPr>
+          <p:cNvGrpSpPr/>
+          <p:nvPr/>
+        </p:nvGrpSpPr>
+        <p:grpSpPr>
+          <a:xfrm>
+            <a:off x="2042410" y="5962565"/>
+            <a:ext cx="695160" cy="88920"/>
+            <a:chOff x="2042410" y="5962565"/>
+            <a:chExt cx="695160" cy="88920"/>
+          </a:xfrm>
+        </p:grpSpPr>
+        <mc:AlternateContent xmlns:mc="http://schemas.openxmlformats.org/markup-compatibility/2006" xmlns:p14="http://schemas.microsoft.com/office/powerpoint/2010/main">
+          <mc:Choice Requires="p14">
+            <p:contentPart p14:bwMode="auto" r:id="rId9">
+              <p14:nvContentPartPr>
+                <p14:cNvPr id="13" name="Ink 12">
+                  <a:extLst>
+                    <a:ext uri="{FF2B5EF4-FFF2-40B4-BE49-F238E27FC236}">
+                      <a16:creationId xmlns:a16="http://schemas.microsoft.com/office/drawing/2014/main" id="{F943166C-C031-46D4-B97D-CEDE8FD38AE4}"/>
+                    </a:ext>
+                  </a:extLst>
+                </p14:cNvPr>
+                <p14:cNvContentPartPr/>
+                <p14:nvPr/>
+              </p14:nvContentPartPr>
+              <p14:xfrm>
+                <a:off x="2042410" y="6030605"/>
+                <a:ext cx="174960" cy="20880"/>
+              </p14:xfrm>
+            </p:contentPart>
+          </mc:Choice>
+          <mc:Fallback xmlns="">
+            <p:pic>
+              <p:nvPicPr>
+                <p:cNvPr id="13" name="Ink 12">
+                  <a:extLst>
+                    <a:ext uri="{FF2B5EF4-FFF2-40B4-BE49-F238E27FC236}">
+                      <a16:creationId xmlns:a16="http://schemas.microsoft.com/office/drawing/2014/main" id="{F943166C-C031-46D4-B97D-CEDE8FD38AE4}"/>
+                    </a:ext>
+                  </a:extLst>
+                </p:cNvPr>
+                <p:cNvPicPr/>
+                <p:nvPr/>
+              </p:nvPicPr>
+              <p:blipFill>
+                <a:blip r:embed="rId10"/>
+                <a:stretch>
+                  <a:fillRect/>
+                </a:stretch>
+              </p:blipFill>
+              <p:spPr>
+                <a:xfrm>
+                  <a:off x="2033410" y="6021605"/>
+                  <a:ext cx="192600" cy="38520"/>
+                </a:xfrm>
+                <a:prstGeom prst="rect">
+                  <a:avLst/>
+                </a:prstGeom>
+              </p:spPr>
+            </p:pic>
+          </mc:Fallback>
+        </mc:AlternateContent>
+        <mc:AlternateContent xmlns:mc="http://schemas.openxmlformats.org/markup-compatibility/2006" xmlns:p14="http://schemas.microsoft.com/office/powerpoint/2010/main">
+          <mc:Choice Requires="p14">
+            <p:contentPart p14:bwMode="auto" r:id="rId11">
+              <p14:nvContentPartPr>
+                <p14:cNvPr id="14" name="Ink 13">
+                  <a:extLst>
+                    <a:ext uri="{FF2B5EF4-FFF2-40B4-BE49-F238E27FC236}">
+                      <a16:creationId xmlns:a16="http://schemas.microsoft.com/office/drawing/2014/main" id="{FB83AA7D-D3EA-46D0-9C66-F11B3ED8FE86}"/>
+                    </a:ext>
+                  </a:extLst>
+                </p14:cNvPr>
+                <p14:cNvContentPartPr/>
+                <p14:nvPr/>
+              </p14:nvContentPartPr>
+              <p14:xfrm>
+                <a:off x="2402410" y="5962565"/>
+                <a:ext cx="335160" cy="11160"/>
+              </p14:xfrm>
+            </p:contentPart>
+          </mc:Choice>
+          <mc:Fallback xmlns="">
+            <p:pic>
+              <p:nvPicPr>
+                <p:cNvPr id="14" name="Ink 13">
+                  <a:extLst>
+                    <a:ext uri="{FF2B5EF4-FFF2-40B4-BE49-F238E27FC236}">
+                      <a16:creationId xmlns:a16="http://schemas.microsoft.com/office/drawing/2014/main" id="{FB83AA7D-D3EA-46D0-9C66-F11B3ED8FE86}"/>
+                    </a:ext>
+                  </a:extLst>
+                </p:cNvPr>
+                <p:cNvPicPr/>
+                <p:nvPr/>
+              </p:nvPicPr>
+              <p:blipFill>
+                <a:blip r:embed="rId12"/>
+                <a:stretch>
+                  <a:fillRect/>
+                </a:stretch>
+              </p:blipFill>
+              <p:spPr>
+                <a:xfrm>
+                  <a:off x="2393770" y="5953925"/>
+                  <a:ext cx="352800" cy="28800"/>
+                </a:xfrm>
+                <a:prstGeom prst="rect">
+                  <a:avLst/>
+                </a:prstGeom>
+              </p:spPr>
+            </p:pic>
+          </mc:Fallback>
+        </mc:AlternateContent>
+      </p:grpSp>
+      <mc:AlternateContent xmlns:mc="http://schemas.openxmlformats.org/markup-compatibility/2006" xmlns:p14="http://schemas.microsoft.com/office/powerpoint/2010/main">
+        <mc:Choice Requires="p14">
+          <p:contentPart p14:bwMode="auto" r:id="rId13">
+            <p14:nvContentPartPr>
+              <p14:cNvPr id="15" name="Ink 14">
+                <a:extLst>
+                  <a:ext uri="{FF2B5EF4-FFF2-40B4-BE49-F238E27FC236}">
+                    <a16:creationId xmlns:a16="http://schemas.microsoft.com/office/drawing/2014/main" id="{8443DD40-FD26-46DE-BFC4-1522B2203683}"/>
+                  </a:ext>
+                </a:extLst>
+              </p14:cNvPr>
+              <p14:cNvContentPartPr/>
+              <p14:nvPr/>
+            </p14:nvContentPartPr>
+            <p14:xfrm>
+              <a:off x="3015130" y="5982005"/>
+              <a:ext cx="159840" cy="360"/>
+            </p14:xfrm>
+          </p:contentPart>
+        </mc:Choice>
+        <mc:Fallback xmlns="">
+          <p:pic>
+            <p:nvPicPr>
+              <p:cNvPr id="15" name="Ink 14">
+                <a:extLst>
+                  <a:ext uri="{FF2B5EF4-FFF2-40B4-BE49-F238E27FC236}">
+                    <a16:creationId xmlns:a16="http://schemas.microsoft.com/office/drawing/2014/main" id="{8443DD40-FD26-46DE-BFC4-1522B2203683}"/>
+                  </a:ext>
+                </a:extLst>
+              </p:cNvPr>
+              <p:cNvPicPr/>
+              <p:nvPr/>
+            </p:nvPicPr>
+            <p:blipFill>
+              <a:blip r:embed="rId14"/>
+              <a:stretch>
+                <a:fillRect/>
+              </a:stretch>
+            </p:blipFill>
+            <p:spPr>
+              <a:xfrm>
+                <a:off x="3006130" y="5973005"/>
+                <a:ext cx="177480" cy="18000"/>
+              </a:xfrm>
+              <a:prstGeom prst="rect">
+                <a:avLst/>
+              </a:prstGeom>
+            </p:spPr>
+          </p:pic>
+        </mc:Fallback>
+      </mc:AlternateContent>
+      <mc:AlternateContent xmlns:mc="http://schemas.openxmlformats.org/markup-compatibility/2006" xmlns:p14="http://schemas.microsoft.com/office/powerpoint/2010/main">
+        <mc:Choice Requires="p14">
+          <p:contentPart p14:bwMode="auto" r:id="rId15">
+            <p14:nvContentPartPr>
+              <p14:cNvPr id="21" name="Ink 20">
+                <a:extLst>
+                  <a:ext uri="{FF2B5EF4-FFF2-40B4-BE49-F238E27FC236}">
+                    <a16:creationId xmlns:a16="http://schemas.microsoft.com/office/drawing/2014/main" id="{4BA39677-1A07-4776-9739-A4BFD25D5EB1}"/>
+                  </a:ext>
+                </a:extLst>
+              </p14:cNvPr>
+              <p14:cNvContentPartPr/>
+              <p14:nvPr/>
+            </p14:nvContentPartPr>
+            <p14:xfrm>
+              <a:off x="1030450" y="2227565"/>
+              <a:ext cx="98280" cy="2109600"/>
+            </p14:xfrm>
+          </p:contentPart>
+        </mc:Choice>
+        <mc:Fallback xmlns="">
+          <p:pic>
+            <p:nvPicPr>
+              <p:cNvPr id="21" name="Ink 20">
+                <a:extLst>
+                  <a:ext uri="{FF2B5EF4-FFF2-40B4-BE49-F238E27FC236}">
+                    <a16:creationId xmlns:a16="http://schemas.microsoft.com/office/drawing/2014/main" id="{4BA39677-1A07-4776-9739-A4BFD25D5EB1}"/>
+                  </a:ext>
+                </a:extLst>
+              </p:cNvPr>
+              <p:cNvPicPr/>
+              <p:nvPr/>
+            </p:nvPicPr>
+            <p:blipFill>
+              <a:blip r:embed="rId16"/>
+              <a:stretch>
+                <a:fillRect/>
+              </a:stretch>
+            </p:blipFill>
+            <p:spPr>
+              <a:xfrm>
+                <a:off x="1021810" y="2218565"/>
+                <a:ext cx="115920" cy="2127240"/>
+              </a:xfrm>
+              <a:prstGeom prst="rect">
+                <a:avLst/>
+              </a:prstGeom>
+            </p:spPr>
+          </p:pic>
+        </mc:Fallback>
+      </mc:AlternateContent>
+      <mc:AlternateContent xmlns:mc="http://schemas.openxmlformats.org/markup-compatibility/2006" xmlns:p14="http://schemas.microsoft.com/office/powerpoint/2010/main">
+        <mc:Choice Requires="p14">
+          <p:contentPart p14:bwMode="auto" r:id="rId17">
+            <p14:nvContentPartPr>
+              <p14:cNvPr id="22" name="Ink 21">
+                <a:extLst>
+                  <a:ext uri="{FF2B5EF4-FFF2-40B4-BE49-F238E27FC236}">
+                    <a16:creationId xmlns:a16="http://schemas.microsoft.com/office/drawing/2014/main" id="{66565DCB-8F6D-4132-B393-A049DBCE7F8B}"/>
+                  </a:ext>
+                </a:extLst>
+              </p14:cNvPr>
+              <p14:cNvContentPartPr/>
+              <p14:nvPr/>
+            </p14:nvContentPartPr>
+            <p14:xfrm>
+              <a:off x="2392330" y="2178245"/>
+              <a:ext cx="90360" cy="2019600"/>
+            </p14:xfrm>
+          </p:contentPart>
+        </mc:Choice>
+        <mc:Fallback xmlns="">
+          <p:pic>
+            <p:nvPicPr>
+              <p:cNvPr id="22" name="Ink 21">
+                <a:extLst>
+                  <a:ext uri="{FF2B5EF4-FFF2-40B4-BE49-F238E27FC236}">
+                    <a16:creationId xmlns:a16="http://schemas.microsoft.com/office/drawing/2014/main" id="{66565DCB-8F6D-4132-B393-A049DBCE7F8B}"/>
+                  </a:ext>
+                </a:extLst>
+              </p:cNvPr>
+              <p:cNvPicPr/>
+              <p:nvPr/>
+            </p:nvPicPr>
+            <p:blipFill>
+              <a:blip r:embed="rId18"/>
+              <a:stretch>
+                <a:fillRect/>
+              </a:stretch>
+            </p:blipFill>
+            <p:spPr>
+              <a:xfrm>
+                <a:off x="2383690" y="2169605"/>
+                <a:ext cx="108000" cy="2037240"/>
+              </a:xfrm>
+              <a:prstGeom prst="rect">
+                <a:avLst/>
+              </a:prstGeom>
+            </p:spPr>
+          </p:pic>
+        </mc:Fallback>
+      </mc:AlternateContent>
+      <mc:AlternateContent xmlns:mc="http://schemas.openxmlformats.org/markup-compatibility/2006" xmlns:p14="http://schemas.microsoft.com/office/powerpoint/2010/main">
+        <mc:Choice Requires="p14">
+          <p:contentPart p14:bwMode="auto" r:id="rId19">
+            <p14:nvContentPartPr>
+              <p14:cNvPr id="23" name="Ink 22">
+                <a:extLst>
+                  <a:ext uri="{FF2B5EF4-FFF2-40B4-BE49-F238E27FC236}">
+                    <a16:creationId xmlns:a16="http://schemas.microsoft.com/office/drawing/2014/main" id="{B81540ED-8C48-4CCF-83EE-BC8CD5D4F289}"/>
+                  </a:ext>
+                </a:extLst>
+              </p14:cNvPr>
+              <p14:cNvContentPartPr/>
+              <p14:nvPr/>
+            </p14:nvContentPartPr>
+            <p14:xfrm>
+              <a:off x="2458210" y="2236925"/>
+              <a:ext cx="434880" cy="1697400"/>
+            </p14:xfrm>
+          </p:contentPart>
+        </mc:Choice>
+        <mc:Fallback xmlns="">
+          <p:pic>
+            <p:nvPicPr>
+              <p:cNvPr id="23" name="Ink 22">
+                <a:extLst>
+                  <a:ext uri="{FF2B5EF4-FFF2-40B4-BE49-F238E27FC236}">
+                    <a16:creationId xmlns:a16="http://schemas.microsoft.com/office/drawing/2014/main" id="{B81540ED-8C48-4CCF-83EE-BC8CD5D4F289}"/>
+                  </a:ext>
+                </a:extLst>
+              </p:cNvPr>
+              <p:cNvPicPr/>
+              <p:nvPr/>
+            </p:nvPicPr>
+            <p:blipFill>
+              <a:blip r:embed="rId20"/>
+              <a:stretch>
+                <a:fillRect/>
+              </a:stretch>
+            </p:blipFill>
+            <p:spPr>
+              <a:xfrm>
+                <a:off x="2449570" y="2227925"/>
+                <a:ext cx="452520" cy="1715040"/>
+              </a:xfrm>
+              <a:prstGeom prst="rect">
+                <a:avLst/>
+              </a:prstGeom>
+            </p:spPr>
+          </p:pic>
+        </mc:Fallback>
+      </mc:AlternateContent>
+      <mc:AlternateContent xmlns:mc="http://schemas.openxmlformats.org/markup-compatibility/2006" xmlns:p14="http://schemas.microsoft.com/office/powerpoint/2010/main">
+        <mc:Choice Requires="p14">
+          <p:contentPart p14:bwMode="auto" r:id="rId21">
+            <p14:nvContentPartPr>
+              <p14:cNvPr id="24" name="Ink 23">
+                <a:extLst>
+                  <a:ext uri="{FF2B5EF4-FFF2-40B4-BE49-F238E27FC236}">
+                    <a16:creationId xmlns:a16="http://schemas.microsoft.com/office/drawing/2014/main" id="{4EE83B73-8D41-4D35-BCC4-B09BA34A30A2}"/>
+                  </a:ext>
+                </a:extLst>
+              </p14:cNvPr>
+              <p14:cNvContentPartPr/>
+              <p14:nvPr/>
+            </p14:nvContentPartPr>
+            <p14:xfrm>
+              <a:off x="726610" y="2275805"/>
+              <a:ext cx="361440" cy="2123280"/>
+            </p14:xfrm>
+          </p:contentPart>
+        </mc:Choice>
+        <mc:Fallback xmlns="">
+          <p:pic>
+            <p:nvPicPr>
+              <p:cNvPr id="24" name="Ink 23">
+                <a:extLst>
+                  <a:ext uri="{FF2B5EF4-FFF2-40B4-BE49-F238E27FC236}">
+                    <a16:creationId xmlns:a16="http://schemas.microsoft.com/office/drawing/2014/main" id="{4EE83B73-8D41-4D35-BCC4-B09BA34A30A2}"/>
+                  </a:ext>
+                </a:extLst>
+              </p:cNvPr>
+              <p:cNvPicPr/>
+              <p:nvPr/>
+            </p:nvPicPr>
+            <p:blipFill>
+              <a:blip r:embed="rId22"/>
+              <a:stretch>
+                <a:fillRect/>
+              </a:stretch>
+            </p:blipFill>
+            <p:spPr>
+              <a:xfrm>
+                <a:off x="717610" y="2267165"/>
+                <a:ext cx="379080" cy="2140920"/>
+              </a:xfrm>
+              <a:prstGeom prst="rect">
+                <a:avLst/>
+              </a:prstGeom>
+            </p:spPr>
+          </p:pic>
+        </mc:Fallback>
+      </mc:AlternateContent>
+    </p:spTree>
+    <p:extLst>
+      <p:ext uri="{BB962C8B-B14F-4D97-AF65-F5344CB8AC3E}">
+        <p14:creationId xmlns:p14="http://schemas.microsoft.com/office/powerpoint/2010/main" val="668391578"/>
+      </p:ext>
+    </p:extLst>
+  </p:cSld>
+  <p:clrMapOvr>
+    <a:masterClrMapping/>
+  </p:clrMapOvr>
+</p:sld>
+</file>
+
+<file path=ppt/slides/slide9.xml><?xml version="1.0" encoding="utf-8"?>
+<p:sld xmlns:a="http://schemas.openxmlformats.org/drawingml/2006/main" xmlns:r="http://schemas.openxmlformats.org/officeDocument/2006/relationships" xmlns:p="http://schemas.openxmlformats.org/presentationml/2006/main">
+  <p:cSld>
+    <p:spTree>
+      <p:nvGrpSpPr>
+        <p:cNvPr id="1" name=""/>
+        <p:cNvGrpSpPr/>
+        <p:nvPr/>
+      </p:nvGrpSpPr>
+      <p:grpSpPr>
+        <a:xfrm>
+          <a:off x="0" y="0"/>
+          <a:ext cx="0" cy="0"/>
+          <a:chOff x="0" y="0"/>
+          <a:chExt cx="0" cy="0"/>
+        </a:xfrm>
+      </p:grpSpPr>
+      <p:sp>
+        <p:nvSpPr>
+          <p:cNvPr id="2" name="Title 1">
+            <a:extLst>
+              <a:ext uri="{FF2B5EF4-FFF2-40B4-BE49-F238E27FC236}">
+                <a16:creationId xmlns:a16="http://schemas.microsoft.com/office/drawing/2014/main" id="{C9DEA9A6-BD90-4F66-AE2F-4B4A873F6879}"/>
+              </a:ext>
+            </a:extLst>
+          </p:cNvPr>
+          <p:cNvSpPr>
+            <a:spLocks noGrp="1"/>
+          </p:cNvSpPr>
+          <p:nvPr>
+            <p:ph type="ctrTitle"/>
+          </p:nvPr>
+        </p:nvSpPr>
+        <p:spPr>
+          <a:xfrm>
+            <a:off x="362130" y="410580"/>
+            <a:ext cx="2781300" cy="1195535"/>
+          </a:xfrm>
+        </p:spPr>
+        <p:txBody>
+          <a:bodyPr>
+            <a:normAutofit fontScale="90000"/>
+          </a:bodyPr>
+          <a:lstStyle/>
+          <a:p>
+            <a:r>
+              <a:rPr lang="sv-SE" dirty="0" err="1"/>
+              <a:t>Cropping</a:t>
+            </a:r>
+            <a:endParaRPr lang="sv-SE" dirty="0"/>
+          </a:p>
+        </p:txBody>
+      </p:sp>
+      <p:pic>
+        <p:nvPicPr>
+          <p:cNvPr id="8" name="Picture 7">
+            <a:extLst>
+              <a:ext uri="{FF2B5EF4-FFF2-40B4-BE49-F238E27FC236}">
+                <a16:creationId xmlns:a16="http://schemas.microsoft.com/office/drawing/2014/main" id="{D36470D9-F334-468D-90CC-CD5C9CA3B2DE}"/>
+              </a:ext>
+            </a:extLst>
+          </p:cNvPr>
+          <p:cNvPicPr>
+            <a:picLocks noChangeAspect="1"/>
+          </p:cNvPicPr>
+          <p:nvPr/>
+        </p:nvPicPr>
+        <p:blipFill>
+          <a:blip r:embed="rId2"/>
+          <a:stretch>
+            <a:fillRect/>
+          </a:stretch>
+        </p:blipFill>
+        <p:spPr>
+          <a:xfrm>
+            <a:off x="555170" y="2088470"/>
+            <a:ext cx="2395221" cy="4358950"/>
+          </a:xfrm>
+          <a:prstGeom prst="rect">
+            <a:avLst/>
+          </a:prstGeom>
+        </p:spPr>
+      </p:pic>
+      <p:pic>
+        <p:nvPicPr>
+          <p:cNvPr id="10" name="Picture 9">
+            <a:extLst>
+              <a:ext uri="{FF2B5EF4-FFF2-40B4-BE49-F238E27FC236}">
+                <a16:creationId xmlns:a16="http://schemas.microsoft.com/office/drawing/2014/main" id="{6599DC05-A653-483B-9A1A-CEC020345652}"/>
+              </a:ext>
+            </a:extLst>
+          </p:cNvPr>
+          <p:cNvPicPr>
+            <a:picLocks noChangeAspect="1"/>
+          </p:cNvPicPr>
+          <p:nvPr/>
+        </p:nvPicPr>
+        <p:blipFill>
+          <a:blip r:embed="rId3"/>
+          <a:stretch>
+            <a:fillRect/>
+          </a:stretch>
+        </p:blipFill>
+        <p:spPr>
+          <a:xfrm>
+            <a:off x="3236342" y="2315047"/>
+            <a:ext cx="1867161" cy="3905795"/>
+          </a:xfrm>
+          <a:prstGeom prst="rect">
+            <a:avLst/>
+          </a:prstGeom>
+        </p:spPr>
+      </p:pic>
+    </p:spTree>
+    <p:extLst>
+      <p:ext uri="{BB962C8B-B14F-4D97-AF65-F5344CB8AC3E}">
+        <p14:creationId xmlns:p14="http://schemas.microsoft.com/office/powerpoint/2010/main" val="211193615"/>
       </p:ext>
     </p:extLst>
   </p:cSld>
